--- a/presentations/Bài 23_Xay dung cac API Rest.pptx
+++ b/presentations/Bài 23_Xay dung cac API Rest.pptx
@@ -12623,7 +12623,7 @@
             </a:r>
             <a:r>
               <a:rPr lang="vi-VN"/>
-              <a:t> được kiến trúc phân cấp của Collection Framework và ý nghĩa của các kiểu Collection</a:t>
+              <a:t> được ý nghĩa và vai trò của API</a:t>
             </a:r>
           </a:p>
           <a:p>
@@ -12639,11 +12639,31 @@
             </a:pPr>
             <a:r>
               <a:rPr lang="vi-VN" b="1"/>
+              <a:t>Phân biệt</a:t>
+            </a:r>
+            <a:r>
+              <a:rPr lang="vi-VN"/>
+              <a:t> được các kiểu API</a:t>
+            </a:r>
+          </a:p>
+          <a:p>
+            <a:pPr marL="457200" lvl="0" indent="-342900" algn="just" rtl="0">
+              <a:spcBef>
+                <a:spcPts val="0"/>
+              </a:spcBef>
+              <a:spcAft>
+                <a:spcPts val="0"/>
+              </a:spcAft>
+              <a:buSzPts val="1800"/>
+              <a:buChar char="●"/>
+            </a:pPr>
+            <a:r>
+              <a:rPr lang="vi-VN" b="1"/>
               <a:t>Biết</a:t>
             </a:r>
             <a:r>
               <a:rPr lang="vi-VN"/>
-              <a:t> cách thao tác trên các kiểu Collection khác nhau</a:t>
+              <a:t> cách tạo ra các API Rest cho các chức năng khác nhau.</a:t>
             </a:r>
           </a:p>
           <a:p>

--- a/presentations/Bài 23_Xay dung cac API Rest.pptx
+++ b/presentations/Bài 23_Xay dung cac API Rest.pptx
@@ -5,7 +5,7 @@
     <p:sldMasterId id="2147483659" r:id="rId1"/>
   </p:sldMasterIdLst>
   <p:notesMasterIdLst>
-    <p:notesMasterId r:id="rId46"/>
+    <p:notesMasterId r:id="rId44"/>
   </p:notesMasterIdLst>
   <p:sldIdLst>
     <p:sldId id="256" r:id="rId2"/>
@@ -14,58 +14,56 @@
     <p:sldId id="294" r:id="rId5"/>
     <p:sldId id="295" r:id="rId6"/>
     <p:sldId id="296" r:id="rId7"/>
-    <p:sldId id="297" r:id="rId8"/>
-    <p:sldId id="293" r:id="rId9"/>
-    <p:sldId id="264" r:id="rId10"/>
-    <p:sldId id="270" r:id="rId11"/>
-    <p:sldId id="298" r:id="rId12"/>
-    <p:sldId id="299" r:id="rId13"/>
-    <p:sldId id="271" r:id="rId14"/>
-    <p:sldId id="300" r:id="rId15"/>
-    <p:sldId id="301" r:id="rId16"/>
-    <p:sldId id="302" r:id="rId17"/>
-    <p:sldId id="303" r:id="rId18"/>
-    <p:sldId id="304" r:id="rId19"/>
-    <p:sldId id="305" r:id="rId20"/>
-    <p:sldId id="306" r:id="rId21"/>
-    <p:sldId id="307" r:id="rId22"/>
-    <p:sldId id="266" r:id="rId23"/>
-    <p:sldId id="275" r:id="rId24"/>
-    <p:sldId id="276" r:id="rId25"/>
-    <p:sldId id="308" r:id="rId26"/>
-    <p:sldId id="309" r:id="rId27"/>
-    <p:sldId id="311" r:id="rId28"/>
-    <p:sldId id="310" r:id="rId29"/>
-    <p:sldId id="312" r:id="rId30"/>
-    <p:sldId id="313" r:id="rId31"/>
-    <p:sldId id="314" r:id="rId32"/>
-    <p:sldId id="316" r:id="rId33"/>
-    <p:sldId id="317" r:id="rId34"/>
-    <p:sldId id="315" r:id="rId35"/>
-    <p:sldId id="318" r:id="rId36"/>
-    <p:sldId id="319" r:id="rId37"/>
-    <p:sldId id="320" r:id="rId38"/>
-    <p:sldId id="321" r:id="rId39"/>
-    <p:sldId id="322" r:id="rId40"/>
-    <p:sldId id="323" r:id="rId41"/>
-    <p:sldId id="324" r:id="rId42"/>
-    <p:sldId id="325" r:id="rId43"/>
-    <p:sldId id="326" r:id="rId44"/>
-    <p:sldId id="327" r:id="rId45"/>
+    <p:sldId id="328" r:id="rId8"/>
+    <p:sldId id="329" r:id="rId9"/>
+    <p:sldId id="330" r:id="rId10"/>
+    <p:sldId id="331" r:id="rId11"/>
+    <p:sldId id="332" r:id="rId12"/>
+    <p:sldId id="333" r:id="rId13"/>
+    <p:sldId id="334" r:id="rId14"/>
+    <p:sldId id="335" r:id="rId15"/>
+    <p:sldId id="336" r:id="rId16"/>
+    <p:sldId id="337" r:id="rId17"/>
+    <p:sldId id="338" r:id="rId18"/>
+    <p:sldId id="339" r:id="rId19"/>
+    <p:sldId id="340" r:id="rId20"/>
+    <p:sldId id="341" r:id="rId21"/>
+    <p:sldId id="342" r:id="rId22"/>
+    <p:sldId id="343" r:id="rId23"/>
+    <p:sldId id="344" r:id="rId24"/>
+    <p:sldId id="345" r:id="rId25"/>
+    <p:sldId id="346" r:id="rId26"/>
+    <p:sldId id="347" r:id="rId27"/>
+    <p:sldId id="348" r:id="rId28"/>
+    <p:sldId id="349" r:id="rId29"/>
+    <p:sldId id="351" r:id="rId30"/>
+    <p:sldId id="352" r:id="rId31"/>
+    <p:sldId id="350" r:id="rId32"/>
+    <p:sldId id="353" r:id="rId33"/>
+    <p:sldId id="354" r:id="rId34"/>
+    <p:sldId id="355" r:id="rId35"/>
+    <p:sldId id="356" r:id="rId36"/>
+    <p:sldId id="357" r:id="rId37"/>
+    <p:sldId id="358" r:id="rId38"/>
+    <p:sldId id="359" r:id="rId39"/>
+    <p:sldId id="360" r:id="rId40"/>
+    <p:sldId id="361" r:id="rId41"/>
+    <p:sldId id="362" r:id="rId42"/>
+    <p:sldId id="363" r:id="rId43"/>
   </p:sldIdLst>
   <p:sldSz cx="9144000" cy="5143500" type="screen16x9"/>
   <p:notesSz cx="6858000" cy="9144000"/>
   <p:embeddedFontLst>
     <p:embeddedFont>
       <p:font typeface="Alfa Slab One" panose="020B0604020202020204" charset="0"/>
-      <p:regular r:id="rId47"/>
+      <p:regular r:id="rId45"/>
     </p:embeddedFont>
     <p:embeddedFont>
       <p:font typeface="Proxima Nova" panose="020B0604020202020204" charset="0"/>
-      <p:regular r:id="rId48"/>
-      <p:bold r:id="rId49"/>
-      <p:italic r:id="rId50"/>
-      <p:boldItalic r:id="rId51"/>
+      <p:regular r:id="rId46"/>
+      <p:bold r:id="rId47"/>
+      <p:italic r:id="rId48"/>
+      <p:boldItalic r:id="rId49"/>
     </p:embeddedFont>
   </p:embeddedFontLst>
   <p:defaultTextStyle>
@@ -960,7 +958,7 @@
     </p:spTree>
     <p:extLst>
       <p:ext uri="{BB962C8B-B14F-4D97-AF65-F5344CB8AC3E}">
-        <p14:creationId xmlns:p14="http://schemas.microsoft.com/office/powerpoint/2010/main" val="2587829370"/>
+        <p14:creationId xmlns:p14="http://schemas.microsoft.com/office/powerpoint/2010/main" val="3397859066"/>
       </p:ext>
     </p:extLst>
   </p:cSld>
@@ -1069,7 +1067,7 @@
     </p:spTree>
     <p:extLst>
       <p:ext uri="{BB962C8B-B14F-4D97-AF65-F5344CB8AC3E}">
-        <p14:creationId xmlns:p14="http://schemas.microsoft.com/office/powerpoint/2010/main" val="4241886225"/>
+        <p14:creationId xmlns:p14="http://schemas.microsoft.com/office/powerpoint/2010/main" val="1716072107"/>
       </p:ext>
     </p:extLst>
   </p:cSld>
@@ -1178,7 +1176,7 @@
     </p:spTree>
     <p:extLst>
       <p:ext uri="{BB962C8B-B14F-4D97-AF65-F5344CB8AC3E}">
-        <p14:creationId xmlns:p14="http://schemas.microsoft.com/office/powerpoint/2010/main" val="3775249264"/>
+        <p14:creationId xmlns:p14="http://schemas.microsoft.com/office/powerpoint/2010/main" val="4249548122"/>
       </p:ext>
     </p:extLst>
   </p:cSld>
@@ -1287,7 +1285,7 @@
     </p:spTree>
     <p:extLst>
       <p:ext uri="{BB962C8B-B14F-4D97-AF65-F5344CB8AC3E}">
-        <p14:creationId xmlns:p14="http://schemas.microsoft.com/office/powerpoint/2010/main" val="666094291"/>
+        <p14:creationId xmlns:p14="http://schemas.microsoft.com/office/powerpoint/2010/main" val="1230221151"/>
       </p:ext>
     </p:extLst>
   </p:cSld>
@@ -1396,7 +1394,7 @@
     </p:spTree>
     <p:extLst>
       <p:ext uri="{BB962C8B-B14F-4D97-AF65-F5344CB8AC3E}">
-        <p14:creationId xmlns:p14="http://schemas.microsoft.com/office/powerpoint/2010/main" val="4168518833"/>
+        <p14:creationId xmlns:p14="http://schemas.microsoft.com/office/powerpoint/2010/main" val="294863993"/>
       </p:ext>
     </p:extLst>
   </p:cSld>
@@ -1505,7 +1503,7 @@
     </p:spTree>
     <p:extLst>
       <p:ext uri="{BB962C8B-B14F-4D97-AF65-F5344CB8AC3E}">
-        <p14:creationId xmlns:p14="http://schemas.microsoft.com/office/powerpoint/2010/main" val="3860909301"/>
+        <p14:creationId xmlns:p14="http://schemas.microsoft.com/office/powerpoint/2010/main" val="2912434307"/>
       </p:ext>
     </p:extLst>
   </p:cSld>
@@ -1614,7 +1612,7 @@
     </p:spTree>
     <p:extLst>
       <p:ext uri="{BB962C8B-B14F-4D97-AF65-F5344CB8AC3E}">
-        <p14:creationId xmlns:p14="http://schemas.microsoft.com/office/powerpoint/2010/main" val="3254273742"/>
+        <p14:creationId xmlns:p14="http://schemas.microsoft.com/office/powerpoint/2010/main" val="1363968880"/>
       </p:ext>
     </p:extLst>
   </p:cSld>
@@ -1723,7 +1721,7 @@
     </p:spTree>
     <p:extLst>
       <p:ext uri="{BB962C8B-B14F-4D97-AF65-F5344CB8AC3E}">
-        <p14:creationId xmlns:p14="http://schemas.microsoft.com/office/powerpoint/2010/main" val="581416601"/>
+        <p14:creationId xmlns:p14="http://schemas.microsoft.com/office/powerpoint/2010/main" val="1803917455"/>
       </p:ext>
     </p:extLst>
   </p:cSld>
@@ -1832,7 +1830,7 @@
     </p:spTree>
     <p:extLst>
       <p:ext uri="{BB962C8B-B14F-4D97-AF65-F5344CB8AC3E}">
-        <p14:creationId xmlns:p14="http://schemas.microsoft.com/office/powerpoint/2010/main" val="3054439252"/>
+        <p14:creationId xmlns:p14="http://schemas.microsoft.com/office/powerpoint/2010/main" val="3007111439"/>
       </p:ext>
     </p:extLst>
   </p:cSld>
@@ -1941,7 +1939,7 @@
     </p:spTree>
     <p:extLst>
       <p:ext uri="{BB962C8B-B14F-4D97-AF65-F5344CB8AC3E}">
-        <p14:creationId xmlns:p14="http://schemas.microsoft.com/office/powerpoint/2010/main" val="1007528006"/>
+        <p14:creationId xmlns:p14="http://schemas.microsoft.com/office/powerpoint/2010/main" val="791987756"/>
       </p:ext>
     </p:extLst>
   </p:cSld>
@@ -2060,7 +2058,7 @@
   <p:cSld>
     <p:spTree>
       <p:nvGrpSpPr>
-        <p:cNvPr id="1" name="Shape 63"/>
+        <p:cNvPr id="1" name="Shape 69"/>
         <p:cNvGrpSpPr/>
         <p:nvPr/>
       </p:nvGrpSpPr>
@@ -2074,7 +2072,7 @@
       </p:grpSpPr>
       <p:sp>
         <p:nvSpPr>
-          <p:cNvPr id="64" name="Google Shape;64;g163dd5cb31f_0_287:notes"/>
+          <p:cNvPr id="70" name="Google Shape;70;g1658efc2617_0_22:notes"/>
           <p:cNvSpPr>
             <a:spLocks noGrp="1" noRot="1" noChangeAspect="1"/>
           </p:cNvSpPr>
@@ -2115,7 +2113,7 @@
       </p:sp>
       <p:sp>
         <p:nvSpPr>
-          <p:cNvPr id="65" name="Google Shape;65;g163dd5cb31f_0_287:notes"/>
+          <p:cNvPr id="71" name="Google Shape;71;g1658efc2617_0_22:notes"/>
           <p:cNvSpPr txBox="1">
             <a:spLocks noGrp="1"/>
           </p:cNvSpPr>
@@ -2154,7 +2152,7 @@
     </p:spTree>
     <p:extLst>
       <p:ext uri="{BB962C8B-B14F-4D97-AF65-F5344CB8AC3E}">
-        <p14:creationId xmlns:p14="http://schemas.microsoft.com/office/powerpoint/2010/main" val="601062831"/>
+        <p14:creationId xmlns:p14="http://schemas.microsoft.com/office/powerpoint/2010/main" val="325255190"/>
       </p:ext>
     </p:extLst>
   </p:cSld>
@@ -2263,7 +2261,7 @@
     </p:spTree>
     <p:extLst>
       <p:ext uri="{BB962C8B-B14F-4D97-AF65-F5344CB8AC3E}">
-        <p14:creationId xmlns:p14="http://schemas.microsoft.com/office/powerpoint/2010/main" val="2417829890"/>
+        <p14:creationId xmlns:p14="http://schemas.microsoft.com/office/powerpoint/2010/main" val="3856248413"/>
       </p:ext>
     </p:extLst>
   </p:cSld>
@@ -2278,7 +2276,7 @@
   <p:cSld>
     <p:spTree>
       <p:nvGrpSpPr>
-        <p:cNvPr id="1" name="Shape 69"/>
+        <p:cNvPr id="1" name="Shape 63"/>
         <p:cNvGrpSpPr/>
         <p:nvPr/>
       </p:nvGrpSpPr>
@@ -2292,7 +2290,7 @@
       </p:grpSpPr>
       <p:sp>
         <p:nvSpPr>
-          <p:cNvPr id="70" name="Google Shape;70;g1658efc2617_0_22:notes"/>
+          <p:cNvPr id="64" name="Google Shape;64;g163dd5cb31f_0_287:notes"/>
           <p:cNvSpPr>
             <a:spLocks noGrp="1" noRot="1" noChangeAspect="1"/>
           </p:cNvSpPr>
@@ -2333,7 +2331,7 @@
       </p:sp>
       <p:sp>
         <p:nvSpPr>
-          <p:cNvPr id="71" name="Google Shape;71;g1658efc2617_0_22:notes"/>
+          <p:cNvPr id="65" name="Google Shape;65;g163dd5cb31f_0_287:notes"/>
           <p:cNvSpPr txBox="1">
             <a:spLocks noGrp="1"/>
           </p:cNvSpPr>
@@ -2372,7 +2370,7 @@
     </p:spTree>
     <p:extLst>
       <p:ext uri="{BB962C8B-B14F-4D97-AF65-F5344CB8AC3E}">
-        <p14:creationId xmlns:p14="http://schemas.microsoft.com/office/powerpoint/2010/main" val="3342107127"/>
+        <p14:creationId xmlns:p14="http://schemas.microsoft.com/office/powerpoint/2010/main" val="4107296172"/>
       </p:ext>
     </p:extLst>
   </p:cSld>
@@ -2481,7 +2479,7 @@
     </p:spTree>
     <p:extLst>
       <p:ext uri="{BB962C8B-B14F-4D97-AF65-F5344CB8AC3E}">
-        <p14:creationId xmlns:p14="http://schemas.microsoft.com/office/powerpoint/2010/main" val="3950349973"/>
+        <p14:creationId xmlns:p14="http://schemas.microsoft.com/office/powerpoint/2010/main" val="2717806862"/>
       </p:ext>
     </p:extLst>
   </p:cSld>
@@ -2590,7 +2588,7 @@
     </p:spTree>
     <p:extLst>
       <p:ext uri="{BB962C8B-B14F-4D97-AF65-F5344CB8AC3E}">
-        <p14:creationId xmlns:p14="http://schemas.microsoft.com/office/powerpoint/2010/main" val="4050962211"/>
+        <p14:creationId xmlns:p14="http://schemas.microsoft.com/office/powerpoint/2010/main" val="2650568301"/>
       </p:ext>
     </p:extLst>
   </p:cSld>
@@ -2699,7 +2697,7 @@
     </p:spTree>
     <p:extLst>
       <p:ext uri="{BB962C8B-B14F-4D97-AF65-F5344CB8AC3E}">
-        <p14:creationId xmlns:p14="http://schemas.microsoft.com/office/powerpoint/2010/main" val="4206326415"/>
+        <p14:creationId xmlns:p14="http://schemas.microsoft.com/office/powerpoint/2010/main" val="2696371537"/>
       </p:ext>
     </p:extLst>
   </p:cSld>
@@ -2714,7 +2712,7 @@
   <p:cSld>
     <p:spTree>
       <p:nvGrpSpPr>
-        <p:cNvPr id="1" name="Shape 63"/>
+        <p:cNvPr id="1" name="Shape 69"/>
         <p:cNvGrpSpPr/>
         <p:nvPr/>
       </p:nvGrpSpPr>
@@ -2728,7 +2726,7 @@
       </p:grpSpPr>
       <p:sp>
         <p:nvSpPr>
-          <p:cNvPr id="64" name="Google Shape;64;g163dd5cb31f_0_287:notes"/>
+          <p:cNvPr id="70" name="Google Shape;70;g1658efc2617_0_22:notes"/>
           <p:cNvSpPr>
             <a:spLocks noGrp="1" noRot="1" noChangeAspect="1"/>
           </p:cNvSpPr>
@@ -2769,7 +2767,7 @@
       </p:sp>
       <p:sp>
         <p:nvSpPr>
-          <p:cNvPr id="65" name="Google Shape;65;g163dd5cb31f_0_287:notes"/>
+          <p:cNvPr id="71" name="Google Shape;71;g1658efc2617_0_22:notes"/>
           <p:cNvSpPr txBox="1">
             <a:spLocks noGrp="1"/>
           </p:cNvSpPr>
@@ -2808,7 +2806,7 @@
     </p:spTree>
     <p:extLst>
       <p:ext uri="{BB962C8B-B14F-4D97-AF65-F5344CB8AC3E}">
-        <p14:creationId xmlns:p14="http://schemas.microsoft.com/office/powerpoint/2010/main" val="3996873399"/>
+        <p14:creationId xmlns:p14="http://schemas.microsoft.com/office/powerpoint/2010/main" val="715095462"/>
       </p:ext>
     </p:extLst>
   </p:cSld>
@@ -2917,7 +2915,7 @@
     </p:spTree>
     <p:extLst>
       <p:ext uri="{BB962C8B-B14F-4D97-AF65-F5344CB8AC3E}">
-        <p14:creationId xmlns:p14="http://schemas.microsoft.com/office/powerpoint/2010/main" val="1472901147"/>
+        <p14:creationId xmlns:p14="http://schemas.microsoft.com/office/powerpoint/2010/main" val="3473425552"/>
       </p:ext>
     </p:extLst>
   </p:cSld>
@@ -3019,6 +3017,30 @@
               </a:spcAft>
               <a:buNone/>
             </a:pPr>
+            <a:r>
+              <a:rPr lang="en-US">
+                <a:hlinkClick r:id="rId3"/>
+              </a:rPr>
+              <a:t>Users - GitHub Docs</a:t>
+            </a:r>
+            <a:endParaRPr lang="vi-VN"/>
+          </a:p>
+          <a:p>
+            <a:pPr marL="0" lvl="0" indent="0" algn="l" rtl="0">
+              <a:spcBef>
+                <a:spcPts val="0"/>
+              </a:spcBef>
+              <a:spcAft>
+                <a:spcPts val="0"/>
+              </a:spcAft>
+              <a:buNone/>
+            </a:pPr>
+            <a:r>
+              <a:rPr lang="en-US">
+                <a:hlinkClick r:id="rId4"/>
+              </a:rPr>
+              <a:t>Rest API Hateoas : Should API response have identifiers as hard coded or as placeholders? - Stack Overflow</a:t>
+            </a:r>
             <a:endParaRPr/>
           </a:p>
         </p:txBody>
@@ -3026,7 +3048,7 @@
     </p:spTree>
     <p:extLst>
       <p:ext uri="{BB962C8B-B14F-4D97-AF65-F5344CB8AC3E}">
-        <p14:creationId xmlns:p14="http://schemas.microsoft.com/office/powerpoint/2010/main" val="3944547577"/>
+        <p14:creationId xmlns:p14="http://schemas.microsoft.com/office/powerpoint/2010/main" val="3737688588"/>
       </p:ext>
     </p:extLst>
   </p:cSld>
@@ -3135,7 +3157,7 @@
     </p:spTree>
     <p:extLst>
       <p:ext uri="{BB962C8B-B14F-4D97-AF65-F5344CB8AC3E}">
-        <p14:creationId xmlns:p14="http://schemas.microsoft.com/office/powerpoint/2010/main" val="541235237"/>
+        <p14:creationId xmlns:p14="http://schemas.microsoft.com/office/powerpoint/2010/main" val="287769960"/>
       </p:ext>
     </p:extLst>
   </p:cSld>
@@ -3348,7 +3370,7 @@
     </p:spTree>
     <p:extLst>
       <p:ext uri="{BB962C8B-B14F-4D97-AF65-F5344CB8AC3E}">
-        <p14:creationId xmlns:p14="http://schemas.microsoft.com/office/powerpoint/2010/main" val="342460764"/>
+        <p14:creationId xmlns:p14="http://schemas.microsoft.com/office/powerpoint/2010/main" val="235309488"/>
       </p:ext>
     </p:extLst>
   </p:cSld>
@@ -3450,6 +3472,30 @@
               </a:spcAft>
               <a:buNone/>
             </a:pPr>
+            <a:r>
+              <a:rPr lang="en-US">
+                <a:hlinkClick r:id="rId3"/>
+              </a:rPr>
+              <a:t>Users - GitHub Docs</a:t>
+            </a:r>
+            <a:endParaRPr lang="vi-VN"/>
+          </a:p>
+          <a:p>
+            <a:pPr marL="0" lvl="0" indent="0" algn="l" rtl="0">
+              <a:spcBef>
+                <a:spcPts val="0"/>
+              </a:spcBef>
+              <a:spcAft>
+                <a:spcPts val="0"/>
+              </a:spcAft>
+              <a:buNone/>
+            </a:pPr>
+            <a:r>
+              <a:rPr lang="en-US">
+                <a:hlinkClick r:id="rId4"/>
+              </a:rPr>
+              <a:t>Rest API Hateoas : Should API response have identifiers as hard coded or as placeholders? - Stack Overflow</a:t>
+            </a:r>
             <a:endParaRPr/>
           </a:p>
         </p:txBody>
@@ -3457,7 +3503,7 @@
     </p:spTree>
     <p:extLst>
       <p:ext uri="{BB962C8B-B14F-4D97-AF65-F5344CB8AC3E}">
-        <p14:creationId xmlns:p14="http://schemas.microsoft.com/office/powerpoint/2010/main" val="3206065316"/>
+        <p14:creationId xmlns:p14="http://schemas.microsoft.com/office/powerpoint/2010/main" val="4091254055"/>
       </p:ext>
     </p:extLst>
   </p:cSld>
@@ -3472,7 +3518,7 @@
   <p:cSld>
     <p:spTree>
       <p:nvGrpSpPr>
-        <p:cNvPr id="1" name="Shape 63"/>
+        <p:cNvPr id="1" name="Shape 69"/>
         <p:cNvGrpSpPr/>
         <p:nvPr/>
       </p:nvGrpSpPr>
@@ -3486,7 +3532,7 @@
       </p:grpSpPr>
       <p:sp>
         <p:nvSpPr>
-          <p:cNvPr id="64" name="Google Shape;64;g163dd5cb31f_0_287:notes"/>
+          <p:cNvPr id="70" name="Google Shape;70;g1658efc2617_0_22:notes"/>
           <p:cNvSpPr>
             <a:spLocks noGrp="1" noRot="1" noChangeAspect="1"/>
           </p:cNvSpPr>
@@ -3527,7 +3573,7 @@
       </p:sp>
       <p:sp>
         <p:nvSpPr>
-          <p:cNvPr id="65" name="Google Shape;65;g163dd5cb31f_0_287:notes"/>
+          <p:cNvPr id="71" name="Google Shape;71;g1658efc2617_0_22:notes"/>
           <p:cNvSpPr txBox="1">
             <a:spLocks noGrp="1"/>
           </p:cNvSpPr>
@@ -3566,7 +3612,7 @@
     </p:spTree>
     <p:extLst>
       <p:ext uri="{BB962C8B-B14F-4D97-AF65-F5344CB8AC3E}">
-        <p14:creationId xmlns:p14="http://schemas.microsoft.com/office/powerpoint/2010/main" val="2778567783"/>
+        <p14:creationId xmlns:p14="http://schemas.microsoft.com/office/powerpoint/2010/main" val="1861740141"/>
       </p:ext>
     </p:extLst>
   </p:cSld>
@@ -3668,6 +3714,30 @@
               </a:spcAft>
               <a:buNone/>
             </a:pPr>
+            <a:r>
+              <a:rPr lang="en-US">
+                <a:hlinkClick r:id="rId3"/>
+              </a:rPr>
+              <a:t>Users - GitHub Docs</a:t>
+            </a:r>
+            <a:endParaRPr lang="vi-VN"/>
+          </a:p>
+          <a:p>
+            <a:pPr marL="0" lvl="0" indent="0" algn="l" rtl="0">
+              <a:spcBef>
+                <a:spcPts val="0"/>
+              </a:spcBef>
+              <a:spcAft>
+                <a:spcPts val="0"/>
+              </a:spcAft>
+              <a:buNone/>
+            </a:pPr>
+            <a:r>
+              <a:rPr lang="en-US">
+                <a:hlinkClick r:id="rId4"/>
+              </a:rPr>
+              <a:t>Rest API Hateoas : Should API response have identifiers as hard coded or as placeholders? - Stack Overflow</a:t>
+            </a:r>
             <a:endParaRPr/>
           </a:p>
         </p:txBody>
@@ -3675,7 +3745,7 @@
     </p:spTree>
     <p:extLst>
       <p:ext uri="{BB962C8B-B14F-4D97-AF65-F5344CB8AC3E}">
-        <p14:creationId xmlns:p14="http://schemas.microsoft.com/office/powerpoint/2010/main" val="2889504613"/>
+        <p14:creationId xmlns:p14="http://schemas.microsoft.com/office/powerpoint/2010/main" val="2750588022"/>
       </p:ext>
     </p:extLst>
   </p:cSld>
@@ -3777,6 +3847,30 @@
               </a:spcAft>
               <a:buNone/>
             </a:pPr>
+            <a:r>
+              <a:rPr lang="en-US">
+                <a:hlinkClick r:id="rId3"/>
+              </a:rPr>
+              <a:t>Users - GitHub Docs</a:t>
+            </a:r>
+            <a:endParaRPr lang="vi-VN"/>
+          </a:p>
+          <a:p>
+            <a:pPr marL="0" lvl="0" indent="0" algn="l" rtl="0">
+              <a:spcBef>
+                <a:spcPts val="0"/>
+              </a:spcBef>
+              <a:spcAft>
+                <a:spcPts val="0"/>
+              </a:spcAft>
+              <a:buNone/>
+            </a:pPr>
+            <a:r>
+              <a:rPr lang="en-US">
+                <a:hlinkClick r:id="rId4"/>
+              </a:rPr>
+              <a:t>Rest API Hateoas : Should API response have identifiers as hard coded or as placeholders? - Stack Overflow</a:t>
+            </a:r>
             <a:endParaRPr/>
           </a:p>
         </p:txBody>
@@ -3784,7 +3878,7 @@
     </p:spTree>
     <p:extLst>
       <p:ext uri="{BB962C8B-B14F-4D97-AF65-F5344CB8AC3E}">
-        <p14:creationId xmlns:p14="http://schemas.microsoft.com/office/powerpoint/2010/main" val="2522923180"/>
+        <p14:creationId xmlns:p14="http://schemas.microsoft.com/office/powerpoint/2010/main" val="3731062549"/>
       </p:ext>
     </p:extLst>
   </p:cSld>
@@ -3886,6 +3980,30 @@
               </a:spcAft>
               <a:buNone/>
             </a:pPr>
+            <a:r>
+              <a:rPr lang="en-US">
+                <a:hlinkClick r:id="rId3"/>
+              </a:rPr>
+              <a:t>Users - GitHub Docs</a:t>
+            </a:r>
+            <a:endParaRPr lang="vi-VN"/>
+          </a:p>
+          <a:p>
+            <a:pPr marL="0" lvl="0" indent="0" algn="l" rtl="0">
+              <a:spcBef>
+                <a:spcPts val="0"/>
+              </a:spcBef>
+              <a:spcAft>
+                <a:spcPts val="0"/>
+              </a:spcAft>
+              <a:buNone/>
+            </a:pPr>
+            <a:r>
+              <a:rPr lang="en-US">
+                <a:hlinkClick r:id="rId4"/>
+              </a:rPr>
+              <a:t>Rest API Hateoas : Should API response have identifiers as hard coded or as placeholders? - Stack Overflow</a:t>
+            </a:r>
             <a:endParaRPr/>
           </a:p>
         </p:txBody>
@@ -3893,7 +4011,7 @@
     </p:spTree>
     <p:extLst>
       <p:ext uri="{BB962C8B-B14F-4D97-AF65-F5344CB8AC3E}">
-        <p14:creationId xmlns:p14="http://schemas.microsoft.com/office/powerpoint/2010/main" val="3729730649"/>
+        <p14:creationId xmlns:p14="http://schemas.microsoft.com/office/powerpoint/2010/main" val="4215833521"/>
       </p:ext>
     </p:extLst>
   </p:cSld>
@@ -3995,6 +4113,30 @@
               </a:spcAft>
               <a:buNone/>
             </a:pPr>
+            <a:r>
+              <a:rPr lang="en-US">
+                <a:hlinkClick r:id="rId3"/>
+              </a:rPr>
+              <a:t>Users - GitHub Docs</a:t>
+            </a:r>
+            <a:endParaRPr lang="vi-VN"/>
+          </a:p>
+          <a:p>
+            <a:pPr marL="0" lvl="0" indent="0" algn="l" rtl="0">
+              <a:spcBef>
+                <a:spcPts val="0"/>
+              </a:spcBef>
+              <a:spcAft>
+                <a:spcPts val="0"/>
+              </a:spcAft>
+              <a:buNone/>
+            </a:pPr>
+            <a:r>
+              <a:rPr lang="en-US">
+                <a:hlinkClick r:id="rId4"/>
+              </a:rPr>
+              <a:t>Rest API Hateoas : Should API response have identifiers as hard coded or as placeholders? - Stack Overflow</a:t>
+            </a:r>
             <a:endParaRPr/>
           </a:p>
         </p:txBody>
@@ -4002,7 +4144,7 @@
     </p:spTree>
     <p:extLst>
       <p:ext uri="{BB962C8B-B14F-4D97-AF65-F5344CB8AC3E}">
-        <p14:creationId xmlns:p14="http://schemas.microsoft.com/office/powerpoint/2010/main" val="173308288"/>
+        <p14:creationId xmlns:p14="http://schemas.microsoft.com/office/powerpoint/2010/main" val="2023084486"/>
       </p:ext>
     </p:extLst>
   </p:cSld>
@@ -4104,6 +4246,30 @@
               </a:spcAft>
               <a:buNone/>
             </a:pPr>
+            <a:r>
+              <a:rPr lang="en-US">
+                <a:hlinkClick r:id="rId3"/>
+              </a:rPr>
+              <a:t>Users - GitHub Docs</a:t>
+            </a:r>
+            <a:endParaRPr lang="vi-VN"/>
+          </a:p>
+          <a:p>
+            <a:pPr marL="0" lvl="0" indent="0" algn="l" rtl="0">
+              <a:spcBef>
+                <a:spcPts val="0"/>
+              </a:spcBef>
+              <a:spcAft>
+                <a:spcPts val="0"/>
+              </a:spcAft>
+              <a:buNone/>
+            </a:pPr>
+            <a:r>
+              <a:rPr lang="en-US">
+                <a:hlinkClick r:id="rId4"/>
+              </a:rPr>
+              <a:t>Rest API Hateoas : Should API response have identifiers as hard coded or as placeholders? - Stack Overflow</a:t>
+            </a:r>
             <a:endParaRPr/>
           </a:p>
         </p:txBody>
@@ -4111,7 +4277,7 @@
     </p:spTree>
     <p:extLst>
       <p:ext uri="{BB962C8B-B14F-4D97-AF65-F5344CB8AC3E}">
-        <p14:creationId xmlns:p14="http://schemas.microsoft.com/office/powerpoint/2010/main" val="3226914967"/>
+        <p14:creationId xmlns:p14="http://schemas.microsoft.com/office/powerpoint/2010/main" val="208433929"/>
       </p:ext>
     </p:extLst>
   </p:cSld>
@@ -4213,6 +4379,30 @@
               </a:spcAft>
               <a:buNone/>
             </a:pPr>
+            <a:r>
+              <a:rPr lang="en-US">
+                <a:hlinkClick r:id="rId3"/>
+              </a:rPr>
+              <a:t>Users - GitHub Docs</a:t>
+            </a:r>
+            <a:endParaRPr lang="vi-VN"/>
+          </a:p>
+          <a:p>
+            <a:pPr marL="0" lvl="0" indent="0" algn="l" rtl="0">
+              <a:spcBef>
+                <a:spcPts val="0"/>
+              </a:spcBef>
+              <a:spcAft>
+                <a:spcPts val="0"/>
+              </a:spcAft>
+              <a:buNone/>
+            </a:pPr>
+            <a:r>
+              <a:rPr lang="en-US">
+                <a:hlinkClick r:id="rId4"/>
+              </a:rPr>
+              <a:t>Rest API Hateoas : Should API response have identifiers as hard coded or as placeholders? - Stack Overflow</a:t>
+            </a:r>
             <a:endParaRPr/>
           </a:p>
         </p:txBody>
@@ -4220,7 +4410,7 @@
     </p:spTree>
     <p:extLst>
       <p:ext uri="{BB962C8B-B14F-4D97-AF65-F5344CB8AC3E}">
-        <p14:creationId xmlns:p14="http://schemas.microsoft.com/office/powerpoint/2010/main" val="1203561311"/>
+        <p14:creationId xmlns:p14="http://schemas.microsoft.com/office/powerpoint/2010/main" val="4264374007"/>
       </p:ext>
     </p:extLst>
   </p:cSld>
@@ -4322,6 +4512,30 @@
               </a:spcAft>
               <a:buNone/>
             </a:pPr>
+            <a:r>
+              <a:rPr lang="en-US">
+                <a:hlinkClick r:id="rId3"/>
+              </a:rPr>
+              <a:t>Users - GitHub Docs</a:t>
+            </a:r>
+            <a:endParaRPr lang="vi-VN"/>
+          </a:p>
+          <a:p>
+            <a:pPr marL="0" lvl="0" indent="0" algn="l" rtl="0">
+              <a:spcBef>
+                <a:spcPts val="0"/>
+              </a:spcBef>
+              <a:spcAft>
+                <a:spcPts val="0"/>
+              </a:spcAft>
+              <a:buNone/>
+            </a:pPr>
+            <a:r>
+              <a:rPr lang="en-US">
+                <a:hlinkClick r:id="rId4"/>
+              </a:rPr>
+              <a:t>Rest API Hateoas : Should API response have identifiers as hard coded or as placeholders? - Stack Overflow</a:t>
+            </a:r>
             <a:endParaRPr/>
           </a:p>
         </p:txBody>
@@ -4329,7 +4543,7 @@
     </p:spTree>
     <p:extLst>
       <p:ext uri="{BB962C8B-B14F-4D97-AF65-F5344CB8AC3E}">
-        <p14:creationId xmlns:p14="http://schemas.microsoft.com/office/powerpoint/2010/main" val="3980703897"/>
+        <p14:creationId xmlns:p14="http://schemas.microsoft.com/office/powerpoint/2010/main" val="1184314348"/>
       </p:ext>
     </p:extLst>
   </p:cSld>
@@ -4540,6 +4754,30 @@
               </a:spcAft>
               <a:buNone/>
             </a:pPr>
+            <a:r>
+              <a:rPr lang="en-US">
+                <a:hlinkClick r:id="rId3"/>
+              </a:rPr>
+              <a:t>Users - GitHub Docs</a:t>
+            </a:r>
+            <a:endParaRPr lang="vi-VN"/>
+          </a:p>
+          <a:p>
+            <a:pPr marL="0" lvl="0" indent="0" algn="l" rtl="0">
+              <a:spcBef>
+                <a:spcPts val="0"/>
+              </a:spcBef>
+              <a:spcAft>
+                <a:spcPts val="0"/>
+              </a:spcAft>
+              <a:buNone/>
+            </a:pPr>
+            <a:r>
+              <a:rPr lang="en-US">
+                <a:hlinkClick r:id="rId4"/>
+              </a:rPr>
+              <a:t>Rest API Hateoas : Should API response have identifiers as hard coded or as placeholders? - Stack Overflow</a:t>
+            </a:r>
             <a:endParaRPr/>
           </a:p>
         </p:txBody>
@@ -4547,7 +4785,7 @@
     </p:spTree>
     <p:extLst>
       <p:ext uri="{BB962C8B-B14F-4D97-AF65-F5344CB8AC3E}">
-        <p14:creationId xmlns:p14="http://schemas.microsoft.com/office/powerpoint/2010/main" val="1088467804"/>
+        <p14:creationId xmlns:p14="http://schemas.microsoft.com/office/powerpoint/2010/main" val="976044866"/>
       </p:ext>
     </p:extLst>
   </p:cSld>
@@ -4562,7 +4800,7 @@
   <p:cSld>
     <p:spTree>
       <p:nvGrpSpPr>
-        <p:cNvPr id="1" name="Shape 69"/>
+        <p:cNvPr id="1" name="Shape 63"/>
         <p:cNvGrpSpPr/>
         <p:nvPr/>
       </p:nvGrpSpPr>
@@ -4576,7 +4814,7 @@
       </p:grpSpPr>
       <p:sp>
         <p:nvSpPr>
-          <p:cNvPr id="70" name="Google Shape;70;g1658efc2617_0_22:notes"/>
+          <p:cNvPr id="64" name="Google Shape;64;g163dd5cb31f_0_287:notes"/>
           <p:cNvSpPr>
             <a:spLocks noGrp="1" noRot="1" noChangeAspect="1"/>
           </p:cNvSpPr>
@@ -4617,7 +4855,7 @@
       </p:sp>
       <p:sp>
         <p:nvSpPr>
-          <p:cNvPr id="71" name="Google Shape;71;g1658efc2617_0_22:notes"/>
+          <p:cNvPr id="65" name="Google Shape;65;g163dd5cb31f_0_287:notes"/>
           <p:cNvSpPr txBox="1">
             <a:spLocks noGrp="1"/>
           </p:cNvSpPr>
@@ -4649,6 +4887,30 @@
               </a:spcAft>
               <a:buNone/>
             </a:pPr>
+            <a:r>
+              <a:rPr lang="en-US">
+                <a:hlinkClick r:id="rId3"/>
+              </a:rPr>
+              <a:t>Users - GitHub Docs</a:t>
+            </a:r>
+            <a:endParaRPr lang="vi-VN"/>
+          </a:p>
+          <a:p>
+            <a:pPr marL="0" lvl="0" indent="0" algn="l" rtl="0">
+              <a:spcBef>
+                <a:spcPts val="0"/>
+              </a:spcBef>
+              <a:spcAft>
+                <a:spcPts val="0"/>
+              </a:spcAft>
+              <a:buNone/>
+            </a:pPr>
+            <a:r>
+              <a:rPr lang="en-US">
+                <a:hlinkClick r:id="rId4"/>
+              </a:rPr>
+              <a:t>Rest API Hateoas : Should API response have identifiers as hard coded or as placeholders? - Stack Overflow</a:t>
+            </a:r>
             <a:endParaRPr/>
           </a:p>
         </p:txBody>
@@ -4656,7 +4918,7 @@
     </p:spTree>
     <p:extLst>
       <p:ext uri="{BB962C8B-B14F-4D97-AF65-F5344CB8AC3E}">
-        <p14:creationId xmlns:p14="http://schemas.microsoft.com/office/powerpoint/2010/main" val="3874148848"/>
+        <p14:creationId xmlns:p14="http://schemas.microsoft.com/office/powerpoint/2010/main" val="3363275246"/>
       </p:ext>
     </p:extLst>
   </p:cSld>
@@ -4758,6 +5020,30 @@
               </a:spcAft>
               <a:buNone/>
             </a:pPr>
+            <a:r>
+              <a:rPr lang="en-US">
+                <a:hlinkClick r:id="rId3"/>
+              </a:rPr>
+              <a:t>Users - GitHub Docs</a:t>
+            </a:r>
+            <a:endParaRPr lang="vi-VN"/>
+          </a:p>
+          <a:p>
+            <a:pPr marL="0" lvl="0" indent="0" algn="l" rtl="0">
+              <a:spcBef>
+                <a:spcPts val="0"/>
+              </a:spcBef>
+              <a:spcAft>
+                <a:spcPts val="0"/>
+              </a:spcAft>
+              <a:buNone/>
+            </a:pPr>
+            <a:r>
+              <a:rPr lang="en-US">
+                <a:hlinkClick r:id="rId4"/>
+              </a:rPr>
+              <a:t>Rest API Hateoas : Should API response have identifiers as hard coded or as placeholders? - Stack Overflow</a:t>
+            </a:r>
             <a:endParaRPr/>
           </a:p>
         </p:txBody>
@@ -4765,225 +5051,7 @@
     </p:spTree>
     <p:extLst>
       <p:ext uri="{BB962C8B-B14F-4D97-AF65-F5344CB8AC3E}">
-        <p14:creationId xmlns:p14="http://schemas.microsoft.com/office/powerpoint/2010/main" val="831391969"/>
-      </p:ext>
-    </p:extLst>
-  </p:cSld>
-  <p:clrMapOvr>
-    <a:masterClrMapping/>
-  </p:clrMapOvr>
-</p:notes>
-</file>
-
-<file path=ppt/notesSlides/notesSlide43.xml><?xml version="1.0" encoding="utf-8"?>
-<p:notes xmlns:a="http://schemas.openxmlformats.org/drawingml/2006/main" xmlns:r="http://schemas.openxmlformats.org/officeDocument/2006/relationships" xmlns:p="http://schemas.openxmlformats.org/presentationml/2006/main" showMasterSp="0" showMasterPhAnim="0">
-  <p:cSld>
-    <p:spTree>
-      <p:nvGrpSpPr>
-        <p:cNvPr id="1" name="Shape 63"/>
-        <p:cNvGrpSpPr/>
-        <p:nvPr/>
-      </p:nvGrpSpPr>
-      <p:grpSpPr>
-        <a:xfrm>
-          <a:off x="0" y="0"/>
-          <a:ext cx="0" cy="0"/>
-          <a:chOff x="0" y="0"/>
-          <a:chExt cx="0" cy="0"/>
-        </a:xfrm>
-      </p:grpSpPr>
-      <p:sp>
-        <p:nvSpPr>
-          <p:cNvPr id="64" name="Google Shape;64;g163dd5cb31f_0_287:notes"/>
-          <p:cNvSpPr>
-            <a:spLocks noGrp="1" noRot="1" noChangeAspect="1"/>
-          </p:cNvSpPr>
-          <p:nvPr>
-            <p:ph type="sldImg" idx="2"/>
-          </p:nvPr>
-        </p:nvSpPr>
-        <p:spPr>
-          <a:xfrm>
-            <a:off x="381000" y="685800"/>
-            <a:ext cx="6096000" cy="3429000"/>
-          </a:xfrm>
-          <a:custGeom>
-            <a:avLst/>
-            <a:gdLst/>
-            <a:ahLst/>
-            <a:cxnLst/>
-            <a:rect l="l" t="t" r="r" b="b"/>
-            <a:pathLst>
-              <a:path w="120000" h="120000" extrusionOk="0">
-                <a:moveTo>
-                  <a:pt x="0" y="0"/>
-                </a:moveTo>
-                <a:lnTo>
-                  <a:pt x="120000" y="0"/>
-                </a:lnTo>
-                <a:lnTo>
-                  <a:pt x="120000" y="120000"/>
-                </a:lnTo>
-                <a:lnTo>
-                  <a:pt x="0" y="120000"/>
-                </a:lnTo>
-                <a:close/>
-              </a:path>
-            </a:pathLst>
-          </a:custGeom>
-        </p:spPr>
-      </p:sp>
-      <p:sp>
-        <p:nvSpPr>
-          <p:cNvPr id="65" name="Google Shape;65;g163dd5cb31f_0_287:notes"/>
-          <p:cNvSpPr txBox="1">
-            <a:spLocks noGrp="1"/>
-          </p:cNvSpPr>
-          <p:nvPr>
-            <p:ph type="body" idx="1"/>
-          </p:nvPr>
-        </p:nvSpPr>
-        <p:spPr>
-          <a:xfrm>
-            <a:off x="685800" y="4343400"/>
-            <a:ext cx="5486400" cy="4114800"/>
-          </a:xfrm>
-          <a:prstGeom prst="rect">
-            <a:avLst/>
-          </a:prstGeom>
-        </p:spPr>
-        <p:txBody>
-          <a:bodyPr spcFirstLastPara="1" wrap="square" lIns="91425" tIns="91425" rIns="91425" bIns="91425" anchor="t" anchorCtr="0">
-            <a:noAutofit/>
-          </a:bodyPr>
-          <a:lstStyle/>
-          <a:p>
-            <a:pPr marL="0" lvl="0" indent="0" algn="l" rtl="0">
-              <a:spcBef>
-                <a:spcPts val="0"/>
-              </a:spcBef>
-              <a:spcAft>
-                <a:spcPts val="0"/>
-              </a:spcAft>
-              <a:buNone/>
-            </a:pPr>
-            <a:endParaRPr/>
-          </a:p>
-        </p:txBody>
-      </p:sp>
-    </p:spTree>
-    <p:extLst>
-      <p:ext uri="{BB962C8B-B14F-4D97-AF65-F5344CB8AC3E}">
-        <p14:creationId xmlns:p14="http://schemas.microsoft.com/office/powerpoint/2010/main" val="3629268817"/>
-      </p:ext>
-    </p:extLst>
-  </p:cSld>
-  <p:clrMapOvr>
-    <a:masterClrMapping/>
-  </p:clrMapOvr>
-</p:notes>
-</file>
-
-<file path=ppt/notesSlides/notesSlide44.xml><?xml version="1.0" encoding="utf-8"?>
-<p:notes xmlns:a="http://schemas.openxmlformats.org/drawingml/2006/main" xmlns:r="http://schemas.openxmlformats.org/officeDocument/2006/relationships" xmlns:p="http://schemas.openxmlformats.org/presentationml/2006/main" showMasterSp="0" showMasterPhAnim="0">
-  <p:cSld>
-    <p:spTree>
-      <p:nvGrpSpPr>
-        <p:cNvPr id="1" name="Shape 63"/>
-        <p:cNvGrpSpPr/>
-        <p:nvPr/>
-      </p:nvGrpSpPr>
-      <p:grpSpPr>
-        <a:xfrm>
-          <a:off x="0" y="0"/>
-          <a:ext cx="0" cy="0"/>
-          <a:chOff x="0" y="0"/>
-          <a:chExt cx="0" cy="0"/>
-        </a:xfrm>
-      </p:grpSpPr>
-      <p:sp>
-        <p:nvSpPr>
-          <p:cNvPr id="64" name="Google Shape;64;g163dd5cb31f_0_287:notes"/>
-          <p:cNvSpPr>
-            <a:spLocks noGrp="1" noRot="1" noChangeAspect="1"/>
-          </p:cNvSpPr>
-          <p:nvPr>
-            <p:ph type="sldImg" idx="2"/>
-          </p:nvPr>
-        </p:nvSpPr>
-        <p:spPr>
-          <a:xfrm>
-            <a:off x="381000" y="685800"/>
-            <a:ext cx="6096000" cy="3429000"/>
-          </a:xfrm>
-          <a:custGeom>
-            <a:avLst/>
-            <a:gdLst/>
-            <a:ahLst/>
-            <a:cxnLst/>
-            <a:rect l="l" t="t" r="r" b="b"/>
-            <a:pathLst>
-              <a:path w="120000" h="120000" extrusionOk="0">
-                <a:moveTo>
-                  <a:pt x="0" y="0"/>
-                </a:moveTo>
-                <a:lnTo>
-                  <a:pt x="120000" y="0"/>
-                </a:lnTo>
-                <a:lnTo>
-                  <a:pt x="120000" y="120000"/>
-                </a:lnTo>
-                <a:lnTo>
-                  <a:pt x="0" y="120000"/>
-                </a:lnTo>
-                <a:close/>
-              </a:path>
-            </a:pathLst>
-          </a:custGeom>
-        </p:spPr>
-      </p:sp>
-      <p:sp>
-        <p:nvSpPr>
-          <p:cNvPr id="65" name="Google Shape;65;g163dd5cb31f_0_287:notes"/>
-          <p:cNvSpPr txBox="1">
-            <a:spLocks noGrp="1"/>
-          </p:cNvSpPr>
-          <p:nvPr>
-            <p:ph type="body" idx="1"/>
-          </p:nvPr>
-        </p:nvSpPr>
-        <p:spPr>
-          <a:xfrm>
-            <a:off x="685800" y="4343400"/>
-            <a:ext cx="5486400" cy="4114800"/>
-          </a:xfrm>
-          <a:prstGeom prst="rect">
-            <a:avLst/>
-          </a:prstGeom>
-        </p:spPr>
-        <p:txBody>
-          <a:bodyPr spcFirstLastPara="1" wrap="square" lIns="91425" tIns="91425" rIns="91425" bIns="91425" anchor="t" anchorCtr="0">
-            <a:noAutofit/>
-          </a:bodyPr>
-          <a:lstStyle/>
-          <a:p>
-            <a:pPr marL="0" lvl="0" indent="0" algn="l" rtl="0">
-              <a:spcBef>
-                <a:spcPts val="0"/>
-              </a:spcBef>
-              <a:spcAft>
-                <a:spcPts val="0"/>
-              </a:spcAft>
-              <a:buNone/>
-            </a:pPr>
-            <a:endParaRPr/>
-          </a:p>
-        </p:txBody>
-      </p:sp>
-    </p:spTree>
-    <p:extLst>
-      <p:ext uri="{BB962C8B-B14F-4D97-AF65-F5344CB8AC3E}">
-        <p14:creationId xmlns:p14="http://schemas.microsoft.com/office/powerpoint/2010/main" val="294514584"/>
+        <p14:creationId xmlns:p14="http://schemas.microsoft.com/office/powerpoint/2010/main" val="1654901038"/>
       </p:ext>
     </p:extLst>
   </p:cSld>
@@ -5310,7 +5378,7 @@
     </p:spTree>
     <p:extLst>
       <p:ext uri="{BB962C8B-B14F-4D97-AF65-F5344CB8AC3E}">
-        <p14:creationId xmlns:p14="http://schemas.microsoft.com/office/powerpoint/2010/main" val="3235137946"/>
+        <p14:creationId xmlns:p14="http://schemas.microsoft.com/office/powerpoint/2010/main" val="3902392364"/>
       </p:ext>
     </p:extLst>
   </p:cSld>
@@ -5325,7 +5393,7 @@
   <p:cSld>
     <p:spTree>
       <p:nvGrpSpPr>
-        <p:cNvPr id="1" name="Shape 69"/>
+        <p:cNvPr id="1" name="Shape 63"/>
         <p:cNvGrpSpPr/>
         <p:nvPr/>
       </p:nvGrpSpPr>
@@ -5339,7 +5407,7 @@
       </p:grpSpPr>
       <p:sp>
         <p:nvSpPr>
-          <p:cNvPr id="70" name="Google Shape;70;g1658efc2617_0_22:notes"/>
+          <p:cNvPr id="64" name="Google Shape;64;g163dd5cb31f_0_287:notes"/>
           <p:cNvSpPr>
             <a:spLocks noGrp="1" noRot="1" noChangeAspect="1"/>
           </p:cNvSpPr>
@@ -5380,7 +5448,7 @@
       </p:sp>
       <p:sp>
         <p:nvSpPr>
-          <p:cNvPr id="71" name="Google Shape;71;g1658efc2617_0_22:notes"/>
+          <p:cNvPr id="65" name="Google Shape;65;g163dd5cb31f_0_287:notes"/>
           <p:cNvSpPr txBox="1">
             <a:spLocks noGrp="1"/>
           </p:cNvSpPr>
@@ -5419,7 +5487,7 @@
     </p:spTree>
     <p:extLst>
       <p:ext uri="{BB962C8B-B14F-4D97-AF65-F5344CB8AC3E}">
-        <p14:creationId xmlns:p14="http://schemas.microsoft.com/office/powerpoint/2010/main" val="1423540608"/>
+        <p14:creationId xmlns:p14="http://schemas.microsoft.com/office/powerpoint/2010/main" val="3204390623"/>
       </p:ext>
     </p:extLst>
   </p:cSld>
@@ -5434,7 +5502,7 @@
   <p:cSld>
     <p:spTree>
       <p:nvGrpSpPr>
-        <p:cNvPr id="1" name="Shape 63"/>
+        <p:cNvPr id="1" name="Shape 69"/>
         <p:cNvGrpSpPr/>
         <p:nvPr/>
       </p:nvGrpSpPr>
@@ -5448,7 +5516,7 @@
       </p:grpSpPr>
       <p:sp>
         <p:nvSpPr>
-          <p:cNvPr id="64" name="Google Shape;64;g163dd5cb31f_0_287:notes"/>
+          <p:cNvPr id="70" name="Google Shape;70;g1658efc2617_0_22:notes"/>
           <p:cNvSpPr>
             <a:spLocks noGrp="1" noRot="1" noChangeAspect="1"/>
           </p:cNvSpPr>
@@ -5489,7 +5557,7 @@
       </p:sp>
       <p:sp>
         <p:nvSpPr>
-          <p:cNvPr id="65" name="Google Shape;65;g163dd5cb31f_0_287:notes"/>
+          <p:cNvPr id="71" name="Google Shape;71;g1658efc2617_0_22:notes"/>
           <p:cNvSpPr txBox="1">
             <a:spLocks noGrp="1"/>
           </p:cNvSpPr>
@@ -5528,7 +5596,7 @@
     </p:spTree>
     <p:extLst>
       <p:ext uri="{BB962C8B-B14F-4D97-AF65-F5344CB8AC3E}">
-        <p14:creationId xmlns:p14="http://schemas.microsoft.com/office/powerpoint/2010/main" val="1819449984"/>
+        <p14:creationId xmlns:p14="http://schemas.microsoft.com/office/powerpoint/2010/main" val="223897355"/>
       </p:ext>
     </p:extLst>
   </p:cSld>
@@ -10887,7 +10955,7 @@
           </a:bodyPr>
           <a:lstStyle/>
           <a:p>
-            <a:pPr marL="457200" lvl="0" indent="-342900" algn="just" rtl="0">
+            <a:pPr marL="457200" lvl="0" indent="-342900" rtl="0">
               <a:spcBef>
                 <a:spcPts val="0"/>
               </a:spcBef>
@@ -10898,70 +10966,92 @@
               <a:buChar char="●"/>
             </a:pPr>
             <a:r>
+              <a:rPr lang="vi-VN" b="1"/>
+              <a:t>REST API </a:t>
+            </a:r>
+            <a:r>
               <a:rPr lang="vi-VN"/>
-              <a:t>Định nghĩa các phương thức cơ bản:</a:t>
-            </a:r>
-          </a:p>
-          <a:p>
-            <a:pPr lvl="1" indent="-342900" algn="just">
+              <a:t>là một web API tuân thủ các ràng buộc của kiểu kiến trúc REST</a:t>
+            </a:r>
+          </a:p>
+          <a:p>
+            <a:pPr marL="457200" lvl="0" indent="-342900" rtl="0">
+              <a:spcBef>
+                <a:spcPts val="0"/>
+              </a:spcBef>
+              <a:spcAft>
+                <a:spcPts val="0"/>
+              </a:spcAft>
               <a:buSzPts val="1800"/>
               <a:buChar char="●"/>
             </a:pPr>
             <a:r>
-              <a:rPr lang="en-US" sz="1600"/>
-              <a:t>Object next()</a:t>
-            </a:r>
-          </a:p>
-          <a:p>
-            <a:pPr lvl="1" indent="-342900" algn="just">
+              <a:rPr lang="vi-VN"/>
+              <a:t>REST là viết tắt của Representational State Transfer</a:t>
+            </a:r>
+          </a:p>
+          <a:p>
+            <a:pPr marL="457200" lvl="0" indent="-342900" rtl="0">
+              <a:spcBef>
+                <a:spcPts val="0"/>
+              </a:spcBef>
+              <a:spcAft>
+                <a:spcPts val="0"/>
+              </a:spcAft>
               <a:buSzPts val="1800"/>
               <a:buChar char="●"/>
             </a:pPr>
             <a:r>
-              <a:rPr lang="en-US" sz="1600"/>
-              <a:t>boolean hasNext()</a:t>
-            </a:r>
-          </a:p>
-          <a:p>
-            <a:pPr lvl="1" indent="-342900" algn="just">
+              <a:rPr lang="vi-VN"/>
+              <a:t>REST không phải là giao thức hay chuẩn. Nó là một tập hợp các ràng buộc về mặt kiến trúc.</a:t>
+            </a:r>
+          </a:p>
+          <a:p>
+            <a:pPr marL="457200" lvl="0" indent="-342900" rtl="0">
+              <a:spcBef>
+                <a:spcPts val="0"/>
+              </a:spcBef>
+              <a:spcAft>
+                <a:spcPts val="0"/>
+              </a:spcAft>
               <a:buSzPts val="1800"/>
               <a:buChar char="●"/>
             </a:pPr>
             <a:r>
-              <a:rPr lang="en-US" sz="1600"/>
-              <a:t>void remove()</a:t>
-            </a:r>
-          </a:p>
-          <a:p>
-            <a:pPr algn="just"/>
-            <a:r>
               <a:rPr lang="vi-VN"/>
-              <a:t>Ba phương pháp này cung cấp quyền truy cập vào nội dung của bộ sưu tập</a:t>
-            </a:r>
-          </a:p>
-          <a:p>
-            <a:pPr algn="just"/>
+              <a:t>REST được tạo bởi nhà khoa học máy tính Roy Fielding vào năm 2000 khi còn đang là Nghiên cứu sinh.</a:t>
+            </a:r>
+          </a:p>
+          <a:p>
+            <a:pPr marL="457200" lvl="0" indent="-342900" rtl="0">
+              <a:spcBef>
+                <a:spcPts val="0"/>
+              </a:spcBef>
+              <a:spcAft>
+                <a:spcPts val="0"/>
+              </a:spcAft>
+              <a:buSzPts val="1800"/>
+              <a:buChar char="●"/>
+            </a:pPr>
             <a:r>
               <a:rPr lang="vi-VN"/>
-              <a:t>Một Iterator biết vị trí trong bộ sưu tập</a:t>
-            </a:r>
-          </a:p>
-          <a:p>
-            <a:pPr algn="just"/>
+              <a:t>REST API so với các kiểu API khác là hoàn hảo cho IoT và các ứng dụng di động.</a:t>
+            </a:r>
+          </a:p>
+          <a:p>
+            <a:pPr marL="457200" lvl="0" indent="-342900" rtl="0">
+              <a:spcBef>
+                <a:spcPts val="0"/>
+              </a:spcBef>
+              <a:spcAft>
+                <a:spcPts val="0"/>
+              </a:spcAft>
+              <a:buSzPts val="1800"/>
+              <a:buChar char="●"/>
+            </a:pPr>
             <a:r>
               <a:rPr lang="vi-VN"/>
-              <a:t>Mỗi lệnh gọi next() “đọc” một phần tử từ bộ sưu tập</a:t>
-            </a:r>
-          </a:p>
-          <a:p>
-            <a:pPr lvl="1" indent="-342900" algn="just">
-              <a:buSzPts val="1800"/>
-              <a:buFont typeface="Proxima Nova"/>
-              <a:buChar char="●"/>
-            </a:pPr>
-            <a:r>
-              <a:rPr lang="vi-VN" sz="1600"/>
-              <a:t>Sau đó, bạn có thể sử dụng nó hoặc loại bỏ nó</a:t>
+              <a:t>REST API còn được biết đến là RESTful API</a:t>
             </a:r>
           </a:p>
         </p:txBody>
@@ -11002,7 +11092,7 @@
             </a:pPr>
             <a:r>
               <a:rPr lang="vi-VN"/>
-              <a:t>Iterator Interface</a:t>
+              <a:t>REST API là gì?</a:t>
             </a:r>
             <a:endParaRPr/>
           </a:p>
@@ -11011,7 +11101,7 @@
     </p:spTree>
     <p:extLst>
       <p:ext uri="{BB962C8B-B14F-4D97-AF65-F5344CB8AC3E}">
-        <p14:creationId xmlns:p14="http://schemas.microsoft.com/office/powerpoint/2010/main" val="2686222531"/>
+        <p14:creationId xmlns:p14="http://schemas.microsoft.com/office/powerpoint/2010/main" val="2395387936"/>
       </p:ext>
     </p:extLst>
   </p:cSld>
@@ -11040,49 +11130,6 @@
       </p:grpSpPr>
       <p:sp>
         <p:nvSpPr>
-          <p:cNvPr id="67" name="Google Shape;67;p14"/>
-          <p:cNvSpPr txBox="1">
-            <a:spLocks noGrp="1"/>
-          </p:cNvSpPr>
-          <p:nvPr>
-            <p:ph type="body" idx="1"/>
-          </p:nvPr>
-        </p:nvSpPr>
-        <p:spPr>
-          <a:xfrm>
-            <a:off x="311700" y="1152475"/>
-            <a:ext cx="8520600" cy="3416400"/>
-          </a:xfrm>
-          <a:prstGeom prst="rect">
-            <a:avLst/>
-          </a:prstGeom>
-        </p:spPr>
-        <p:txBody>
-          <a:bodyPr spcFirstLastPara="1" wrap="square" lIns="91425" tIns="91425" rIns="91425" bIns="91425" anchor="t" anchorCtr="0">
-            <a:normAutofit/>
-          </a:bodyPr>
-          <a:lstStyle/>
-          <a:p>
-            <a:pPr marL="457200" lvl="0" indent="-342900" algn="just" rtl="0">
-              <a:spcBef>
-                <a:spcPts val="0"/>
-              </a:spcBef>
-              <a:spcAft>
-                <a:spcPts val="0"/>
-              </a:spcAft>
-              <a:buSzPts val="1800"/>
-              <a:buChar char="●"/>
-            </a:pPr>
-            <a:r>
-              <a:rPr lang="vi-VN"/>
-              <a:t>Iterator Position</a:t>
-            </a:r>
-            <a:endParaRPr lang="vi-VN" sz="1600"/>
-          </a:p>
-        </p:txBody>
-      </p:sp>
-      <p:sp>
-        <p:nvSpPr>
           <p:cNvPr id="68" name="Google Shape;68;p14"/>
           <p:cNvSpPr txBox="1">
             <a:spLocks noGrp="1"/>
@@ -11117,7 +11164,7 @@
             </a:pPr>
             <a:r>
               <a:rPr lang="vi-VN"/>
-              <a:t>Iterator Interface</a:t>
+              <a:t>REST API là gì?</a:t>
             </a:r>
             <a:endParaRPr/>
           </a:p>
@@ -11128,7 +11175,7 @@
           <p:cNvPr id="2" name="Picture 1">
             <a:extLst>
               <a:ext uri="{FF2B5EF4-FFF2-40B4-BE49-F238E27FC236}">
-                <a16:creationId xmlns:a16="http://schemas.microsoft.com/office/drawing/2014/main" id="{DCE0F4A7-4633-CB1F-E25D-EC28634BFD00}"/>
+                <a16:creationId xmlns:a16="http://schemas.microsoft.com/office/drawing/2014/main" id="{FFA1BA08-C703-DC21-F1F6-D9D550CD11F5}"/>
               </a:ext>
             </a:extLst>
           </p:cNvPr>
@@ -11137,15 +11184,46 @@
           </p:cNvPicPr>
           <p:nvPr/>
         </p:nvPicPr>
-        <p:blipFill rotWithShape="1">
+        <p:blipFill>
           <a:blip r:embed="rId3"/>
-          <a:srcRect b="6850"/>
-          <a:stretch/>
+          <a:stretch>
+            <a:fillRect/>
+          </a:stretch>
         </p:blipFill>
         <p:spPr>
           <a:xfrm>
-            <a:off x="2249402" y="1627689"/>
-            <a:ext cx="4645195" cy="2860421"/>
+            <a:off x="1478670" y="1240262"/>
+            <a:ext cx="6186661" cy="3884648"/>
+          </a:xfrm>
+          <a:prstGeom prst="rect">
+            <a:avLst/>
+          </a:prstGeom>
+        </p:spPr>
+      </p:pic>
+      <p:pic>
+        <p:nvPicPr>
+          <p:cNvPr id="3" name="Picture 2">
+            <a:extLst>
+              <a:ext uri="{FF2B5EF4-FFF2-40B4-BE49-F238E27FC236}">
+                <a16:creationId xmlns:a16="http://schemas.microsoft.com/office/drawing/2014/main" id="{15F100DF-AE97-77DC-FEC7-E8379304E817}"/>
+              </a:ext>
+            </a:extLst>
+          </p:cNvPr>
+          <p:cNvPicPr>
+            <a:picLocks noChangeAspect="1"/>
+          </p:cNvPicPr>
+          <p:nvPr/>
+        </p:nvPicPr>
+        <p:blipFill>
+          <a:blip r:embed="rId4"/>
+          <a:stretch>
+            <a:fillRect/>
+          </a:stretch>
+        </p:blipFill>
+        <p:spPr>
+          <a:xfrm>
+            <a:off x="4107874" y="18590"/>
+            <a:ext cx="2758760" cy="1110404"/>
           </a:xfrm>
           <a:prstGeom prst="rect">
             <a:avLst/>
@@ -11155,7 +11233,7 @@
     </p:spTree>
     <p:extLst>
       <p:ext uri="{BB962C8B-B14F-4D97-AF65-F5344CB8AC3E}">
-        <p14:creationId xmlns:p14="http://schemas.microsoft.com/office/powerpoint/2010/main" val="3204170057"/>
+        <p14:creationId xmlns:p14="http://schemas.microsoft.com/office/powerpoint/2010/main" val="459877528"/>
       </p:ext>
     </p:extLst>
   </p:cSld>
@@ -11184,6 +11262,52 @@
       </p:grpSpPr>
       <p:sp>
         <p:nvSpPr>
+          <p:cNvPr id="67" name="Google Shape;67;p14"/>
+          <p:cNvSpPr txBox="1">
+            <a:spLocks noGrp="1"/>
+          </p:cNvSpPr>
+          <p:nvPr>
+            <p:ph type="body" idx="1"/>
+          </p:nvPr>
+        </p:nvSpPr>
+        <p:spPr>
+          <a:xfrm>
+            <a:off x="311700" y="1152475"/>
+            <a:ext cx="8520600" cy="3416400"/>
+          </a:xfrm>
+          <a:prstGeom prst="rect">
+            <a:avLst/>
+          </a:prstGeom>
+        </p:spPr>
+        <p:txBody>
+          <a:bodyPr spcFirstLastPara="1" wrap="square" lIns="91425" tIns="91425" rIns="91425" bIns="91425" anchor="t" anchorCtr="0">
+            <a:normAutofit/>
+          </a:bodyPr>
+          <a:lstStyle/>
+          <a:p>
+            <a:pPr marL="457200" lvl="0" indent="-342900" rtl="0">
+              <a:spcBef>
+                <a:spcPts val="0"/>
+              </a:spcBef>
+              <a:spcAft>
+                <a:spcPts val="0"/>
+              </a:spcAft>
+              <a:buSzPts val="1800"/>
+              <a:buChar char="●"/>
+            </a:pPr>
+            <a:r>
+              <a:rPr lang="vi-VN" b="1"/>
+              <a:t>REST API </a:t>
+            </a:r>
+            <a:r>
+              <a:rPr lang="vi-VN"/>
+              <a:t>với http request và response</a:t>
+            </a:r>
+          </a:p>
+        </p:txBody>
+      </p:sp>
+      <p:sp>
+        <p:nvSpPr>
           <p:cNvPr id="68" name="Google Shape;68;p14"/>
           <p:cNvSpPr txBox="1">
             <a:spLocks noGrp="1"/>
@@ -11218,123 +11342,45 @@
             </a:pPr>
             <a:r>
               <a:rPr lang="vi-VN"/>
-              <a:t>Ví dụ: SimpleCollection</a:t>
+              <a:t>REST API là gì?</a:t>
             </a:r>
             <a:endParaRPr/>
           </a:p>
         </p:txBody>
       </p:sp>
-      <p:sp>
-        <p:nvSpPr>
-          <p:cNvPr id="6" name="TextBox 5">
+      <p:pic>
+        <p:nvPicPr>
+          <p:cNvPr id="4" name="Picture 3">
             <a:extLst>
               <a:ext uri="{FF2B5EF4-FFF2-40B4-BE49-F238E27FC236}">
-                <a16:creationId xmlns:a16="http://schemas.microsoft.com/office/drawing/2014/main" id="{09C06CFE-4E0E-2729-502D-727672D9118B}"/>
+                <a16:creationId xmlns:a16="http://schemas.microsoft.com/office/drawing/2014/main" id="{B465EBA1-FA9C-1656-2D39-501995471190}"/>
               </a:ext>
             </a:extLst>
           </p:cNvPr>
-          <p:cNvSpPr txBox="1"/>
+          <p:cNvPicPr>
+            <a:picLocks noChangeAspect="1"/>
+          </p:cNvPicPr>
           <p:nvPr/>
-        </p:nvSpPr>
-        <p:spPr>
-          <a:xfrm>
-            <a:off x="311700" y="1321628"/>
-            <a:ext cx="8429628" cy="2893100"/>
-          </a:xfrm>
-          <a:prstGeom prst="rect">
-            <a:avLst/>
-          </a:prstGeom>
-          <a:noFill/>
-        </p:spPr>
-        <p:txBody>
-          <a:bodyPr wrap="square">
-            <a:spAutoFit/>
-          </a:bodyPr>
-          <a:lstStyle/>
-          <a:p>
-            <a:r>
-              <a:rPr lang="en-US"/>
-              <a:t>public class SimpleCollection  {</a:t>
-            </a:r>
-          </a:p>
-          <a:p>
-            <a:r>
-              <a:rPr lang="en-US"/>
-              <a:t>	public static void main(String[] args) {</a:t>
-            </a:r>
-          </a:p>
-          <a:p>
-            <a:r>
-              <a:rPr lang="en-US"/>
-              <a:t>		Collection c;</a:t>
-            </a:r>
-          </a:p>
-          <a:p>
-            <a:r>
-              <a:rPr lang="en-US"/>
-              <a:t>		c = new ArrayList();</a:t>
-            </a:r>
-          </a:p>
-          <a:p>
-            <a:r>
-              <a:rPr lang="en-US"/>
-              <a:t>		System.out.println(c.getClass().getName());</a:t>
-            </a:r>
-          </a:p>
-          <a:p>
-            <a:r>
-              <a:rPr lang="en-US"/>
-              <a:t>		for (int i=1; i &lt;= 10; i++) { </a:t>
-            </a:r>
-          </a:p>
-          <a:p>
-            <a:r>
-              <a:rPr lang="en-US"/>
-              <a:t>			c.add(i + " * " + i + " = "+i*i);</a:t>
-            </a:r>
-          </a:p>
-          <a:p>
-            <a:r>
-              <a:rPr lang="en-US"/>
-              <a:t>		}</a:t>
-            </a:r>
-          </a:p>
-          <a:p>
-            <a:r>
-              <a:rPr lang="en-US"/>
-              <a:t>		Iterator iter = c.iterator();</a:t>
-            </a:r>
-          </a:p>
-          <a:p>
-            <a:r>
-              <a:rPr lang="en-US"/>
-              <a:t>		while (iter.hasNext())</a:t>
-            </a:r>
-          </a:p>
-          <a:p>
-            <a:r>
-              <a:rPr lang="en-US"/>
-              <a:t>			System.out.println(iter.next());</a:t>
-            </a:r>
-          </a:p>
-          <a:p>
-            <a:r>
-              <a:rPr lang="en-US"/>
-              <a:t>	}</a:t>
-            </a:r>
-          </a:p>
-          <a:p>
-            <a:r>
-              <a:rPr lang="en-US"/>
-              <a:t>}</a:t>
-            </a:r>
-          </a:p>
-        </p:txBody>
-      </p:sp>
+        </p:nvPicPr>
+        <p:blipFill rotWithShape="1">
+          <a:blip r:embed="rId3"/>
+          <a:srcRect t="10481"/>
+          <a:stretch/>
+        </p:blipFill>
+        <p:spPr>
+          <a:xfrm>
+            <a:off x="1589268" y="1669472"/>
+            <a:ext cx="5965464" cy="3342408"/>
+          </a:xfrm>
+          <a:prstGeom prst="rect">
+            <a:avLst/>
+          </a:prstGeom>
+        </p:spPr>
+      </p:pic>
     </p:spTree>
     <p:extLst>
       <p:ext uri="{BB962C8B-B14F-4D97-AF65-F5344CB8AC3E}">
-        <p14:creationId xmlns:p14="http://schemas.microsoft.com/office/powerpoint/2010/main" val="1722659131"/>
+        <p14:creationId xmlns:p14="http://schemas.microsoft.com/office/powerpoint/2010/main" val="2242289639"/>
       </p:ext>
     </p:extLst>
   </p:cSld>
@@ -11363,6 +11409,165 @@
       </p:grpSpPr>
       <p:sp>
         <p:nvSpPr>
+          <p:cNvPr id="67" name="Google Shape;67;p14"/>
+          <p:cNvSpPr txBox="1">
+            <a:spLocks noGrp="1"/>
+          </p:cNvSpPr>
+          <p:nvPr>
+            <p:ph type="body" idx="1"/>
+          </p:nvPr>
+        </p:nvSpPr>
+        <p:spPr>
+          <a:xfrm>
+            <a:off x="311700" y="1152475"/>
+            <a:ext cx="8520600" cy="3416400"/>
+          </a:xfrm>
+          <a:prstGeom prst="rect">
+            <a:avLst/>
+          </a:prstGeom>
+        </p:spPr>
+        <p:txBody>
+          <a:bodyPr spcFirstLastPara="1" wrap="square" lIns="91425" tIns="91425" rIns="91425" bIns="91425" anchor="t" anchorCtr="0">
+            <a:normAutofit/>
+          </a:bodyPr>
+          <a:lstStyle/>
+          <a:p>
+            <a:pPr marL="457200" lvl="0" indent="-342900" rtl="0">
+              <a:spcBef>
+                <a:spcPts val="0"/>
+              </a:spcBef>
+              <a:spcAft>
+                <a:spcPts val="0"/>
+              </a:spcAft>
+              <a:buSzPts val="1800"/>
+              <a:buChar char="●"/>
+            </a:pPr>
+            <a:r>
+              <a:rPr lang="vi-VN"/>
+              <a:t>Đặc trưng chính của </a:t>
+            </a:r>
+            <a:r>
+              <a:rPr lang="vi-VN" b="1"/>
+              <a:t>REST API </a:t>
+            </a:r>
+            <a:r>
+              <a:rPr lang="vi-VN"/>
+              <a:t>là sự không trạng thái </a:t>
+            </a:r>
+            <a:r>
+              <a:rPr lang="vi-VN">
+                <a:sym typeface="Wingdings" panose="05000000000000000000" pitchFamily="2" charset="2"/>
+              </a:rPr>
+              <a:t> Chuyển giao trạng thái đại diện.</a:t>
+            </a:r>
+          </a:p>
+          <a:p>
+            <a:pPr marL="457200" lvl="0" indent="-342900" rtl="0">
+              <a:spcBef>
+                <a:spcPts val="0"/>
+              </a:spcBef>
+              <a:spcAft>
+                <a:spcPts val="0"/>
+              </a:spcAft>
+              <a:buSzPts val="1800"/>
+              <a:buChar char="●"/>
+            </a:pPr>
+            <a:r>
+              <a:rPr lang="vi-VN">
+                <a:sym typeface="Wingdings" panose="05000000000000000000" pitchFamily="2" charset="2"/>
+              </a:rPr>
+              <a:t>Một request tự mô tả và có đủ ngữ cảnh để máy chủ xử lý yêu cầu đó.</a:t>
+            </a:r>
+          </a:p>
+          <a:p>
+            <a:pPr marL="457200" lvl="0" indent="-342900" rtl="0">
+              <a:spcBef>
+                <a:spcPts val="0"/>
+              </a:spcBef>
+              <a:spcAft>
+                <a:spcPts val="0"/>
+              </a:spcAft>
+              <a:buSzPts val="1800"/>
+              <a:buChar char="●"/>
+            </a:pPr>
+            <a:r>
+              <a:rPr lang="vi-VN">
+                <a:sym typeface="Wingdings" panose="05000000000000000000" pitchFamily="2" charset="2"/>
+              </a:rPr>
+              <a:t>Server không lưu bất kì dữ liệu nào có liên quan đến request của Client.</a:t>
+            </a:r>
+          </a:p>
+          <a:p>
+            <a:pPr marL="457200" lvl="0" indent="-342900" rtl="0">
+              <a:spcBef>
+                <a:spcPts val="0"/>
+              </a:spcBef>
+              <a:spcAft>
+                <a:spcPts val="0"/>
+              </a:spcAft>
+              <a:buSzPts val="1800"/>
+              <a:buChar char="●"/>
+            </a:pPr>
+            <a:r>
+              <a:rPr lang="vi-VN">
+                <a:sym typeface="Wingdings" panose="05000000000000000000" pitchFamily="2" charset="2"/>
+              </a:rPr>
+              <a:t>Không yêu cầu phiên phía máy chủ.</a:t>
+            </a:r>
+          </a:p>
+          <a:p>
+            <a:pPr marL="457200" lvl="0" indent="-342900" rtl="0">
+              <a:spcBef>
+                <a:spcPts val="0"/>
+              </a:spcBef>
+              <a:spcAft>
+                <a:spcPts val="0"/>
+              </a:spcAft>
+              <a:buSzPts val="1800"/>
+              <a:buChar char="●"/>
+            </a:pPr>
+            <a:r>
+              <a:rPr lang="vi-VN">
+                <a:sym typeface="Wingdings" panose="05000000000000000000" pitchFamily="2" charset="2"/>
+              </a:rPr>
+              <a:t>Mỗi request là độc lập và không kết nối.</a:t>
+            </a:r>
+          </a:p>
+          <a:p>
+            <a:pPr marL="457200" lvl="0" indent="-342900" rtl="0">
+              <a:spcBef>
+                <a:spcPts val="0"/>
+              </a:spcBef>
+              <a:spcAft>
+                <a:spcPts val="0"/>
+              </a:spcAft>
+              <a:buSzPts val="1800"/>
+              <a:buChar char="●"/>
+            </a:pPr>
+            <a:r>
+              <a:rPr lang="vi-VN">
+                <a:sym typeface="Wingdings" panose="05000000000000000000" pitchFamily="2" charset="2"/>
+              </a:rPr>
+              <a:t>Sự không trạng thái là cho REST API dễ dàng mở rộng.</a:t>
+            </a:r>
+          </a:p>
+          <a:p>
+            <a:pPr marL="457200" lvl="0" indent="-342900" rtl="0">
+              <a:spcBef>
+                <a:spcPts val="0"/>
+              </a:spcBef>
+              <a:spcAft>
+                <a:spcPts val="0"/>
+              </a:spcAft>
+              <a:buSzPts val="1800"/>
+              <a:buChar char="●"/>
+            </a:pPr>
+            <a:endParaRPr lang="vi-VN"/>
+          </a:p>
+        </p:txBody>
+      </p:sp>
+      <p:sp>
+        <p:nvSpPr>
           <p:cNvPr id="68" name="Google Shape;68;p14"/>
           <p:cNvSpPr txBox="1">
             <a:spLocks noGrp="1"/>
@@ -11397,46 +11602,16 @@
             </a:pPr>
             <a:r>
               <a:rPr lang="vi-VN"/>
-              <a:t>List Interface</a:t>
+              <a:t>REST API là gì?</a:t>
             </a:r>
             <a:endParaRPr/>
           </a:p>
         </p:txBody>
       </p:sp>
-      <p:pic>
-        <p:nvPicPr>
-          <p:cNvPr id="4" name="Picture 3">
-            <a:extLst>
-              <a:ext uri="{FF2B5EF4-FFF2-40B4-BE49-F238E27FC236}">
-                <a16:creationId xmlns:a16="http://schemas.microsoft.com/office/drawing/2014/main" id="{5675A951-B5C8-8134-659C-563A002AEB9C}"/>
-              </a:ext>
-            </a:extLst>
-          </p:cNvPr>
-          <p:cNvPicPr>
-            <a:picLocks noChangeAspect="1"/>
-          </p:cNvPicPr>
-          <p:nvPr/>
-        </p:nvPicPr>
-        <p:blipFill>
-          <a:blip r:embed="rId3"/>
-          <a:stretch>
-            <a:fillRect/>
-          </a:stretch>
-        </p:blipFill>
-        <p:spPr>
-          <a:xfrm>
-            <a:off x="1303836" y="1454309"/>
-            <a:ext cx="6536329" cy="3461640"/>
-          </a:xfrm>
-          <a:prstGeom prst="rect">
-            <a:avLst/>
-          </a:prstGeom>
-        </p:spPr>
-      </p:pic>
     </p:spTree>
     <p:extLst>
       <p:ext uri="{BB962C8B-B14F-4D97-AF65-F5344CB8AC3E}">
-        <p14:creationId xmlns:p14="http://schemas.microsoft.com/office/powerpoint/2010/main" val="880204429"/>
+        <p14:creationId xmlns:p14="http://schemas.microsoft.com/office/powerpoint/2010/main" val="124044179"/>
       </p:ext>
     </p:extLst>
   </p:cSld>
@@ -11499,8 +11674,12 @@
               <a:buChar char="●"/>
             </a:pPr>
             <a:r>
+              <a:rPr lang="vi-VN" b="1"/>
+              <a:t>Giao diện thống nhất</a:t>
+            </a:r>
+            <a:r>
               <a:rPr lang="vi-VN"/>
-              <a:t>Giao diện Danh sách thêm khái niệm thứ tự vào bộ sưu tập</a:t>
+              <a:t>: giao diện đồng nhất giữa các thành phần để thông tin được truyền dưới dạng chuẩn; duy trì tính đồng nhất trên web (phương thức HTTP, tên tài nguyên, hypermedia...)</a:t>
             </a:r>
           </a:p>
           <a:p>
@@ -11515,8 +11694,12 @@
               <a:buChar char="●"/>
             </a:pPr>
             <a:r>
+              <a:rPr lang="vi-VN" b="1"/>
+              <a:t>Tách biệt Client - Server</a:t>
+            </a:r>
+            <a:r>
               <a:rPr lang="vi-VN"/>
-              <a:t>Người dùng danh sách có quyền kiểm soát nơi một phần tử được thêm vào trong bộ sưu tập</a:t>
+              <a:t>: các ứng dụng máy khách và máy chủ phải hoàn toàn độc lập với nhau</a:t>
             </a:r>
           </a:p>
           <a:p>
@@ -11531,8 +11714,12 @@
               <a:buChar char="●"/>
             </a:pPr>
             <a:r>
+              <a:rPr lang="vi-VN" b="1"/>
+              <a:t>Không trạng thái</a:t>
+            </a:r>
+            <a:r>
               <a:rPr lang="vi-VN"/>
-              <a:t>Danh sách thường cho phép các phần tử trùng lặp</a:t>
+              <a:t>: yêu cầu là tự mô tả và có đủ ngữ cảnh để máy chủ xử lý. Không cần phiên phía máy chủ.</a:t>
             </a:r>
           </a:p>
           <a:p>
@@ -11547,10 +11734,26 @@
               <a:buChar char="●"/>
             </a:pPr>
             <a:r>
+              <a:rPr lang="vi-VN" b="1"/>
+              <a:t>Khả năng lưu trữ</a:t>
+            </a:r>
+            <a:r>
               <a:rPr lang="vi-VN"/>
-              <a:t>Cung cấp một ListIterator để duyệt qua các phần tử trong danh sách.</a:t>
-            </a:r>
-            <a:endParaRPr lang="vi-VN" sz="1600"/>
+              <a:t>: tài nguyên phải được lưu vào bộ nhớ cache ở phía máy khách hoặc máy chủ</a:t>
+            </a:r>
+          </a:p>
+          <a:p>
+            <a:pPr marL="457200" lvl="0" indent="-342900" rtl="0">
+              <a:spcBef>
+                <a:spcPts val="0"/>
+              </a:spcBef>
+              <a:spcAft>
+                <a:spcPts val="0"/>
+              </a:spcAft>
+              <a:buSzPts val="1800"/>
+              <a:buChar char="●"/>
+            </a:pPr>
+            <a:endParaRPr lang="vi-VN"/>
           </a:p>
         </p:txBody>
       </p:sp>
@@ -11590,7 +11793,7 @@
             </a:pPr>
             <a:r>
               <a:rPr lang="vi-VN"/>
-              <a:t>List Interface</a:t>
+              <a:t>Ràng buộc kiến trúc REST</a:t>
             </a:r>
             <a:endParaRPr/>
           </a:p>
@@ -11599,7 +11802,7 @@
     </p:spTree>
     <p:extLst>
       <p:ext uri="{BB962C8B-B14F-4D97-AF65-F5344CB8AC3E}">
-        <p14:creationId xmlns:p14="http://schemas.microsoft.com/office/powerpoint/2010/main" val="832289496"/>
+        <p14:creationId xmlns:p14="http://schemas.microsoft.com/office/powerpoint/2010/main" val="446399056"/>
       </p:ext>
     </p:extLst>
   </p:cSld>
@@ -11662,8 +11865,12 @@
               <a:buChar char="●"/>
             </a:pPr>
             <a:r>
+              <a:rPr lang="vi-VN" b="1"/>
+              <a:t>Kiến trúc hệ thống phân lớp</a:t>
+            </a:r>
+            <a:r>
               <a:rPr lang="vi-VN"/>
-              <a:t>Kế thừa giao diện Iterator</a:t>
+              <a:t>: các yêu cầu và phản hồi có thể đi qua các lớp khác nhau, máy khách không nhìn thấy được. Có thể có các trung gian khác nhau giữa máy khách và máy chủ.</a:t>
             </a:r>
           </a:p>
           <a:p>
@@ -11678,77 +11885,13 @@
               <a:buChar char="●"/>
             </a:pPr>
             <a:r>
+              <a:rPr lang="vi-VN" b="1"/>
+              <a:t>Mã theo yêu cầu (tùy chọn)</a:t>
+            </a:r>
+            <a:r>
               <a:rPr lang="vi-VN"/>
-              <a:t>Định nghĩa ba phương thức cơ bản:</a:t>
-            </a:r>
-          </a:p>
-          <a:p>
-            <a:pPr lvl="1" indent="-342900" algn="just">
-              <a:buSzPts val="1800"/>
-              <a:buChar char="●"/>
-            </a:pPr>
-            <a:r>
-              <a:rPr lang="en-US" sz="1600"/>
-              <a:t>void add(Object o) – </a:t>
-            </a:r>
-            <a:r>
-              <a:rPr lang="vi-VN" sz="1600"/>
-              <a:t>trước vị trí hiện tại</a:t>
-            </a:r>
-            <a:endParaRPr lang="en-US" sz="1600"/>
-          </a:p>
-          <a:p>
-            <a:pPr lvl="1" indent="-342900" algn="just">
-              <a:buSzPts val="1800"/>
-              <a:buChar char="●"/>
-            </a:pPr>
-            <a:r>
-              <a:rPr lang="en-US" sz="1600"/>
-              <a:t>boolean hasPrevious()</a:t>
-            </a:r>
-          </a:p>
-          <a:p>
-            <a:pPr lvl="1" indent="-342900" algn="just">
-              <a:buSzPts val="1800"/>
-              <a:buChar char="●"/>
-            </a:pPr>
-            <a:r>
-              <a:rPr lang="en-US" sz="1600"/>
-              <a:t>Object previous()</a:t>
-            </a:r>
-          </a:p>
-          <a:p>
-            <a:pPr marL="457200" lvl="0" indent="-342900" algn="just" rtl="0">
-              <a:spcBef>
-                <a:spcPts val="0"/>
-              </a:spcBef>
-              <a:spcAft>
-                <a:spcPts val="0"/>
-              </a:spcAft>
-              <a:buSzPts val="1800"/>
-              <a:buChar char="●"/>
-            </a:pPr>
-            <a:r>
-              <a:rPr lang="vi-VN"/>
-              <a:t>Việc bổ sung ba phương thức này xác định hành vi cơ bản của một danh sách có thứ tự</a:t>
-            </a:r>
-          </a:p>
-          <a:p>
-            <a:pPr marL="457200" lvl="0" indent="-342900" algn="just" rtl="0">
-              <a:spcBef>
-                <a:spcPts val="0"/>
-              </a:spcBef>
-              <a:spcAft>
-                <a:spcPts val="0"/>
-              </a:spcAft>
-              <a:buSzPts val="1800"/>
-              <a:buChar char="●"/>
-            </a:pPr>
-            <a:r>
-              <a:rPr lang="vi-VN"/>
-              <a:t>ListIterator biết vị trí trong danh sách</a:t>
-            </a:r>
-            <a:endParaRPr lang="vi-VN" sz="1600"/>
+              <a:t>: khả năng gửi mã thực thi từ máy chủ đến máy khách khi được yêu cầu, mở rộng chức năng của máy khách.</a:t>
+            </a:r>
           </a:p>
         </p:txBody>
       </p:sp>
@@ -11788,7 +11931,7 @@
             </a:pPr>
             <a:r>
               <a:rPr lang="vi-VN"/>
-              <a:t>List Interface</a:t>
+              <a:t>Ràng buộc kiến trúc REST</a:t>
             </a:r>
             <a:endParaRPr/>
           </a:p>
@@ -11797,7 +11940,7 @@
     </p:spTree>
     <p:extLst>
       <p:ext uri="{BB962C8B-B14F-4D97-AF65-F5344CB8AC3E}">
-        <p14:creationId xmlns:p14="http://schemas.microsoft.com/office/powerpoint/2010/main" val="1995968287"/>
+        <p14:creationId xmlns:p14="http://schemas.microsoft.com/office/powerpoint/2010/main" val="1788397878"/>
       </p:ext>
     </p:extLst>
   </p:cSld>
@@ -11826,6 +11969,132 @@
       </p:grpSpPr>
       <p:sp>
         <p:nvSpPr>
+          <p:cNvPr id="67" name="Google Shape;67;p14"/>
+          <p:cNvSpPr txBox="1">
+            <a:spLocks noGrp="1"/>
+          </p:cNvSpPr>
+          <p:nvPr>
+            <p:ph type="body" idx="1"/>
+          </p:nvPr>
+        </p:nvSpPr>
+        <p:spPr>
+          <a:xfrm>
+            <a:off x="311700" y="1152475"/>
+            <a:ext cx="8520600" cy="3416400"/>
+          </a:xfrm>
+          <a:prstGeom prst="rect">
+            <a:avLst/>
+          </a:prstGeom>
+        </p:spPr>
+        <p:txBody>
+          <a:bodyPr spcFirstLastPara="1" wrap="square" lIns="91425" tIns="91425" rIns="91425" bIns="91425" anchor="t" anchorCtr="0">
+            <a:normAutofit/>
+          </a:bodyPr>
+          <a:lstStyle/>
+          <a:p>
+            <a:pPr marL="457200" lvl="0" indent="-342900" algn="just" rtl="0">
+              <a:spcBef>
+                <a:spcPts val="0"/>
+              </a:spcBef>
+              <a:spcAft>
+                <a:spcPts val="0"/>
+              </a:spcAft>
+              <a:buSzPts val="1800"/>
+              <a:buChar char="●"/>
+            </a:pPr>
+            <a:r>
+              <a:rPr lang="vi-VN" b="1"/>
+              <a:t>Dễ học &amp; triển khai: </a:t>
+            </a:r>
+            <a:r>
+              <a:rPr lang="vi-VN"/>
+              <a:t>sử dụng các công nghệ hiện có và quen thuộc (HTTP, JSON...) và kiến trúc client-server</a:t>
+            </a:r>
+          </a:p>
+          <a:p>
+            <a:pPr marL="457200" lvl="0" indent="-342900" algn="just" rtl="0">
+              <a:spcBef>
+                <a:spcPts val="0"/>
+              </a:spcBef>
+              <a:spcAft>
+                <a:spcPts val="0"/>
+              </a:spcAft>
+              <a:buSzPts val="1800"/>
+              <a:buChar char="●"/>
+            </a:pPr>
+            <a:r>
+              <a:rPr lang="vi-VN" b="1"/>
+              <a:t>Tính độc lập</a:t>
+            </a:r>
+            <a:r>
+              <a:rPr lang="vi-VN"/>
+              <a:t>: API REST không bị ràng buộc với công nghệ phía máy khách → các loại máy khách khác nhau có thể sử dụng cùng một API</a:t>
+            </a:r>
+          </a:p>
+          <a:p>
+            <a:pPr marL="457200" lvl="0" indent="-342900" algn="just" rtl="0">
+              <a:spcBef>
+                <a:spcPts val="0"/>
+              </a:spcBef>
+              <a:spcAft>
+                <a:spcPts val="0"/>
+              </a:spcAft>
+              <a:buSzPts val="1800"/>
+              <a:buChar char="●"/>
+            </a:pPr>
+            <a:r>
+              <a:rPr lang="vi-VN" b="1"/>
+              <a:t>Linh hoạt</a:t>
+            </a:r>
+            <a:r>
+              <a:rPr lang="vi-VN"/>
+              <a:t>: máy khách và máy chủ độc lập → API có thể phục vụ các loại yêu cầu khác nhau và gửi dữ liệu ở các định dạng khác nhau.</a:t>
+            </a:r>
+          </a:p>
+          <a:p>
+            <a:pPr marL="457200" lvl="0" indent="-342900" algn="just" rtl="0">
+              <a:spcBef>
+                <a:spcPts val="0"/>
+              </a:spcBef>
+              <a:spcAft>
+                <a:spcPts val="0"/>
+              </a:spcAft>
+              <a:buSzPts val="1800"/>
+              <a:buChar char="●"/>
+            </a:pPr>
+            <a:r>
+              <a:rPr lang="vi-VN" b="1"/>
+              <a:t>Nhẹ</a:t>
+            </a:r>
+            <a:r>
+              <a:rPr lang="vi-VN"/>
+              <a:t>: Các API trả về dữ liệu đơn giản (JSON) nhẹ hơn nhiều so với các dịch vụ web SOAP sử dụng thông điệp XML</a:t>
+            </a:r>
+          </a:p>
+          <a:p>
+            <a:pPr marL="457200" lvl="0" indent="-342900" algn="just" rtl="0">
+              <a:spcBef>
+                <a:spcPts val="0"/>
+              </a:spcBef>
+              <a:spcAft>
+                <a:spcPts val="0"/>
+              </a:spcAft>
+              <a:buSzPts val="1800"/>
+              <a:buChar char="●"/>
+            </a:pPr>
+            <a:r>
+              <a:rPr lang="vi-VN" b="1"/>
+              <a:t>Có thể mở rộng</a:t>
+            </a:r>
+            <a:r>
+              <a:rPr lang="vi-VN"/>
+              <a:t>: API có thể lưu vào bộ nhớ cache và không trạng thái → Tăng khả năng mở rộng của máy chủ</a:t>
+            </a:r>
+          </a:p>
+        </p:txBody>
+      </p:sp>
+      <p:sp>
+        <p:nvSpPr>
           <p:cNvPr id="68" name="Google Shape;68;p14"/>
           <p:cNvSpPr txBox="1">
             <a:spLocks noGrp="1"/>
@@ -11860,208 +12129,16 @@
             </a:pPr>
             <a:r>
               <a:rPr lang="vi-VN"/>
-              <a:t>Set Interface</a:t>
+              <a:t>Tại sao REST API được sử dụng?</a:t>
             </a:r>
             <a:endParaRPr/>
           </a:p>
         </p:txBody>
       </p:sp>
-      <p:grpSp>
-        <p:nvGrpSpPr>
-          <p:cNvPr id="3" name="Group 2">
-            <a:extLst>
-              <a:ext uri="{FF2B5EF4-FFF2-40B4-BE49-F238E27FC236}">
-                <a16:creationId xmlns:a16="http://schemas.microsoft.com/office/drawing/2014/main" id="{59DD065A-F504-BD8C-58D1-1841BDF18032}"/>
-              </a:ext>
-            </a:extLst>
-          </p:cNvPr>
-          <p:cNvGrpSpPr/>
-          <p:nvPr/>
-        </p:nvGrpSpPr>
-        <p:grpSpPr>
-          <a:xfrm>
-            <a:off x="1031147" y="1434518"/>
-            <a:ext cx="7081706" cy="3423348"/>
-            <a:chOff x="762000" y="1828800"/>
-            <a:chExt cx="7620000" cy="4011613"/>
-          </a:xfrm>
-        </p:grpSpPr>
-        <p:pic>
-          <p:nvPicPr>
-            <p:cNvPr id="4" name="Picture 3">
-              <a:extLst>
-                <a:ext uri="{FF2B5EF4-FFF2-40B4-BE49-F238E27FC236}">
-                  <a16:creationId xmlns:a16="http://schemas.microsoft.com/office/drawing/2014/main" id="{381A13A3-069B-F0A0-0EAF-E7223610063C}"/>
-                </a:ext>
-              </a:extLst>
-            </p:cNvPr>
-            <p:cNvPicPr>
-              <a:picLocks noChangeAspect="1" noChangeArrowheads="1"/>
-            </p:cNvPicPr>
-            <p:nvPr/>
-          </p:nvPicPr>
-          <p:blipFill>
-            <a:blip r:embed="rId3">
-              <a:extLst>
-                <a:ext uri="{28A0092B-C50C-407E-A947-70E740481C1C}">
-                  <a14:useLocalDpi xmlns:a14="http://schemas.microsoft.com/office/drawing/2010/main" val="0"/>
-                </a:ext>
-              </a:extLst>
-            </a:blip>
-            <a:srcRect/>
-            <a:stretch>
-              <a:fillRect/>
-            </a:stretch>
-          </p:blipFill>
-          <p:spPr bwMode="auto">
-            <a:xfrm>
-              <a:off x="762000" y="1828800"/>
-              <a:ext cx="7620000" cy="4011613"/>
-            </a:xfrm>
-            <a:prstGeom prst="rect">
-              <a:avLst/>
-            </a:prstGeom>
-            <a:noFill/>
-            <a:extLst>
-              <a:ext uri="{909E8E84-426E-40DD-AFC4-6F175D3DCCD1}">
-                <a14:hiddenFill xmlns:a14="http://schemas.microsoft.com/office/drawing/2010/main">
-                  <a:solidFill>
-                    <a:srgbClr val="FFFFFF"/>
-                  </a:solidFill>
-                </a14:hiddenFill>
-              </a:ext>
-            </a:extLst>
-          </p:spPr>
-        </p:pic>
-        <p:sp>
-          <p:nvSpPr>
-            <p:cNvPr id="5" name="Rectangle 4">
-              <a:extLst>
-                <a:ext uri="{FF2B5EF4-FFF2-40B4-BE49-F238E27FC236}">
-                  <a16:creationId xmlns:a16="http://schemas.microsoft.com/office/drawing/2014/main" id="{025E3861-4298-C59C-5551-15BB808173CF}"/>
-                </a:ext>
-              </a:extLst>
-            </p:cNvPr>
-            <p:cNvSpPr>
-              <a:spLocks noChangeArrowheads="1"/>
-            </p:cNvSpPr>
-            <p:nvPr/>
-          </p:nvSpPr>
-          <p:spPr bwMode="auto">
-            <a:xfrm>
-              <a:off x="2971800" y="1833563"/>
-              <a:ext cx="1550988" cy="482600"/>
-            </a:xfrm>
-            <a:prstGeom prst="rect">
-              <a:avLst/>
-            </a:prstGeom>
-            <a:solidFill>
-              <a:schemeClr val="bg1"/>
-            </a:solidFill>
-            <a:ln w="25400">
-              <a:solidFill>
-                <a:srgbClr val="FF0000"/>
-              </a:solidFill>
-              <a:prstDash val="dash"/>
-              <a:miter lim="800000"/>
-              <a:headEnd/>
-              <a:tailEnd/>
-            </a:ln>
-            <a:effectLst/>
-            <a:extLst>
-              <a:ext uri="{AF507438-7753-43E0-B8FC-AC1667EBCBE1}">
-                <a14:hiddenEffects xmlns:a14="http://schemas.microsoft.com/office/drawing/2010/main">
-                  <a:effectLst>
-                    <a:outerShdw dist="35921" dir="2700000" algn="ctr" rotWithShape="0">
-                      <a:schemeClr val="bg2"/>
-                    </a:outerShdw>
-                  </a:effectLst>
-                </a14:hiddenEffects>
-              </a:ext>
-            </a:extLst>
-          </p:spPr>
-          <p:txBody>
-            <a:bodyPr wrap="none" anchor="ctr">
-              <a:spAutoFit/>
-            </a:bodyPr>
-            <a:lstStyle/>
-            <a:p>
-              <a:r>
-                <a:rPr lang="en-US" altLang="en-US" sz="2400">
-                  <a:latin typeface="Arial" panose="020B0604020202020204" pitchFamily="34" charset="0"/>
-                </a:rPr>
-                <a:t>Collection</a:t>
-              </a:r>
-            </a:p>
-          </p:txBody>
-        </p:sp>
-        <p:sp>
-          <p:nvSpPr>
-            <p:cNvPr id="6" name="Rectangle 5">
-              <a:extLst>
-                <a:ext uri="{FF2B5EF4-FFF2-40B4-BE49-F238E27FC236}">
-                  <a16:creationId xmlns:a16="http://schemas.microsoft.com/office/drawing/2014/main" id="{67FF8090-CE49-A4BC-21F0-78099B0A2045}"/>
-                </a:ext>
-              </a:extLst>
-            </p:cNvPr>
-            <p:cNvSpPr>
-              <a:spLocks noChangeArrowheads="1"/>
-            </p:cNvSpPr>
-            <p:nvPr/>
-          </p:nvSpPr>
-          <p:spPr bwMode="auto">
-            <a:xfrm>
-              <a:off x="4622800" y="3200400"/>
-              <a:ext cx="835025" cy="482600"/>
-            </a:xfrm>
-            <a:prstGeom prst="rect">
-              <a:avLst/>
-            </a:prstGeom>
-            <a:solidFill>
-              <a:schemeClr val="bg1"/>
-            </a:solidFill>
-            <a:ln w="25400">
-              <a:solidFill>
-                <a:srgbClr val="FF0000"/>
-              </a:solidFill>
-              <a:prstDash val="dash"/>
-              <a:miter lim="800000"/>
-              <a:headEnd/>
-              <a:tailEnd/>
-            </a:ln>
-            <a:effectLst/>
-            <a:extLst>
-              <a:ext uri="{AF507438-7753-43E0-B8FC-AC1667EBCBE1}">
-                <a14:hiddenEffects xmlns:a14="http://schemas.microsoft.com/office/drawing/2010/main">
-                  <a:effectLst>
-                    <a:outerShdw dist="35921" dir="2700000" algn="ctr" rotWithShape="0">
-                      <a:schemeClr val="bg2"/>
-                    </a:outerShdw>
-                  </a:effectLst>
-                </a14:hiddenEffects>
-              </a:ext>
-            </a:extLst>
-          </p:spPr>
-          <p:txBody>
-            <a:bodyPr wrap="none" anchor="ctr">
-              <a:spAutoFit/>
-            </a:bodyPr>
-            <a:lstStyle/>
-            <a:p>
-              <a:r>
-                <a:rPr lang="en-US" altLang="en-US" sz="2400">
-                  <a:latin typeface="Arial" panose="020B0604020202020204" pitchFamily="34" charset="0"/>
-                </a:rPr>
-                <a:t> Set </a:t>
-              </a:r>
-            </a:p>
-          </p:txBody>
-        </p:sp>
-      </p:grpSp>
     </p:spTree>
     <p:extLst>
       <p:ext uri="{BB962C8B-B14F-4D97-AF65-F5344CB8AC3E}">
-        <p14:creationId xmlns:p14="http://schemas.microsoft.com/office/powerpoint/2010/main" val="4063354563"/>
+        <p14:creationId xmlns:p14="http://schemas.microsoft.com/office/powerpoint/2010/main" val="1172364441"/>
       </p:ext>
     </p:extLst>
   </p:cSld>
@@ -12125,17 +12202,23 @@
             </a:pPr>
             <a:r>
               <a:rPr lang="vi-VN"/>
-              <a:t>Các phương thức tương tự như Bộ sưu tập</a:t>
-            </a:r>
-          </a:p>
-          <a:p>
-            <a:pPr lvl="1" indent="-342900" algn="just">
+              <a:t>Kết nối các hệ thống khác nhau được xây dựng trong các công nghệ khác nhau, ví dụ: Java và .NET</a:t>
+            </a:r>
+          </a:p>
+          <a:p>
+            <a:pPr marL="457200" lvl="0" indent="-342900" algn="just" rtl="0">
+              <a:spcBef>
+                <a:spcPts val="0"/>
+              </a:spcBef>
+              <a:spcAft>
+                <a:spcPts val="0"/>
+              </a:spcAft>
               <a:buSzPts val="1800"/>
               <a:buChar char="●"/>
             </a:pPr>
             <a:r>
-              <a:rPr lang="vi-VN" sz="1600"/>
-              <a:t>Nhưng không cho phép phần tử trùng lặp</a:t>
+              <a:rPr lang="vi-VN"/>
+              <a:t>Kết nối các thành phần khác nhau trong các ứng dụng dựa trên microservice</a:t>
             </a:r>
           </a:p>
           <a:p>
@@ -12150,78 +12233,26 @@
               <a:buChar char="●"/>
             </a:pPr>
             <a:r>
-              <a:rPr lang="vi-VN"/>
-              <a:t>Định nghĩa hai phương thức cơ bản</a:t>
-            </a:r>
-          </a:p>
-          <a:p>
-            <a:pPr lvl="1" indent="-342900" algn="just">
+              <a:rPr lang="en-US"/>
+              <a:t>Back End cho các ứng dụng một trang (SPA)</a:t>
+            </a:r>
+            <a:endParaRPr lang="vi-VN"/>
+          </a:p>
+          <a:p>
+            <a:pPr marL="457200" lvl="0" indent="-342900" algn="just" rtl="0">
+              <a:spcBef>
+                <a:spcPts val="0"/>
+              </a:spcBef>
+              <a:spcAft>
+                <a:spcPts val="0"/>
+              </a:spcAft>
               <a:buSzPts val="1800"/>
               <a:buChar char="●"/>
             </a:pPr>
             <a:r>
-              <a:rPr lang="en-US" sz="1600"/>
-              <a:t>boolean add(Object o) - reject duplicates</a:t>
-            </a:r>
-          </a:p>
-          <a:p>
-            <a:pPr lvl="1" indent="-342900" algn="just">
-              <a:buSzPts val="1800"/>
-              <a:buChar char="●"/>
-            </a:pPr>
-            <a:r>
-              <a:rPr lang="en-US" sz="1600"/>
-              <a:t>Iterator iterator()</a:t>
-            </a:r>
-          </a:p>
-          <a:p>
-            <a:pPr marL="457200" lvl="0" indent="-342900" algn="just" rtl="0">
-              <a:spcBef>
-                <a:spcPts val="0"/>
-              </a:spcBef>
-              <a:spcAft>
-                <a:spcPts val="0"/>
-              </a:spcAft>
-              <a:buSzPts val="1800"/>
-              <a:buChar char="●"/>
-            </a:pPr>
-            <a:r>
               <a:rPr lang="vi-VN"/>
-              <a:t>Cung cấp một Iterator để duyệt qua các phần tử trong Set</a:t>
-            </a:r>
-          </a:p>
-          <a:p>
-            <a:pPr marL="457200" lvl="0" indent="-342900" algn="just" rtl="0">
-              <a:spcBef>
-                <a:spcPts val="0"/>
-              </a:spcBef>
-              <a:spcAft>
-                <a:spcPts val="0"/>
-              </a:spcAft>
-              <a:buSzPts val="1800"/>
-              <a:buChar char="●"/>
-            </a:pPr>
-            <a:r>
-              <a:rPr lang="vi-VN"/>
-              <a:t>Không có thứ tự được đảm bảo trong giao diện Set cơ bản</a:t>
-            </a:r>
-          </a:p>
-          <a:p>
-            <a:pPr marL="457200" lvl="0" indent="-342900" algn="just" rtl="0">
-              <a:spcBef>
-                <a:spcPts val="0"/>
-              </a:spcBef>
-              <a:spcAft>
-                <a:spcPts val="0"/>
-              </a:spcAft>
-              <a:buSzPts val="1800"/>
-              <a:buChar char="●"/>
-            </a:pPr>
-            <a:r>
-              <a:rPr lang="vi-VN"/>
-              <a:t>Có một giao diện SortedSet mở rộng Set</a:t>
-            </a:r>
-            <a:endParaRPr lang="vi-VN" sz="1600"/>
+              <a:t>Tích hợp dịch vụ (Tích hợp các API do Facebook, PayPal, YouTube, AWS cung cấp...)</a:t>
+            </a:r>
           </a:p>
         </p:txBody>
       </p:sp>
@@ -12261,7 +12292,7 @@
             </a:pPr>
             <a:r>
               <a:rPr lang="vi-VN"/>
-              <a:t>Set Interface</a:t>
+              <a:t>REST API được sử dụng ở đâu?</a:t>
             </a:r>
             <a:endParaRPr/>
           </a:p>
@@ -12270,7 +12301,7 @@
     </p:spTree>
     <p:extLst>
       <p:ext uri="{BB962C8B-B14F-4D97-AF65-F5344CB8AC3E}">
-        <p14:creationId xmlns:p14="http://schemas.microsoft.com/office/powerpoint/2010/main" val="1929820016"/>
+        <p14:creationId xmlns:p14="http://schemas.microsoft.com/office/powerpoint/2010/main" val="2071837544"/>
       </p:ext>
     </p:extLst>
   </p:cSld>
@@ -12299,6 +12330,48 @@
       </p:grpSpPr>
       <p:sp>
         <p:nvSpPr>
+          <p:cNvPr id="67" name="Google Shape;67;p14"/>
+          <p:cNvSpPr txBox="1">
+            <a:spLocks noGrp="1"/>
+          </p:cNvSpPr>
+          <p:nvPr>
+            <p:ph type="body" idx="1"/>
+          </p:nvPr>
+        </p:nvSpPr>
+        <p:spPr>
+          <a:xfrm>
+            <a:off x="311700" y="1152475"/>
+            <a:ext cx="8520600" cy="3416400"/>
+          </a:xfrm>
+          <a:prstGeom prst="rect">
+            <a:avLst/>
+          </a:prstGeom>
+        </p:spPr>
+        <p:txBody>
+          <a:bodyPr spcFirstLastPara="1" wrap="square" lIns="91425" tIns="91425" rIns="91425" bIns="91425" anchor="t" anchorCtr="0">
+            <a:normAutofit/>
+          </a:bodyPr>
+          <a:lstStyle/>
+          <a:p>
+            <a:pPr marL="457200" lvl="0" indent="-342900" algn="just" rtl="0">
+              <a:spcBef>
+                <a:spcPts val="0"/>
+              </a:spcBef>
+              <a:spcAft>
+                <a:spcPts val="0"/>
+              </a:spcAft>
+              <a:buSzPts val="1800"/>
+              <a:buChar char="●"/>
+            </a:pPr>
+            <a:r>
+              <a:rPr lang="vi-VN"/>
+              <a:t>Backend cho SPA</a:t>
+            </a:r>
+          </a:p>
+        </p:txBody>
+      </p:sp>
+      <p:sp>
+        <p:nvSpPr>
           <p:cNvPr id="68" name="Google Shape;68;p14"/>
           <p:cNvSpPr txBox="1">
             <a:spLocks noGrp="1"/>
@@ -12333,7 +12406,7 @@
             </a:pPr>
             <a:r>
               <a:rPr lang="vi-VN"/>
-              <a:t>Map Interface</a:t>
+              <a:t>REST API được sử dụng ở đâu?</a:t>
             </a:r>
             <a:endParaRPr/>
           </a:p>
@@ -12341,10 +12414,10 @@
       </p:sp>
       <p:pic>
         <p:nvPicPr>
-          <p:cNvPr id="2" name="Picture 1">
+          <p:cNvPr id="3" name="Picture 2">
             <a:extLst>
               <a:ext uri="{FF2B5EF4-FFF2-40B4-BE49-F238E27FC236}">
-                <a16:creationId xmlns:a16="http://schemas.microsoft.com/office/drawing/2014/main" id="{71968F93-B570-E788-A4BA-1B47D51BEBB3}"/>
+                <a16:creationId xmlns:a16="http://schemas.microsoft.com/office/drawing/2014/main" id="{8C098D7C-DA6D-5442-1B72-D861A92E80DD}"/>
               </a:ext>
             </a:extLst>
           </p:cNvPr>
@@ -12361,8 +12434,8 @@
         </p:blipFill>
         <p:spPr>
           <a:xfrm>
-            <a:off x="1265873" y="1373076"/>
-            <a:ext cx="6612253" cy="3501850"/>
+            <a:off x="581890" y="1550776"/>
+            <a:ext cx="7834745" cy="3248396"/>
           </a:xfrm>
           <a:prstGeom prst="rect">
             <a:avLst/>
@@ -12372,7 +12445,7 @@
     </p:spTree>
     <p:extLst>
       <p:ext uri="{BB962C8B-B14F-4D97-AF65-F5344CB8AC3E}">
-        <p14:creationId xmlns:p14="http://schemas.microsoft.com/office/powerpoint/2010/main" val="2245800523"/>
+        <p14:creationId xmlns:p14="http://schemas.microsoft.com/office/powerpoint/2010/main" val="4149597244"/>
       </p:ext>
     </p:extLst>
   </p:cSld>
@@ -12436,77 +12509,8 @@
             </a:pPr>
             <a:r>
               <a:rPr lang="vi-VN"/>
-              <a:t>Lưu trữ các cặp khóa/giá trị</a:t>
-            </a:r>
-          </a:p>
-          <a:p>
-            <a:pPr marL="457200" lvl="0" indent="-342900" algn="just" rtl="0">
-              <a:spcBef>
-                <a:spcPts val="0"/>
-              </a:spcBef>
-              <a:spcAft>
-                <a:spcPts val="0"/>
-              </a:spcAft>
-              <a:buSzPts val="1800"/>
-              <a:buChar char="●"/>
-            </a:pPr>
-            <a:r>
-              <a:rPr lang="vi-VN"/>
-              <a:t>Ánh xạ từ khóa đến giá trị</a:t>
-            </a:r>
-          </a:p>
-          <a:p>
-            <a:pPr marL="457200" lvl="0" indent="-342900" algn="just" rtl="0">
-              <a:spcBef>
-                <a:spcPts val="0"/>
-              </a:spcBef>
-              <a:spcAft>
-                <a:spcPts val="0"/>
-              </a:spcAft>
-              <a:buSzPts val="1800"/>
-              <a:buChar char="●"/>
-            </a:pPr>
-            <a:r>
-              <a:rPr lang="vi-VN"/>
-              <a:t>Các khóa là duy nhất</a:t>
-            </a:r>
-          </a:p>
-          <a:p>
-            <a:pPr lvl="1" indent="-342900" algn="just">
-              <a:buSzPts val="1800"/>
-              <a:buChar char="●"/>
-            </a:pPr>
-            <a:r>
-              <a:rPr lang="vi-VN" sz="1600"/>
-              <a:t>một khóa duy nhất chỉ xuất hiện một lần trong Map</a:t>
-            </a:r>
-          </a:p>
-          <a:p>
-            <a:pPr lvl="1" indent="-342900" algn="just">
-              <a:buSzPts val="1800"/>
-              <a:buChar char="●"/>
-            </a:pPr>
-            <a:r>
-              <a:rPr lang="vi-VN" sz="1600"/>
-              <a:t>một khóa chỉ có thể ánh xạ tới một giá trị</a:t>
-            </a:r>
-          </a:p>
-          <a:p>
-            <a:pPr marL="457200" lvl="0" indent="-342900" algn="just" rtl="0">
-              <a:spcBef>
-                <a:spcPts val="0"/>
-              </a:spcBef>
-              <a:spcAft>
-                <a:spcPts val="0"/>
-              </a:spcAft>
-              <a:buSzPts val="1800"/>
-              <a:buChar char="●"/>
-            </a:pPr>
-            <a:r>
-              <a:rPr lang="vi-VN"/>
-              <a:t>Các giá trị không nhất thiết phải là duy nhất</a:t>
-            </a:r>
-            <a:endParaRPr lang="vi-VN" sz="1600"/>
+              <a:t>Microservice</a:t>
+            </a:r>
           </a:p>
         </p:txBody>
       </p:sp>
@@ -12546,16 +12550,46 @@
             </a:pPr>
             <a:r>
               <a:rPr lang="vi-VN"/>
-              <a:t>Map Interface</a:t>
+              <a:t>REST API được sử dụng ở đâu?</a:t>
             </a:r>
             <a:endParaRPr/>
           </a:p>
         </p:txBody>
       </p:sp>
+      <p:pic>
+        <p:nvPicPr>
+          <p:cNvPr id="3" name="Picture 2">
+            <a:extLst>
+              <a:ext uri="{FF2B5EF4-FFF2-40B4-BE49-F238E27FC236}">
+                <a16:creationId xmlns:a16="http://schemas.microsoft.com/office/drawing/2014/main" id="{89CFCCE5-453B-ACFB-5280-5EA4B6F3371E}"/>
+              </a:ext>
+            </a:extLst>
+          </p:cNvPr>
+          <p:cNvPicPr>
+            <a:picLocks noChangeAspect="1"/>
+          </p:cNvPicPr>
+          <p:nvPr/>
+        </p:nvPicPr>
+        <p:blipFill>
+          <a:blip r:embed="rId3"/>
+          <a:stretch>
+            <a:fillRect/>
+          </a:stretch>
+        </p:blipFill>
+        <p:spPr>
+          <a:xfrm>
+            <a:off x="2926340" y="1356880"/>
+            <a:ext cx="5133975" cy="3524250"/>
+          </a:xfrm>
+          <a:prstGeom prst="rect">
+            <a:avLst/>
+          </a:prstGeom>
+        </p:spPr>
+      </p:pic>
     </p:spTree>
     <p:extLst>
       <p:ext uri="{BB962C8B-B14F-4D97-AF65-F5344CB8AC3E}">
-        <p14:creationId xmlns:p14="http://schemas.microsoft.com/office/powerpoint/2010/main" val="3743362238"/>
+        <p14:creationId xmlns:p14="http://schemas.microsoft.com/office/powerpoint/2010/main" val="2075616222"/>
       </p:ext>
     </p:extLst>
   </p:cSld>
@@ -12679,11 +12713,11 @@
             </a:pPr>
             <a:r>
               <a:rPr lang="vi-VN" b="1"/>
-              <a:t>Áp dụng </a:t>
+              <a:t>Thành thạo </a:t>
             </a:r>
             <a:r>
               <a:rPr lang="vi-VN"/>
-              <a:t>thành thạo các kiểu Collection cho từng Bài toán cụ thể</a:t>
+              <a:t>kiểm thử API với các công cụ ưa thích</a:t>
             </a:r>
             <a:endParaRPr/>
           </a:p>
@@ -12744,7 +12778,7 @@
   <p:cSld>
     <p:spTree>
       <p:nvGrpSpPr>
-        <p:cNvPr id="1" name="Shape 66"/>
+        <p:cNvPr id="1" name="Shape 72"/>
         <p:cNvGrpSpPr/>
         <p:nvPr/>
       </p:nvGrpSpPr>
@@ -12758,154 +12792,44 @@
       </p:grpSpPr>
       <p:sp>
         <p:nvSpPr>
-          <p:cNvPr id="67" name="Google Shape;67;p14"/>
+          <p:cNvPr id="73" name="Google Shape;73;p15"/>
           <p:cNvSpPr txBox="1">
             <a:spLocks noGrp="1"/>
           </p:cNvSpPr>
           <p:nvPr>
-            <p:ph type="body" idx="1"/>
-          </p:nvPr>
-        </p:nvSpPr>
-        <p:spPr>
-          <a:xfrm>
-            <a:off x="311700" y="1152475"/>
-            <a:ext cx="8520600" cy="3416400"/>
+            <p:ph type="title"/>
+          </p:nvPr>
+        </p:nvSpPr>
+        <p:spPr>
+          <a:xfrm>
+            <a:off x="490250" y="517961"/>
+            <a:ext cx="5683800" cy="4090800"/>
           </a:xfrm>
           <a:prstGeom prst="rect">
             <a:avLst/>
           </a:prstGeom>
         </p:spPr>
         <p:txBody>
-          <a:bodyPr spcFirstLastPara="1" wrap="square" lIns="91425" tIns="91425" rIns="91425" bIns="91425" anchor="t" anchorCtr="0">
+          <a:bodyPr spcFirstLastPara="1" wrap="square" lIns="91425" tIns="91425" rIns="91425" bIns="91425" anchor="ctr" anchorCtr="0">
             <a:normAutofit/>
           </a:bodyPr>
           <a:lstStyle/>
           <a:p>
-            <a:pPr marL="457200" lvl="0" indent="-342900" algn="just" rtl="0">
-              <a:spcBef>
-                <a:spcPts val="0"/>
-              </a:spcBef>
-              <a:spcAft>
-                <a:spcPts val="0"/>
-              </a:spcAft>
-              <a:buSzPts val="1800"/>
-              <a:buChar char="●"/>
+            <a:pPr marL="0" lvl="0" indent="0" algn="l" rtl="0">
+              <a:lnSpc>
+                <a:spcPct val="115000"/>
+              </a:lnSpc>
+              <a:spcBef>
+                <a:spcPts val="0"/>
+              </a:spcBef>
+              <a:spcAft>
+                <a:spcPts val="0"/>
+              </a:spcAft>
+              <a:buNone/>
             </a:pPr>
             <a:r>
               <a:rPr lang="vi-VN"/>
-              <a:t>Các số phương thức trong Map:</a:t>
-            </a:r>
-          </a:p>
-          <a:p>
-            <a:pPr lvl="1" indent="-342900" algn="just">
-              <a:buSzPts val="1800"/>
-              <a:buChar char="●"/>
-            </a:pPr>
-            <a:r>
-              <a:rPr lang="en-US" sz="1800"/>
-              <a:t>Object put(Object key, Object value)</a:t>
-            </a:r>
-          </a:p>
-          <a:p>
-            <a:pPr lvl="1" indent="-342900" algn="just">
-              <a:buSzPts val="1800"/>
-              <a:buChar char="●"/>
-            </a:pPr>
-            <a:r>
-              <a:rPr lang="en-US" sz="1800"/>
-              <a:t>Object get(Object key)</a:t>
-            </a:r>
-          </a:p>
-          <a:p>
-            <a:pPr lvl="1" indent="-342900" algn="just">
-              <a:buSzPts val="1800"/>
-              <a:buChar char="●"/>
-            </a:pPr>
-            <a:r>
-              <a:rPr lang="en-US" sz="1800"/>
-              <a:t>Object remove(Object key)</a:t>
-            </a:r>
-          </a:p>
-          <a:p>
-            <a:pPr lvl="1" indent="-342900" algn="just">
-              <a:buSzPts val="1800"/>
-              <a:buChar char="●"/>
-            </a:pPr>
-            <a:r>
-              <a:rPr lang="en-US" sz="1800"/>
-              <a:t>boolean containsKey(Object key)</a:t>
-            </a:r>
-          </a:p>
-          <a:p>
-            <a:pPr lvl="1" indent="-342900" algn="just">
-              <a:buSzPts val="1800"/>
-              <a:buChar char="●"/>
-            </a:pPr>
-            <a:r>
-              <a:rPr lang="en-US" sz="1800"/>
-              <a:t>boolean containsValue(Object value)</a:t>
-            </a:r>
-          </a:p>
-          <a:p>
-            <a:pPr lvl="1" indent="-342900" algn="just">
-              <a:buSzPts val="1800"/>
-              <a:buChar char="●"/>
-            </a:pPr>
-            <a:r>
-              <a:rPr lang="en-US" sz="1800"/>
-              <a:t>int size()</a:t>
-            </a:r>
-          </a:p>
-          <a:p>
-            <a:pPr lvl="1" indent="-342900" algn="just">
-              <a:buSzPts val="1800"/>
-              <a:buChar char="●"/>
-            </a:pPr>
-            <a:r>
-              <a:rPr lang="en-US" sz="1800"/>
-              <a:t>boolean isEmpty()</a:t>
-            </a:r>
-            <a:endParaRPr lang="vi-VN" sz="1800"/>
-          </a:p>
-        </p:txBody>
-      </p:sp>
-      <p:sp>
-        <p:nvSpPr>
-          <p:cNvPr id="68" name="Google Shape;68;p14"/>
-          <p:cNvSpPr txBox="1">
-            <a:spLocks noGrp="1"/>
-          </p:cNvSpPr>
-          <p:nvPr>
-            <p:ph type="title"/>
-          </p:nvPr>
-        </p:nvSpPr>
-        <p:spPr>
-          <a:xfrm>
-            <a:off x="311700" y="445025"/>
-            <a:ext cx="8520600" cy="572700"/>
-          </a:xfrm>
-          <a:prstGeom prst="rect">
-            <a:avLst/>
-          </a:prstGeom>
-        </p:spPr>
-        <p:txBody>
-          <a:bodyPr spcFirstLastPara="1" wrap="square" lIns="91425" tIns="91425" rIns="91425" bIns="91425" anchor="t" anchorCtr="0">
-            <a:normAutofit fontScale="90000"/>
-          </a:bodyPr>
-          <a:lstStyle/>
-          <a:p>
-            <a:pPr marL="0" lvl="0" indent="0" algn="l" rtl="0">
-              <a:spcBef>
-                <a:spcPts val="0"/>
-              </a:spcBef>
-              <a:spcAft>
-                <a:spcPts val="0"/>
-              </a:spcAft>
-              <a:buNone/>
-            </a:pPr>
-            <a:r>
-              <a:rPr lang="vi-VN"/>
-              <a:t>Map Interface</a:t>
+              <a:t>URI</a:t>
             </a:r>
             <a:endParaRPr/>
           </a:p>
@@ -12914,7 +12838,7 @@
     </p:spTree>
     <p:extLst>
       <p:ext uri="{BB962C8B-B14F-4D97-AF65-F5344CB8AC3E}">
-        <p14:creationId xmlns:p14="http://schemas.microsoft.com/office/powerpoint/2010/main" val="879055260"/>
+        <p14:creationId xmlns:p14="http://schemas.microsoft.com/office/powerpoint/2010/main" val="1241701119"/>
       </p:ext>
     </p:extLst>
   </p:cSld>
@@ -12978,7 +12902,23 @@
             </a:pPr>
             <a:r>
               <a:rPr lang="vi-VN"/>
-              <a:t>Map View: Phương thức duyệt các khóa và giá trị trong Map</a:t>
+              <a:t>Uniform Resource Identifier (URI) hay bộ định vị tài nguyên thống nhất là một chuỗi kí tự, định danh duy nhất một tài nguyên/tên trên Internet.</a:t>
+            </a:r>
+          </a:p>
+          <a:p>
+            <a:pPr marL="457200" lvl="0" indent="-342900" algn="just" rtl="0">
+              <a:spcBef>
+                <a:spcPts val="0"/>
+              </a:spcBef>
+              <a:spcAft>
+                <a:spcPts val="0"/>
+              </a:spcAft>
+              <a:buSzPts val="1800"/>
+              <a:buChar char="●"/>
+            </a:pPr>
+            <a:r>
+              <a:rPr lang="vi-VN"/>
+              <a:t>URI có 2 kiểu con:</a:t>
             </a:r>
           </a:p>
           <a:p>
@@ -12987,26 +12927,8 @@
               <a:buChar char="●"/>
             </a:pPr>
             <a:r>
-              <a:rPr lang="en-US" sz="1800"/>
-              <a:t>Set </a:t>
-            </a:r>
-            <a:r>
-              <a:rPr lang="en-US" sz="1800" b="1"/>
-              <a:t>keySet()</a:t>
-            </a:r>
-          </a:p>
-          <a:p>
-            <a:pPr lvl="2" indent="-342900" algn="just">
-              <a:buSzPts val="1800"/>
-              <a:buChar char="●"/>
-            </a:pPr>
-            <a:r>
-              <a:rPr lang="en-US" sz="1800"/>
-              <a:t>trả về Tập hợp các khóa có trong </a:t>
-            </a:r>
-            <a:r>
-              <a:rPr lang="vi-VN" sz="1800"/>
-              <a:t>Map</a:t>
+              <a:rPr lang="en-US" sz="1600"/>
+              <a:t>Uniform Resource Locator (URL)</a:t>
             </a:r>
           </a:p>
           <a:p>
@@ -13015,75 +12937,10 @@
               <a:buChar char="●"/>
             </a:pPr>
             <a:r>
-              <a:rPr lang="en-US" sz="1800" b="1"/>
-              <a:t>Collection values()</a:t>
-            </a:r>
-          </a:p>
-          <a:p>
-            <a:pPr lvl="2" indent="-342900" algn="just">
-              <a:buSzPts val="1800"/>
-              <a:buChar char="●"/>
-            </a:pPr>
-            <a:r>
-              <a:rPr lang="vi-VN" sz="1800"/>
-              <a:t>trả về Bộ sưu tập các giá trị có trong Map. Bộ sưu tập này không phải là một Set vì nhiều khóa có thể ánh xạ tới cùng một giá trị.</a:t>
-            </a:r>
-            <a:r>
-              <a:rPr lang="en-US" sz="1800"/>
-              <a:t>. </a:t>
-            </a:r>
-          </a:p>
-          <a:p>
-            <a:pPr lvl="1" indent="-342900" algn="just">
-              <a:buSzPts val="1800"/>
-              <a:buChar char="●"/>
-            </a:pPr>
-            <a:r>
-              <a:rPr lang="en-US" sz="1800" b="1"/>
-              <a:t>Set entrySet()</a:t>
-            </a:r>
-          </a:p>
-          <a:p>
-            <a:pPr lvl="2" indent="-342900" algn="just">
-              <a:buSzPts val="1800"/>
-              <a:buChar char="●"/>
-            </a:pPr>
-            <a:r>
-              <a:rPr lang="en-US" sz="1800"/>
-              <a:t>trả về </a:t>
-            </a:r>
-            <a:r>
-              <a:rPr lang="vi-VN" sz="1800"/>
-              <a:t>Set</a:t>
-            </a:r>
-            <a:r>
-              <a:rPr lang="en-US" sz="1800"/>
-              <a:t> các cặp khóa-giá trị có trong </a:t>
-            </a:r>
-            <a:r>
-              <a:rPr lang="vi-VN" sz="1800"/>
-              <a:t>Map</a:t>
-            </a:r>
-            <a:r>
-              <a:rPr lang="en-US" sz="1800"/>
-              <a:t>. </a:t>
-            </a:r>
-            <a:r>
-              <a:rPr lang="vi-VN" sz="1800"/>
-              <a:t>Map Interface </a:t>
-            </a:r>
-            <a:r>
-              <a:rPr lang="en-US" sz="1800"/>
-              <a:t>cung cấp một giao diện lồng nhau nhỏ gọi là Map.Entry, đây là </a:t>
-            </a:r>
-            <a:r>
-              <a:rPr lang="vi-VN" sz="1800"/>
-              <a:t>kiểu</a:t>
-            </a:r>
-            <a:r>
-              <a:rPr lang="en-US" sz="1800"/>
-              <a:t> phần tử trong Tập hợp này.. </a:t>
-            </a:r>
+              <a:rPr lang="en-US" sz="1600"/>
+              <a:t>Uniform Resource Name (URN)</a:t>
+            </a:r>
+            <a:endParaRPr lang="vi-VN" sz="1600"/>
           </a:p>
         </p:txBody>
       </p:sp>
@@ -13123,16 +12980,76 @@
             </a:pPr>
             <a:r>
               <a:rPr lang="vi-VN"/>
-              <a:t>Map Interface</a:t>
+              <a:t>URI là gì?</a:t>
             </a:r>
             <a:endParaRPr/>
           </a:p>
         </p:txBody>
       </p:sp>
+      <p:pic>
+        <p:nvPicPr>
+          <p:cNvPr id="2" name="Picture 1">
+            <a:extLst>
+              <a:ext uri="{FF2B5EF4-FFF2-40B4-BE49-F238E27FC236}">
+                <a16:creationId xmlns:a16="http://schemas.microsoft.com/office/drawing/2014/main" id="{3BED32B1-DC1B-4940-B992-CF6B847B3861}"/>
+              </a:ext>
+            </a:extLst>
+          </p:cNvPr>
+          <p:cNvPicPr>
+            <a:picLocks noChangeAspect="1"/>
+          </p:cNvPicPr>
+          <p:nvPr/>
+        </p:nvPicPr>
+        <p:blipFill>
+          <a:blip r:embed="rId3"/>
+          <a:stretch>
+            <a:fillRect/>
+          </a:stretch>
+        </p:blipFill>
+        <p:spPr>
+          <a:xfrm>
+            <a:off x="4572000" y="1891015"/>
+            <a:ext cx="4114226" cy="1773511"/>
+          </a:xfrm>
+          <a:prstGeom prst="rect">
+            <a:avLst/>
+          </a:prstGeom>
+        </p:spPr>
+      </p:pic>
+      <p:pic>
+        <p:nvPicPr>
+          <p:cNvPr id="4" name="Picture 3">
+            <a:extLst>
+              <a:ext uri="{FF2B5EF4-FFF2-40B4-BE49-F238E27FC236}">
+                <a16:creationId xmlns:a16="http://schemas.microsoft.com/office/drawing/2014/main" id="{DF6C61EC-0716-BB3F-6DBB-3746B005F729}"/>
+              </a:ext>
+            </a:extLst>
+          </p:cNvPr>
+          <p:cNvPicPr>
+            <a:picLocks noChangeAspect="1"/>
+          </p:cNvPicPr>
+          <p:nvPr/>
+        </p:nvPicPr>
+        <p:blipFill>
+          <a:blip r:embed="rId4"/>
+          <a:stretch>
+            <a:fillRect/>
+          </a:stretch>
+        </p:blipFill>
+        <p:spPr>
+          <a:xfrm>
+            <a:off x="2451681" y="4003970"/>
+            <a:ext cx="6054436" cy="798192"/>
+          </a:xfrm>
+          <a:prstGeom prst="rect">
+            <a:avLst/>
+          </a:prstGeom>
+        </p:spPr>
+      </p:pic>
     </p:spTree>
     <p:extLst>
       <p:ext uri="{BB962C8B-B14F-4D97-AF65-F5344CB8AC3E}">
-        <p14:creationId xmlns:p14="http://schemas.microsoft.com/office/powerpoint/2010/main" val="4015535966"/>
+        <p14:creationId xmlns:p14="http://schemas.microsoft.com/office/powerpoint/2010/main" val="807348178"/>
       </p:ext>
     </p:extLst>
   </p:cSld>
@@ -13147,7 +13064,7 @@
   <p:cSld>
     <p:spTree>
       <p:nvGrpSpPr>
-        <p:cNvPr id="1" name="Shape 72"/>
+        <p:cNvPr id="1" name="Shape 66"/>
         <p:cNvGrpSpPr/>
         <p:nvPr/>
       </p:nvGrpSpPr>
@@ -13161,33 +13078,72 @@
       </p:grpSpPr>
       <p:sp>
         <p:nvSpPr>
-          <p:cNvPr id="73" name="Google Shape;73;p15"/>
+          <p:cNvPr id="67" name="Google Shape;67;p14"/>
           <p:cNvSpPr txBox="1">
             <a:spLocks noGrp="1"/>
           </p:cNvSpPr>
           <p:nvPr>
-            <p:ph type="title"/>
-          </p:nvPr>
-        </p:nvSpPr>
-        <p:spPr>
-          <a:xfrm>
-            <a:off x="490250" y="517961"/>
-            <a:ext cx="5683800" cy="4090800"/>
+            <p:ph type="body" idx="1"/>
+          </p:nvPr>
+        </p:nvSpPr>
+        <p:spPr>
+          <a:xfrm>
+            <a:off x="311700" y="1152475"/>
+            <a:ext cx="8520600" cy="3416400"/>
           </a:xfrm>
           <a:prstGeom prst="rect">
             <a:avLst/>
           </a:prstGeom>
         </p:spPr>
         <p:txBody>
-          <a:bodyPr spcFirstLastPara="1" wrap="square" lIns="91425" tIns="91425" rIns="91425" bIns="91425" anchor="ctr" anchorCtr="0">
+          <a:bodyPr spcFirstLastPara="1" wrap="square" lIns="91425" tIns="91425" rIns="91425" bIns="91425" anchor="t" anchorCtr="0">
             <a:normAutofit/>
           </a:bodyPr>
           <a:lstStyle/>
           <a:p>
+            <a:pPr marL="457200" lvl="0" indent="-342900" algn="just" rtl="0">
+              <a:spcBef>
+                <a:spcPts val="0"/>
+              </a:spcBef>
+              <a:spcAft>
+                <a:spcPts val="0"/>
+              </a:spcAft>
+              <a:buSzPts val="1800"/>
+              <a:buChar char="●"/>
+            </a:pPr>
+            <a:r>
+              <a:rPr lang="vi-VN" sz="1600"/>
+              <a:t>URL trong REST API</a:t>
+            </a:r>
+          </a:p>
+        </p:txBody>
+      </p:sp>
+      <p:sp>
+        <p:nvSpPr>
+          <p:cNvPr id="68" name="Google Shape;68;p14"/>
+          <p:cNvSpPr txBox="1">
+            <a:spLocks noGrp="1"/>
+          </p:cNvSpPr>
+          <p:nvPr>
+            <p:ph type="title"/>
+          </p:nvPr>
+        </p:nvSpPr>
+        <p:spPr>
+          <a:xfrm>
+            <a:off x="311700" y="445025"/>
+            <a:ext cx="8520600" cy="572700"/>
+          </a:xfrm>
+          <a:prstGeom prst="rect">
+            <a:avLst/>
+          </a:prstGeom>
+        </p:spPr>
+        <p:txBody>
+          <a:bodyPr spcFirstLastPara="1" wrap="square" lIns="91425" tIns="91425" rIns="91425" bIns="91425" anchor="t" anchorCtr="0">
+            <a:normAutofit fontScale="90000"/>
+          </a:bodyPr>
+          <a:lstStyle/>
+          <a:p>
             <a:pPr marL="0" lvl="0" indent="0" algn="l" rtl="0">
-              <a:lnSpc>
-                <a:spcPct val="115000"/>
-              </a:lnSpc>
               <a:spcBef>
                 <a:spcPts val="0"/>
               </a:spcBef>
@@ -13198,16 +13154,45 @@
             </a:pPr>
             <a:r>
               <a:rPr lang="vi-VN"/>
-              <a:t>Các lớp triển khai Collection</a:t>
+              <a:t>URI là gì?</a:t>
             </a:r>
             <a:endParaRPr/>
           </a:p>
         </p:txBody>
       </p:sp>
+      <p:pic>
+        <p:nvPicPr>
+          <p:cNvPr id="3" name="Picture 2">
+            <a:extLst>
+              <a:ext uri="{FF2B5EF4-FFF2-40B4-BE49-F238E27FC236}">
+                <a16:creationId xmlns:a16="http://schemas.microsoft.com/office/drawing/2014/main" id="{23CCCD62-AA74-0337-37C1-BADCD5043FF5}"/>
+              </a:ext>
+            </a:extLst>
+          </p:cNvPr>
+          <p:cNvPicPr>
+            <a:picLocks noChangeAspect="1"/>
+          </p:cNvPicPr>
+          <p:nvPr/>
+        </p:nvPicPr>
+        <p:blipFill rotWithShape="1">
+          <a:blip r:embed="rId3"/>
+          <a:srcRect t="16431" b="32660"/>
+          <a:stretch/>
+        </p:blipFill>
+        <p:spPr>
+          <a:xfrm>
+            <a:off x="1586345" y="1711070"/>
+            <a:ext cx="5971309" cy="2279955"/>
+          </a:xfrm>
+          <a:prstGeom prst="rect">
+            <a:avLst/>
+          </a:prstGeom>
+        </p:spPr>
+      </p:pic>
     </p:spTree>
     <p:extLst>
       <p:ext uri="{BB962C8B-B14F-4D97-AF65-F5344CB8AC3E}">
-        <p14:creationId xmlns:p14="http://schemas.microsoft.com/office/powerpoint/2010/main" val="2754889040"/>
+        <p14:creationId xmlns:p14="http://schemas.microsoft.com/office/powerpoint/2010/main" val="1073598361"/>
       </p:ext>
     </p:extLst>
   </p:cSld>
@@ -13236,6 +13221,48 @@
       </p:grpSpPr>
       <p:sp>
         <p:nvSpPr>
+          <p:cNvPr id="67" name="Google Shape;67;p14"/>
+          <p:cNvSpPr txBox="1">
+            <a:spLocks noGrp="1"/>
+          </p:cNvSpPr>
+          <p:nvPr>
+            <p:ph type="body" idx="1"/>
+          </p:nvPr>
+        </p:nvSpPr>
+        <p:spPr>
+          <a:xfrm>
+            <a:off x="311700" y="1152475"/>
+            <a:ext cx="8520600" cy="3416400"/>
+          </a:xfrm>
+          <a:prstGeom prst="rect">
+            <a:avLst/>
+          </a:prstGeom>
+        </p:spPr>
+        <p:txBody>
+          <a:bodyPr spcFirstLastPara="1" wrap="square" lIns="91425" tIns="91425" rIns="91425" bIns="91425" anchor="t" anchorCtr="0">
+            <a:normAutofit/>
+          </a:bodyPr>
+          <a:lstStyle/>
+          <a:p>
+            <a:pPr marL="457200" lvl="0" indent="-342900" algn="just" rtl="0">
+              <a:spcBef>
+                <a:spcPts val="0"/>
+              </a:spcBef>
+              <a:spcAft>
+                <a:spcPts val="0"/>
+              </a:spcAft>
+              <a:buSzPts val="1800"/>
+              <a:buChar char="●"/>
+            </a:pPr>
+            <a:r>
+              <a:rPr lang="vi-VN"/>
+              <a:t>Phương thức HTTP dành cho request phổ biến gồm:</a:t>
+            </a:r>
+          </a:p>
+        </p:txBody>
+      </p:sp>
+      <p:sp>
+        <p:nvSpPr>
           <p:cNvPr id="68" name="Google Shape;68;p14"/>
           <p:cNvSpPr txBox="1">
             <a:spLocks noGrp="1"/>
@@ -13270,7 +13297,7 @@
             </a:pPr>
             <a:r>
               <a:rPr lang="vi-VN"/>
-              <a:t>ArrayList và LinkedList</a:t>
+              <a:t>Phương thức HTTP và mã trạng thái</a:t>
             </a:r>
             <a:endParaRPr/>
           </a:p>
@@ -13281,7 +13308,7 @@
           <p:cNvPr id="2" name="Picture 1">
             <a:extLst>
               <a:ext uri="{FF2B5EF4-FFF2-40B4-BE49-F238E27FC236}">
-                <a16:creationId xmlns:a16="http://schemas.microsoft.com/office/drawing/2014/main" id="{2FD16BD8-3C93-1ABF-A715-7B6CC3A07001}"/>
+                <a16:creationId xmlns:a16="http://schemas.microsoft.com/office/drawing/2014/main" id="{87D32D10-86E7-7486-CB0B-412BFE5A3858}"/>
               </a:ext>
             </a:extLst>
           </p:cNvPr>
@@ -13290,16 +13317,44 @@
           </p:cNvPicPr>
           <p:nvPr/>
         </p:nvPicPr>
-        <p:blipFill>
+        <p:blipFill rotWithShape="1">
           <a:blip r:embed="rId3"/>
-          <a:stretch>
-            <a:fillRect/>
-          </a:stretch>
+          <a:srcRect l="2500" t="28284" r="1364" b="35851"/>
+          <a:stretch/>
         </p:blipFill>
         <p:spPr>
           <a:xfrm>
-            <a:off x="1179703" y="1335371"/>
-            <a:ext cx="6784593" cy="3573111"/>
+            <a:off x="838201" y="1627909"/>
+            <a:ext cx="6761018" cy="1347942"/>
+          </a:xfrm>
+          <a:prstGeom prst="rect">
+            <a:avLst/>
+          </a:prstGeom>
+        </p:spPr>
+      </p:pic>
+      <p:pic>
+        <p:nvPicPr>
+          <p:cNvPr id="4" name="Picture 3">
+            <a:extLst>
+              <a:ext uri="{FF2B5EF4-FFF2-40B4-BE49-F238E27FC236}">
+                <a16:creationId xmlns:a16="http://schemas.microsoft.com/office/drawing/2014/main" id="{98FAB462-4002-7DA8-20EC-AC6E7FB47E1E}"/>
+              </a:ext>
+            </a:extLst>
+          </p:cNvPr>
+          <p:cNvPicPr>
+            <a:picLocks noChangeAspect="1"/>
+          </p:cNvPicPr>
+          <p:nvPr/>
+        </p:nvPicPr>
+        <p:blipFill rotWithShape="1">
+          <a:blip r:embed="rId4"/>
+          <a:srcRect t="5143" b="16213"/>
+          <a:stretch/>
+        </p:blipFill>
+        <p:spPr>
+          <a:xfrm>
+            <a:off x="838201" y="3044824"/>
+            <a:ext cx="4029709" cy="1892401"/>
           </a:xfrm>
           <a:prstGeom prst="rect">
             <a:avLst/>
@@ -13309,7 +13364,7 @@
     </p:spTree>
     <p:extLst>
       <p:ext uri="{BB962C8B-B14F-4D97-AF65-F5344CB8AC3E}">
-        <p14:creationId xmlns:p14="http://schemas.microsoft.com/office/powerpoint/2010/main" val="4040309345"/>
+        <p14:creationId xmlns:p14="http://schemas.microsoft.com/office/powerpoint/2010/main" val="1588974276"/>
       </p:ext>
     </p:extLst>
   </p:cSld>
@@ -13373,85 +13428,8 @@
             </a:pPr>
             <a:r>
               <a:rPr lang="vi-VN"/>
-              <a:t>ArrayList</a:t>
-            </a:r>
-          </a:p>
-          <a:p>
-            <a:pPr lvl="1" indent="-342900" algn="just">
-              <a:buSzPts val="1800"/>
-              <a:buChar char="●"/>
-            </a:pPr>
-            <a:r>
-              <a:rPr lang="vi-VN" sz="1600"/>
-              <a:t>truy cập ngẫu nhiên chi phí thấp</a:t>
-            </a:r>
-          </a:p>
-          <a:p>
-            <a:pPr lvl="1" indent="-342900" algn="just">
-              <a:buSzPts val="1800"/>
-              <a:buChar char="●"/>
-            </a:pPr>
-            <a:r>
-              <a:rPr lang="vi-VN" sz="1600"/>
-              <a:t>chèn và xóa chi phí cao</a:t>
-            </a:r>
-          </a:p>
-          <a:p>
-            <a:pPr lvl="1" indent="-342900" algn="just">
-              <a:buSzPts val="1800"/>
-              <a:buChar char="●"/>
-            </a:pPr>
-            <a:r>
-              <a:rPr lang="vi-VN" sz="1600"/>
-              <a:t>mảng thay đổi kích thước nếu cần</a:t>
-            </a:r>
-          </a:p>
-          <a:p>
-            <a:pPr marL="457200" lvl="0" indent="-342900" algn="just" rtl="0">
-              <a:spcBef>
-                <a:spcPts val="0"/>
-              </a:spcBef>
-              <a:spcAft>
-                <a:spcPts val="0"/>
-              </a:spcAft>
-              <a:buSzPts val="1800"/>
-              <a:buChar char="●"/>
-            </a:pPr>
-            <a:r>
-              <a:rPr lang="vi-VN"/>
-              <a:t>LinkedList</a:t>
-            </a:r>
-          </a:p>
-          <a:p>
-            <a:pPr lvl="1" indent="-342900" algn="just">
-              <a:buSzPts val="1800"/>
-              <a:buChar char="●"/>
-            </a:pPr>
-            <a:r>
-              <a:rPr lang="vi-VN" sz="1600"/>
-              <a:t>truy cập tuần tự</a:t>
-            </a:r>
-          </a:p>
-          <a:p>
-            <a:pPr lvl="1" indent="-342900" algn="just">
-              <a:buSzPts val="1800"/>
-              <a:buChar char="●"/>
-            </a:pPr>
-            <a:r>
-              <a:rPr lang="vi-VN" sz="1600"/>
-              <a:t>chèn và xóa chi phí thấp</a:t>
-            </a:r>
-          </a:p>
-          <a:p>
-            <a:pPr lvl="1" indent="-342900" algn="just">
-              <a:buSzPts val="1800"/>
-              <a:buChar char="●"/>
-            </a:pPr>
-            <a:r>
-              <a:rPr lang="vi-VN" sz="1600"/>
-              <a:t>truy cập ngẫu nhiên chi phí cao</a:t>
-            </a:r>
-            <a:endParaRPr lang="vi-VN" b="1"/>
+              <a:t>Mã trạng thái trên các response gồm: </a:t>
+            </a:r>
           </a:p>
         </p:txBody>
       </p:sp>
@@ -13491,16 +13469,46 @@
             </a:pPr>
             <a:r>
               <a:rPr lang="vi-VN"/>
-              <a:t>ArrayList và LinkedList</a:t>
+              <a:t>Phương thức HTTP và mã trạng thái</a:t>
             </a:r>
             <a:endParaRPr/>
           </a:p>
         </p:txBody>
       </p:sp>
+      <p:pic>
+        <p:nvPicPr>
+          <p:cNvPr id="3" name="Picture 2">
+            <a:extLst>
+              <a:ext uri="{FF2B5EF4-FFF2-40B4-BE49-F238E27FC236}">
+                <a16:creationId xmlns:a16="http://schemas.microsoft.com/office/drawing/2014/main" id="{E01F4D0A-7888-1AFD-EE8B-E60ED50999CA}"/>
+              </a:ext>
+            </a:extLst>
+          </p:cNvPr>
+          <p:cNvPicPr>
+            <a:picLocks noChangeAspect="1"/>
+          </p:cNvPicPr>
+          <p:nvPr/>
+        </p:nvPicPr>
+        <p:blipFill>
+          <a:blip r:embed="rId3"/>
+          <a:stretch>
+            <a:fillRect/>
+          </a:stretch>
+        </p:blipFill>
+        <p:spPr>
+          <a:xfrm>
+            <a:off x="838199" y="1794380"/>
+            <a:ext cx="5818909" cy="3045835"/>
+          </a:xfrm>
+          <a:prstGeom prst="rect">
+            <a:avLst/>
+          </a:prstGeom>
+        </p:spPr>
+      </p:pic>
     </p:spTree>
     <p:extLst>
       <p:ext uri="{BB962C8B-B14F-4D97-AF65-F5344CB8AC3E}">
-        <p14:creationId xmlns:p14="http://schemas.microsoft.com/office/powerpoint/2010/main" val="3135446555"/>
+        <p14:creationId xmlns:p14="http://schemas.microsoft.com/office/powerpoint/2010/main" val="3788891431"/>
       </p:ext>
     </p:extLst>
   </p:cSld>
@@ -13529,6 +13537,48 @@
       </p:grpSpPr>
       <p:sp>
         <p:nvSpPr>
+          <p:cNvPr id="67" name="Google Shape;67;p14"/>
+          <p:cNvSpPr txBox="1">
+            <a:spLocks noGrp="1"/>
+          </p:cNvSpPr>
+          <p:nvPr>
+            <p:ph type="body" idx="1"/>
+          </p:nvPr>
+        </p:nvSpPr>
+        <p:spPr>
+          <a:xfrm>
+            <a:off x="311700" y="1152475"/>
+            <a:ext cx="8520600" cy="3416400"/>
+          </a:xfrm>
+          <a:prstGeom prst="rect">
+            <a:avLst/>
+          </a:prstGeom>
+        </p:spPr>
+        <p:txBody>
+          <a:bodyPr spcFirstLastPara="1" wrap="square" lIns="91425" tIns="91425" rIns="91425" bIns="91425" anchor="t" anchorCtr="0">
+            <a:normAutofit/>
+          </a:bodyPr>
+          <a:lstStyle/>
+          <a:p>
+            <a:pPr marL="457200" lvl="0" indent="-342900" algn="just" rtl="0">
+              <a:spcBef>
+                <a:spcPts val="0"/>
+              </a:spcBef>
+              <a:spcAft>
+                <a:spcPts val="0"/>
+              </a:spcAft>
+              <a:buSzPts val="1800"/>
+              <a:buChar char="●"/>
+            </a:pPr>
+            <a:r>
+              <a:rPr lang="vi-VN"/>
+              <a:t>Mã trạng thái trên các response gồm: </a:t>
+            </a:r>
+          </a:p>
+        </p:txBody>
+      </p:sp>
+      <p:sp>
+        <p:nvSpPr>
           <p:cNvPr id="68" name="Google Shape;68;p14"/>
           <p:cNvSpPr txBox="1">
             <a:spLocks noGrp="1"/>
@@ -13563,7 +13613,7 @@
             </a:pPr>
             <a:r>
               <a:rPr lang="vi-VN"/>
-              <a:t>ArrayList</a:t>
+              <a:t>Phương thức HTTP và mã trạng thái</a:t>
             </a:r>
             <a:endParaRPr/>
           </a:p>
@@ -13571,10 +13621,10 @@
       </p:sp>
       <p:pic>
         <p:nvPicPr>
-          <p:cNvPr id="5" name="Picture 4">
+          <p:cNvPr id="2" name="Picture 1">
             <a:extLst>
               <a:ext uri="{FF2B5EF4-FFF2-40B4-BE49-F238E27FC236}">
-                <a16:creationId xmlns:a16="http://schemas.microsoft.com/office/drawing/2014/main" id="{2E4EF960-A516-8D0D-1AAA-0A5E32BDA3F1}"/>
+                <a16:creationId xmlns:a16="http://schemas.microsoft.com/office/drawing/2014/main" id="{984ABAA9-401D-4A95-58A8-6BAA651584AD}"/>
               </a:ext>
             </a:extLst>
           </p:cNvPr>
@@ -13583,63 +13633,25 @@
           </p:cNvPicPr>
           <p:nvPr/>
         </p:nvPicPr>
-        <p:blipFill>
+        <p:blipFill rotWithShape="1">
           <a:blip r:embed="rId3"/>
-          <a:stretch>
-            <a:fillRect/>
-          </a:stretch>
+          <a:srcRect t="22566"/>
+          <a:stretch/>
         </p:blipFill>
         <p:spPr>
           <a:xfrm>
-            <a:off x="3313742" y="1489568"/>
-            <a:ext cx="5518558" cy="3449099"/>
+            <a:off x="1233055" y="1683327"/>
+            <a:ext cx="6677891" cy="2706138"/>
           </a:xfrm>
           <a:prstGeom prst="rect">
             <a:avLst/>
           </a:prstGeom>
         </p:spPr>
       </p:pic>
-      <p:sp>
-        <p:nvSpPr>
-          <p:cNvPr id="7" name="TextBox 6">
-            <a:extLst>
-              <a:ext uri="{FF2B5EF4-FFF2-40B4-BE49-F238E27FC236}">
-                <a16:creationId xmlns:a16="http://schemas.microsoft.com/office/drawing/2014/main" id="{CED2825F-0159-5E1B-6E44-42336ACAE29B}"/>
-              </a:ext>
-            </a:extLst>
-          </p:cNvPr>
-          <p:cNvSpPr txBox="1"/>
-          <p:nvPr/>
-        </p:nvSpPr>
-        <p:spPr>
-          <a:xfrm>
-            <a:off x="311700" y="1402199"/>
-            <a:ext cx="4260300" cy="1169551"/>
-          </a:xfrm>
-          <a:prstGeom prst="rect">
-            <a:avLst/>
-          </a:prstGeom>
-          <a:noFill/>
-        </p:spPr>
-        <p:txBody>
-          <a:bodyPr wrap="square">
-            <a:spAutoFit/>
-          </a:bodyPr>
-          <a:lstStyle/>
-          <a:p>
-            <a:pPr algn="just"/>
-            <a:r>
-              <a:rPr lang="vi-VN"/>
-              <a:t>ArrayList là việc triển khai Giao diện List trong đó các phần tử có thể được tự động thêm hoặc xóa khỏi danh sách. Ngoài ra, kích thước của danh sách được tăng tự động nếu các phần tử được thêm nhiều hơn kích thước ban đầu.</a:t>
-            </a:r>
-            <a:endParaRPr lang="en-US"/>
-          </a:p>
-        </p:txBody>
-      </p:sp>
     </p:spTree>
     <p:extLst>
       <p:ext uri="{BB962C8B-B14F-4D97-AF65-F5344CB8AC3E}">
-        <p14:creationId xmlns:p14="http://schemas.microsoft.com/office/powerpoint/2010/main" val="1344747872"/>
+        <p14:creationId xmlns:p14="http://schemas.microsoft.com/office/powerpoint/2010/main" val="938153057"/>
       </p:ext>
     </p:extLst>
   </p:cSld>
@@ -13654,7 +13666,7 @@
   <p:cSld>
     <p:spTree>
       <p:nvGrpSpPr>
-        <p:cNvPr id="1" name="Shape 66"/>
+        <p:cNvPr id="1" name="Shape 72"/>
         <p:cNvGrpSpPr/>
         <p:nvPr/>
       </p:nvGrpSpPr>
@@ -13668,140 +13680,44 @@
       </p:grpSpPr>
       <p:sp>
         <p:nvSpPr>
-          <p:cNvPr id="67" name="Google Shape;67;p14"/>
+          <p:cNvPr id="73" name="Google Shape;73;p15"/>
           <p:cNvSpPr txBox="1">
             <a:spLocks noGrp="1"/>
           </p:cNvSpPr>
           <p:nvPr>
-            <p:ph type="body" idx="1"/>
-          </p:nvPr>
-        </p:nvSpPr>
-        <p:spPr>
-          <a:xfrm>
-            <a:off x="311700" y="1152475"/>
-            <a:ext cx="8520600" cy="3416400"/>
+            <p:ph type="title"/>
+          </p:nvPr>
+        </p:nvSpPr>
+        <p:spPr>
+          <a:xfrm>
+            <a:off x="490250" y="517961"/>
+            <a:ext cx="5683800" cy="4090800"/>
           </a:xfrm>
           <a:prstGeom prst="rect">
             <a:avLst/>
           </a:prstGeom>
         </p:spPr>
         <p:txBody>
-          <a:bodyPr spcFirstLastPara="1" wrap="square" lIns="91425" tIns="91425" rIns="91425" bIns="91425" anchor="t" anchorCtr="0">
+          <a:bodyPr spcFirstLastPara="1" wrap="square" lIns="91425" tIns="91425" rIns="91425" bIns="91425" anchor="ctr" anchorCtr="0">
             <a:normAutofit/>
           </a:bodyPr>
           <a:lstStyle/>
           <a:p>
-            <a:pPr marL="457200" lvl="0" indent="-342900" algn="just" rtl="0">
-              <a:spcBef>
-                <a:spcPts val="0"/>
-              </a:spcBef>
-              <a:spcAft>
-                <a:spcPts val="0"/>
-              </a:spcAft>
-              <a:buSzPts val="1800"/>
-              <a:buChar char="●"/>
+            <a:pPr marL="0" lvl="0" indent="0" algn="l" rtl="0">
+              <a:lnSpc>
+                <a:spcPct val="115000"/>
+              </a:lnSpc>
+              <a:spcBef>
+                <a:spcPts val="0"/>
+              </a:spcBef>
+              <a:spcAft>
+                <a:spcPts val="0"/>
+              </a:spcAft>
+              <a:buNone/>
             </a:pPr>
             <a:r>
               <a:rPr lang="vi-VN"/>
-              <a:t>Một số phương thức cơ bản trong ArrayList:</a:t>
-            </a:r>
-          </a:p>
-          <a:p>
-            <a:pPr lvl="1" indent="-342900" algn="just">
-              <a:buSzPts val="1800"/>
-              <a:buChar char="●"/>
-            </a:pPr>
-            <a:r>
-              <a:rPr lang="en-US" sz="1600"/>
-              <a:t>Object get(int index)</a:t>
-            </a:r>
-          </a:p>
-          <a:p>
-            <a:pPr lvl="1" indent="-342900" algn="just">
-              <a:buSzPts val="1800"/>
-              <a:buChar char="●"/>
-            </a:pPr>
-            <a:r>
-              <a:rPr lang="en-US" sz="1600"/>
-              <a:t>Object set(int index, Object element)</a:t>
-            </a:r>
-          </a:p>
-          <a:p>
-            <a:pPr lvl="1" indent="-342900" algn="just">
-              <a:buSzPts val="1800"/>
-              <a:buChar char="●"/>
-            </a:pPr>
-            <a:r>
-              <a:rPr lang="en-US" sz="1600"/>
-              <a:t>void add(int index, Object element)          </a:t>
-            </a:r>
-          </a:p>
-          <a:p>
-            <a:pPr lvl="1" indent="-342900" algn="just">
-              <a:buSzPts val="1800"/>
-              <a:buChar char="●"/>
-            </a:pPr>
-            <a:r>
-              <a:rPr lang="en-US" sz="1600"/>
-              <a:t>Object remove(int index)</a:t>
-            </a:r>
-          </a:p>
-          <a:p>
-            <a:pPr lvl="1" indent="-342900" algn="just">
-              <a:buSzPts val="1800"/>
-              <a:buChar char="●"/>
-            </a:pPr>
-            <a:r>
-              <a:rPr lang="vi-VN" sz="1600"/>
-              <a:t>void ensureCapacity(int minCapacity)</a:t>
-            </a:r>
-          </a:p>
-          <a:p>
-            <a:pPr lvl="1" indent="-342900" algn="just">
-              <a:buSzPts val="1800"/>
-              <a:buChar char="●"/>
-            </a:pPr>
-            <a:endParaRPr lang="vi-VN" sz="1600" b="1"/>
-          </a:p>
-        </p:txBody>
-      </p:sp>
-      <p:sp>
-        <p:nvSpPr>
-          <p:cNvPr id="68" name="Google Shape;68;p14"/>
-          <p:cNvSpPr txBox="1">
-            <a:spLocks noGrp="1"/>
-          </p:cNvSpPr>
-          <p:nvPr>
-            <p:ph type="title"/>
-          </p:nvPr>
-        </p:nvSpPr>
-        <p:spPr>
-          <a:xfrm>
-            <a:off x="311700" y="445025"/>
-            <a:ext cx="8520600" cy="572700"/>
-          </a:xfrm>
-          <a:prstGeom prst="rect">
-            <a:avLst/>
-          </a:prstGeom>
-        </p:spPr>
-        <p:txBody>
-          <a:bodyPr spcFirstLastPara="1" wrap="square" lIns="91425" tIns="91425" rIns="91425" bIns="91425" anchor="t" anchorCtr="0">
-            <a:normAutofit fontScale="90000"/>
-          </a:bodyPr>
-          <a:lstStyle/>
-          <a:p>
-            <a:pPr marL="0" lvl="0" indent="0" algn="l" rtl="0">
-              <a:spcBef>
-                <a:spcPts val="0"/>
-              </a:spcBef>
-              <a:spcAft>
-                <a:spcPts val="0"/>
-              </a:spcAft>
-              <a:buNone/>
-            </a:pPr>
-            <a:r>
-              <a:rPr lang="vi-VN"/>
-              <a:t>ArrayList</a:t>
+              <a:t>HATEOAS</a:t>
             </a:r>
             <a:endParaRPr/>
           </a:p>
@@ -13810,7 +13726,7 @@
     </p:spTree>
     <p:extLst>
       <p:ext uri="{BB962C8B-B14F-4D97-AF65-F5344CB8AC3E}">
-        <p14:creationId xmlns:p14="http://schemas.microsoft.com/office/powerpoint/2010/main" val="282783626"/>
+        <p14:creationId xmlns:p14="http://schemas.microsoft.com/office/powerpoint/2010/main" val="1034778343"/>
       </p:ext>
     </p:extLst>
   </p:cSld>
@@ -13874,9 +13790,37 @@
             </a:pPr>
             <a:r>
               <a:rPr lang="vi-VN"/>
-              <a:t>Code minh họa:</a:t>
-            </a:r>
-            <a:endParaRPr lang="vi-VN" sz="1600" b="1"/>
+              <a:t>HATEOAS = Hypermedia As The Engine of Application State</a:t>
+            </a:r>
+          </a:p>
+          <a:p>
+            <a:pPr marL="457200" lvl="0" indent="-342900" algn="just" rtl="0">
+              <a:spcBef>
+                <a:spcPts val="0"/>
+              </a:spcBef>
+              <a:spcAft>
+                <a:spcPts val="0"/>
+              </a:spcAft>
+              <a:buSzPts val="1800"/>
+              <a:buChar char="●"/>
+            </a:pPr>
+            <a:r>
+              <a:rPr lang="vi-VN"/>
+              <a:t>Là ràng buộc của kiến trúc ứng dụng REST để API thực sự là RESTful.</a:t>
+            </a:r>
+          </a:p>
+          <a:p>
+            <a:pPr marL="457200" lvl="0" indent="-342900" algn="just" rtl="0">
+              <a:spcBef>
+                <a:spcPts val="0"/>
+              </a:spcBef>
+              <a:spcAft>
+                <a:spcPts val="0"/>
+              </a:spcAft>
+              <a:buSzPts val="1800"/>
+              <a:buChar char="●"/>
+            </a:pPr>
+            <a:endParaRPr lang="vi-VN"/>
           </a:p>
         </p:txBody>
       </p:sp>
@@ -13916,138 +13860,45 @@
             </a:pPr>
             <a:r>
               <a:rPr lang="vi-VN"/>
-              <a:t>ArrayList</a:t>
+              <a:t>HATEOAS là gì?</a:t>
             </a:r>
             <a:endParaRPr/>
           </a:p>
         </p:txBody>
       </p:sp>
-      <p:sp>
-        <p:nvSpPr>
-          <p:cNvPr id="3" name="TextBox 2">
+      <p:pic>
+        <p:nvPicPr>
+          <p:cNvPr id="4" name="Picture 3">
             <a:extLst>
               <a:ext uri="{FF2B5EF4-FFF2-40B4-BE49-F238E27FC236}">
-                <a16:creationId xmlns:a16="http://schemas.microsoft.com/office/drawing/2014/main" id="{7B84DD74-E806-CC01-39C5-6AEBD431009A}"/>
+                <a16:creationId xmlns:a16="http://schemas.microsoft.com/office/drawing/2014/main" id="{97D69092-3E68-B3B4-C20F-CBEC1E256378}"/>
               </a:ext>
             </a:extLst>
           </p:cNvPr>
-          <p:cNvSpPr txBox="1"/>
+          <p:cNvPicPr>
+            <a:picLocks noChangeAspect="1"/>
+          </p:cNvPicPr>
           <p:nvPr/>
-        </p:nvSpPr>
-        <p:spPr>
-          <a:xfrm>
-            <a:off x="801147" y="1675775"/>
-            <a:ext cx="7931791" cy="2893100"/>
-          </a:xfrm>
-          <a:prstGeom prst="rect">
-            <a:avLst/>
-          </a:prstGeom>
-          <a:solidFill>
-            <a:schemeClr val="bg2">
-              <a:lumMod val="20000"/>
-              <a:lumOff val="80000"/>
-            </a:schemeClr>
-          </a:solidFill>
-        </p:spPr>
-        <p:txBody>
-          <a:bodyPr wrap="square">
-            <a:spAutoFit/>
-          </a:bodyPr>
-          <a:lstStyle/>
-          <a:p>
-            <a:r>
-              <a:rPr lang="en-US"/>
-              <a:t>import java.util.*;</a:t>
-            </a:r>
-          </a:p>
-          <a:p>
-            <a:r>
-              <a:rPr lang="en-US"/>
-              <a:t> class ArrayListExample{</a:t>
-            </a:r>
-          </a:p>
-          <a:p>
-            <a:pPr lvl="3"/>
-            <a:r>
-              <a:rPr lang="en-US"/>
-              <a:t> public static void main(String args[]){</a:t>
-            </a:r>
-          </a:p>
-          <a:p>
-            <a:pPr lvl="3"/>
-            <a:r>
-              <a:rPr lang="en-US"/>
-              <a:t>  </a:t>
-            </a:r>
-          </a:p>
-          <a:p>
-            <a:pPr lvl="3"/>
-            <a:r>
-              <a:rPr lang="en-US"/>
-              <a:t> ArrayList al=new ArrayList();  // creating array list</a:t>
-            </a:r>
-          </a:p>
-          <a:p>
-            <a:pPr lvl="3"/>
-            <a:r>
-              <a:rPr lang="en-US"/>
-              <a:t> al.add("Jack");                // adding elements    </a:t>
-            </a:r>
-          </a:p>
-          <a:p>
-            <a:pPr lvl="3"/>
-            <a:r>
-              <a:rPr lang="en-US"/>
-              <a:t> al.add("Tyler");</a:t>
-            </a:r>
-          </a:p>
-          <a:p>
-            <a:pPr lvl="3"/>
-            <a:r>
-              <a:rPr lang="en-US"/>
-              <a:t> Iterator itr=al.iterator();</a:t>
-            </a:r>
-          </a:p>
-          <a:p>
-            <a:pPr lvl="3"/>
-            <a:r>
-              <a:rPr lang="en-US"/>
-              <a:t> while(itr.hasNext()){</a:t>
-            </a:r>
-          </a:p>
-          <a:p>
-            <a:pPr lvl="3"/>
-            <a:r>
-              <a:rPr lang="en-US"/>
-              <a:t> System.out.println(itr.next());</a:t>
-            </a:r>
-          </a:p>
-          <a:p>
-            <a:pPr lvl="3"/>
-            <a:r>
-              <a:rPr lang="en-US"/>
-              <a:t> }</a:t>
-            </a:r>
-          </a:p>
-          <a:p>
-            <a:pPr lvl="3"/>
-            <a:r>
-              <a:rPr lang="en-US"/>
-              <a:t> }</a:t>
-            </a:r>
-          </a:p>
-          <a:p>
-            <a:r>
-              <a:rPr lang="en-US"/>
-              <a:t> }</a:t>
-            </a:r>
-          </a:p>
-        </p:txBody>
-      </p:sp>
+        </p:nvPicPr>
+        <p:blipFill rotWithShape="1">
+          <a:blip r:embed="rId3"/>
+          <a:srcRect t="27509" b="7792"/>
+          <a:stretch/>
+        </p:blipFill>
+        <p:spPr>
+          <a:xfrm>
+            <a:off x="2238375" y="2092951"/>
+            <a:ext cx="4667250" cy="1898074"/>
+          </a:xfrm>
+          <a:prstGeom prst="rect">
+            <a:avLst/>
+          </a:prstGeom>
+        </p:spPr>
+      </p:pic>
     </p:spTree>
     <p:extLst>
       <p:ext uri="{BB962C8B-B14F-4D97-AF65-F5344CB8AC3E}">
-        <p14:creationId xmlns:p14="http://schemas.microsoft.com/office/powerpoint/2010/main" val="4109217974"/>
+        <p14:creationId xmlns:p14="http://schemas.microsoft.com/office/powerpoint/2010/main" val="2991539878"/>
       </p:ext>
     </p:extLst>
   </p:cSld>
@@ -14076,6 +13927,61 @@
       </p:grpSpPr>
       <p:sp>
         <p:nvSpPr>
+          <p:cNvPr id="67" name="Google Shape;67;p14"/>
+          <p:cNvSpPr txBox="1">
+            <a:spLocks noGrp="1"/>
+          </p:cNvSpPr>
+          <p:nvPr>
+            <p:ph type="body" idx="1"/>
+          </p:nvPr>
+        </p:nvSpPr>
+        <p:spPr>
+          <a:xfrm>
+            <a:off x="311700" y="1152475"/>
+            <a:ext cx="8520600" cy="3416400"/>
+          </a:xfrm>
+          <a:prstGeom prst="rect">
+            <a:avLst/>
+          </a:prstGeom>
+        </p:spPr>
+        <p:txBody>
+          <a:bodyPr spcFirstLastPara="1" wrap="square" lIns="91425" tIns="91425" rIns="91425" bIns="91425" anchor="t" anchorCtr="0">
+            <a:normAutofit/>
+          </a:bodyPr>
+          <a:lstStyle/>
+          <a:p>
+            <a:pPr marL="457200" lvl="0" indent="-342900" algn="just" rtl="0">
+              <a:spcBef>
+                <a:spcPts val="0"/>
+              </a:spcBef>
+              <a:spcAft>
+                <a:spcPts val="0"/>
+              </a:spcAft>
+              <a:buSzPts val="1800"/>
+              <a:buChar char="●"/>
+            </a:pPr>
+            <a:r>
+              <a:rPr lang="vi-VN"/>
+              <a:t>VÍ dụ HATEOAS</a:t>
+            </a:r>
+          </a:p>
+          <a:p>
+            <a:pPr marL="457200" lvl="0" indent="-342900" algn="just" rtl="0">
+              <a:spcBef>
+                <a:spcPts val="0"/>
+              </a:spcBef>
+              <a:spcAft>
+                <a:spcPts val="0"/>
+              </a:spcAft>
+              <a:buSzPts val="1800"/>
+              <a:buChar char="●"/>
+            </a:pPr>
+            <a:endParaRPr lang="vi-VN"/>
+          </a:p>
+        </p:txBody>
+      </p:sp>
+      <p:sp>
+        <p:nvSpPr>
           <p:cNvPr id="68" name="Google Shape;68;p14"/>
           <p:cNvSpPr txBox="1">
             <a:spLocks noGrp="1"/>
@@ -14110,7 +14016,7 @@
             </a:pPr>
             <a:r>
               <a:rPr lang="vi-VN"/>
-              <a:t>LinkedList</a:t>
+              <a:t>HATEOAS là gì?</a:t>
             </a:r>
             <a:endParaRPr/>
           </a:p>
@@ -14118,10 +14024,10 @@
       </p:sp>
       <p:pic>
         <p:nvPicPr>
-          <p:cNvPr id="2" name="Picture 1">
+          <p:cNvPr id="7" name="Picture 6">
             <a:extLst>
               <a:ext uri="{FF2B5EF4-FFF2-40B4-BE49-F238E27FC236}">
-                <a16:creationId xmlns:a16="http://schemas.microsoft.com/office/drawing/2014/main" id="{EFBD643C-F134-34FE-BA01-AA27F8F857A9}"/>
+                <a16:creationId xmlns:a16="http://schemas.microsoft.com/office/drawing/2014/main" id="{BA1F975E-176B-6993-8D1E-B44EBF9253E5}"/>
               </a:ext>
             </a:extLst>
           </p:cNvPr>
@@ -14138,25 +14044,20 @@
         </p:blipFill>
         <p:spPr>
           <a:xfrm>
-            <a:off x="395591" y="1211176"/>
-            <a:ext cx="6334996" cy="1225095"/>
-          </a:xfrm>
-          <a:prstGeom prst="rect">
-            <a:avLst/>
-          </a:prstGeom>
-          <a:ln>
-            <a:solidFill>
-              <a:schemeClr val="accent1"/>
-            </a:solidFill>
-          </a:ln>
+            <a:off x="848130" y="1571625"/>
+            <a:ext cx="2608579" cy="536099"/>
+          </a:xfrm>
+          <a:prstGeom prst="rect">
+            <a:avLst/>
+          </a:prstGeom>
         </p:spPr>
       </p:pic>
       <p:pic>
         <p:nvPicPr>
-          <p:cNvPr id="3" name="Picture 2">
+          <p:cNvPr id="9" name="Picture 8">
             <a:extLst>
               <a:ext uri="{FF2B5EF4-FFF2-40B4-BE49-F238E27FC236}">
-                <a16:creationId xmlns:a16="http://schemas.microsoft.com/office/drawing/2014/main" id="{2EC74FDE-CF95-BB9A-2109-14C7525506E4}"/>
+                <a16:creationId xmlns:a16="http://schemas.microsoft.com/office/drawing/2014/main" id="{D035DEFC-4106-E5C2-0B22-E6E7F7E43E26}"/>
               </a:ext>
             </a:extLst>
           </p:cNvPr>
@@ -14173,64 +14074,18 @@
         </p:blipFill>
         <p:spPr>
           <a:xfrm>
-            <a:off x="395590" y="2559268"/>
-            <a:ext cx="6334996" cy="2584232"/>
-          </a:xfrm>
-          <a:prstGeom prst="rect">
-            <a:avLst/>
-          </a:prstGeom>
-          <a:ln>
-            <a:solidFill>
-              <a:schemeClr val="accent1"/>
-            </a:solidFill>
-          </a:ln>
+            <a:off x="848130" y="2236823"/>
+            <a:ext cx="4466358" cy="2906677"/>
+          </a:xfrm>
+          <a:prstGeom prst="rect">
+            <a:avLst/>
+          </a:prstGeom>
         </p:spPr>
       </p:pic>
-      <p:sp>
-        <p:nvSpPr>
-          <p:cNvPr id="6" name="TextBox 5">
-            <a:extLst>
-              <a:ext uri="{FF2B5EF4-FFF2-40B4-BE49-F238E27FC236}">
-                <a16:creationId xmlns:a16="http://schemas.microsoft.com/office/drawing/2014/main" id="{EDA71FE1-140D-C286-B080-A6CD132B11D0}"/>
-              </a:ext>
-            </a:extLst>
-          </p:cNvPr>
-          <p:cNvSpPr txBox="1"/>
-          <p:nvPr/>
-        </p:nvSpPr>
-        <p:spPr>
-          <a:xfrm>
-            <a:off x="6858000" y="1211176"/>
-            <a:ext cx="1890409" cy="1384995"/>
-          </a:xfrm>
-          <a:prstGeom prst="rect">
-            <a:avLst/>
-          </a:prstGeom>
-          <a:solidFill>
-            <a:schemeClr val="accent6">
-              <a:lumMod val="20000"/>
-              <a:lumOff val="80000"/>
-            </a:schemeClr>
-          </a:solidFill>
-        </p:spPr>
-        <p:txBody>
-          <a:bodyPr wrap="square">
-            <a:spAutoFit/>
-          </a:bodyPr>
-          <a:lstStyle/>
-          <a:p>
-            <a:pPr algn="just"/>
-            <a:r>
-              <a:rPr lang="en-US"/>
-              <a:t>Danh sách liên kết là một chuỗi các liên kết có chứa các mục. Mỗi liên kết chứa một kết nối đến một liên kết khác.</a:t>
-            </a:r>
-          </a:p>
-        </p:txBody>
-      </p:sp>
     </p:spTree>
     <p:extLst>
       <p:ext uri="{BB962C8B-B14F-4D97-AF65-F5344CB8AC3E}">
-        <p14:creationId xmlns:p14="http://schemas.microsoft.com/office/powerpoint/2010/main" val="3531136857"/>
+        <p14:creationId xmlns:p14="http://schemas.microsoft.com/office/powerpoint/2010/main" val="133072924"/>
       </p:ext>
     </p:extLst>
   </p:cSld>
@@ -14294,8 +14149,23 @@
             </a:pPr>
             <a:r>
               <a:rPr lang="vi-VN"/>
-              <a:t>Lưu trữ từng phần tử trong một nút</a:t>
-            </a:r>
+              <a:t>Từ một URI cơ sở, các máy khách REST có thể theo các liên kết được nhúng với dữ liệu trong các phản hồi để điều hướng các tài nguyên và thực hiện các hành động liên quan đến dữ liệu </a:t>
+            </a:r>
+            <a:r>
+              <a:rPr lang="vi-VN">
+                <a:sym typeface="Wingdings" panose="05000000000000000000" pitchFamily="2" charset="2"/>
+              </a:rPr>
+              <a:t> thay đổi trạng thái của tài nguyên  </a:t>
+            </a:r>
+            <a:r>
+              <a:rPr lang="en-US">
+                <a:sym typeface="Wingdings" panose="05000000000000000000" pitchFamily="2" charset="2"/>
+              </a:rPr>
+              <a:t>Hypermedia as the Engine of Application State</a:t>
+            </a:r>
+            <a:endParaRPr lang="vi-VN">
+              <a:sym typeface="Wingdings" panose="05000000000000000000" pitchFamily="2" charset="2"/>
+            </a:endParaRPr>
           </a:p>
           <a:p>
             <a:pPr marL="457200" lvl="0" indent="-342900" algn="just" rtl="0">
@@ -14309,8 +14179,10 @@
               <a:buChar char="●"/>
             </a:pPr>
             <a:r>
-              <a:rPr lang="vi-VN"/>
-              <a:t>Mỗi nút lưu trữ một liên kết đến các nút tiếp theo và trước đó</a:t>
+              <a:rPr lang="vi-VN">
+                <a:sym typeface="Wingdings" panose="05000000000000000000" pitchFamily="2" charset="2"/>
+              </a:rPr>
+              <a:t>Thuật ngữ hypermedia đề cập đến bất kỳ nội dung nào có chứa liên kết đến các dạng phương tiện khác như văn bản, hình ảnh, phim</a:t>
             </a:r>
           </a:p>
           <a:p>
@@ -14325,68 +14197,11 @@
               <a:buChar char="●"/>
             </a:pPr>
             <a:r>
-              <a:rPr lang="vi-VN"/>
-              <a:t>Chèn và loại bỏ là không tốn kém</a:t>
-            </a:r>
-          </a:p>
-          <a:p>
-            <a:pPr marL="457200" lvl="0" indent="-342900" algn="just" rtl="0">
-              <a:spcBef>
-                <a:spcPts val="0"/>
-              </a:spcBef>
-              <a:spcAft>
-                <a:spcPts val="0"/>
-              </a:spcAft>
-              <a:buSzPts val="1800"/>
-              <a:buChar char="●"/>
-            </a:pPr>
-            <a:r>
-              <a:rPr lang="vi-VN"/>
-              <a:t>chỉ cần cập nhật các liên kết trong các nút xung quanh</a:t>
-            </a:r>
-          </a:p>
-          <a:p>
-            <a:pPr marL="457200" lvl="0" indent="-342900" algn="just" rtl="0">
-              <a:spcBef>
-                <a:spcPts val="0"/>
-              </a:spcBef>
-              <a:spcAft>
-                <a:spcPts val="0"/>
-              </a:spcAft>
-              <a:buSzPts val="1800"/>
-              <a:buChar char="●"/>
-            </a:pPr>
-            <a:r>
-              <a:rPr lang="vi-VN"/>
-              <a:t>Duyệt tuyến tính là không tốn kém</a:t>
-            </a:r>
-          </a:p>
-          <a:p>
-            <a:pPr marL="457200" lvl="0" indent="-342900" algn="just" rtl="0">
-              <a:spcBef>
-                <a:spcPts val="0"/>
-              </a:spcBef>
-              <a:spcAft>
-                <a:spcPts val="0"/>
-              </a:spcAft>
-              <a:buSzPts val="1800"/>
-              <a:buChar char="●"/>
-            </a:pPr>
-            <a:r>
-              <a:rPr lang="vi-VN"/>
-              <a:t>Truy cập ngẫu nhiên là tốn kém</a:t>
-            </a:r>
-          </a:p>
-          <a:p>
-            <a:pPr lvl="1" indent="-342900" algn="just">
-              <a:buSzPts val="1800"/>
-              <a:buChar char="●"/>
-            </a:pPr>
-            <a:r>
-              <a:rPr lang="vi-VN" sz="1600"/>
-              <a:t>Bắt đầu từ đầu hoặc cuối và đi qua từng nút trong khi đếm</a:t>
-            </a:r>
-            <a:endParaRPr lang="vi-VN" b="1"/>
+              <a:rPr lang="vi-VN">
+                <a:sym typeface="Wingdings" panose="05000000000000000000" pitchFamily="2" charset="2"/>
+              </a:rPr>
+              <a:t>HATEOAS trong API REST giống như các siêu liên kết trong các trang web: người dùng có thể duyệt một trang web từ một tên miền và nhấp vào các siêu liên kết để khám phá nội dung mà không cần biết trước về các siêu liên kết</a:t>
+            </a:r>
           </a:p>
         </p:txBody>
       </p:sp>
@@ -14426,7 +14241,7 @@
             </a:pPr>
             <a:r>
               <a:rPr lang="vi-VN"/>
-              <a:t>LinkedList</a:t>
+              <a:t>HATEOAS là gì?</a:t>
             </a:r>
             <a:endParaRPr/>
           </a:p>
@@ -14435,7 +14250,7 @@
     </p:spTree>
     <p:extLst>
       <p:ext uri="{BB962C8B-B14F-4D97-AF65-F5344CB8AC3E}">
-        <p14:creationId xmlns:p14="http://schemas.microsoft.com/office/powerpoint/2010/main" val="3966773120"/>
+        <p14:creationId xmlns:p14="http://schemas.microsoft.com/office/powerpoint/2010/main" val="3103401993"/>
       </p:ext>
     </p:extLst>
   </p:cSld>
@@ -14501,7 +14316,7 @@
             </a:pPr>
             <a:r>
               <a:rPr lang="vi-VN"/>
-              <a:t>Collection là gì?</a:t>
+              <a:t>API</a:t>
             </a:r>
             <a:endParaRPr/>
           </a:p>
@@ -14569,8 +14384,27 @@
             </a:pPr>
             <a:r>
               <a:rPr lang="vi-VN"/>
-              <a:t>LinkedList entries</a:t>
-            </a:r>
+              <a:t>HATEOAS giúp tách máy chủ và máy khách</a:t>
+            </a:r>
+          </a:p>
+          <a:p>
+            <a:pPr marL="457200" lvl="0" indent="-342900" algn="just" rtl="0">
+              <a:spcBef>
+                <a:spcPts val="0"/>
+              </a:spcBef>
+              <a:spcAft>
+                <a:spcPts val="0"/>
+              </a:spcAft>
+              <a:buSzPts val="1800"/>
+              <a:buChar char="●"/>
+            </a:pPr>
+            <a:r>
+              <a:rPr lang="vi-VN"/>
+              <a:t>Các nhà phát triển có thể phát triển các API mà không phải lo lắng về việc phá vỡ các API hiện có</a:t>
+            </a:r>
+            <a:endParaRPr lang="vi-VN">
+              <a:sym typeface="Wingdings" panose="05000000000000000000" pitchFamily="2" charset="2"/>
+            </a:endParaRPr>
           </a:p>
         </p:txBody>
       </p:sp>
@@ -14610,143 +14444,16 @@
             </a:pPr>
             <a:r>
               <a:rPr lang="vi-VN"/>
-              <a:t>LinkedList</a:t>
+              <a:t>HATEOAS là gì?</a:t>
             </a:r>
             <a:endParaRPr/>
-          </a:p>
-        </p:txBody>
-      </p:sp>
-      <p:sp>
-        <p:nvSpPr>
-          <p:cNvPr id="6" name="TextBox 5">
-            <a:extLst>
-              <a:ext uri="{FF2B5EF4-FFF2-40B4-BE49-F238E27FC236}">
-                <a16:creationId xmlns:a16="http://schemas.microsoft.com/office/drawing/2014/main" id="{AA4663E5-D4DF-197A-1354-2134F85B96BA}"/>
-              </a:ext>
-            </a:extLst>
-          </p:cNvPr>
-          <p:cNvSpPr txBox="1"/>
-          <p:nvPr/>
-        </p:nvSpPr>
-        <p:spPr>
-          <a:xfrm>
-            <a:off x="3032621" y="1273850"/>
-            <a:ext cx="5700318" cy="3754874"/>
-          </a:xfrm>
-          <a:prstGeom prst="rect">
-            <a:avLst/>
-          </a:prstGeom>
-          <a:solidFill>
-            <a:schemeClr val="bg2">
-              <a:lumMod val="20000"/>
-              <a:lumOff val="80000"/>
-            </a:schemeClr>
-          </a:solidFill>
-        </p:spPr>
-        <p:txBody>
-          <a:bodyPr wrap="square">
-            <a:spAutoFit/>
-          </a:bodyPr>
-          <a:lstStyle/>
-          <a:p>
-            <a:r>
-              <a:rPr lang="en-US"/>
-              <a:t>private static class Entry {</a:t>
-            </a:r>
-          </a:p>
-          <a:p>
-            <a:r>
-              <a:rPr lang="en-US"/>
-              <a:t>	Object element;</a:t>
-            </a:r>
-          </a:p>
-          <a:p>
-            <a:r>
-              <a:rPr lang="en-US"/>
-              <a:t>	Entry next;</a:t>
-            </a:r>
-          </a:p>
-          <a:p>
-            <a:r>
-              <a:rPr lang="en-US"/>
-              <a:t>	Entry previous;</a:t>
-            </a:r>
-          </a:p>
-          <a:p>
-            <a:endParaRPr lang="en-US"/>
-          </a:p>
-          <a:p>
-            <a:r>
-              <a:rPr lang="en-US"/>
-              <a:t>	Entry(Object element, Entry next, Entry previous) {</a:t>
-            </a:r>
-          </a:p>
-          <a:p>
-            <a:r>
-              <a:rPr lang="en-US"/>
-              <a:t>	    this.element = element;</a:t>
-            </a:r>
-          </a:p>
-          <a:p>
-            <a:r>
-              <a:rPr lang="en-US"/>
-              <a:t>	    this.next = next;</a:t>
-            </a:r>
-          </a:p>
-          <a:p>
-            <a:r>
-              <a:rPr lang="en-US"/>
-              <a:t>	    this.previous = previous;</a:t>
-            </a:r>
-          </a:p>
-          <a:p>
-            <a:r>
-              <a:rPr lang="en-US"/>
-              <a:t>	}</a:t>
-            </a:r>
-          </a:p>
-          <a:p>
-            <a:r>
-              <a:rPr lang="en-US"/>
-              <a:t>}</a:t>
-            </a:r>
-          </a:p>
-          <a:p>
-            <a:endParaRPr lang="en-US"/>
-          </a:p>
-          <a:p>
-            <a:r>
-              <a:rPr lang="en-US"/>
-              <a:t>private Entry header = new Entry(null, null, null);</a:t>
-            </a:r>
-          </a:p>
-          <a:p>
-            <a:endParaRPr lang="en-US"/>
-          </a:p>
-          <a:p>
-            <a:r>
-              <a:rPr lang="en-US"/>
-              <a:t>public LinkedList() {</a:t>
-            </a:r>
-          </a:p>
-          <a:p>
-            <a:r>
-              <a:rPr lang="en-US"/>
-              <a:t>	header.next = header.previous = header;</a:t>
-            </a:r>
-          </a:p>
-          <a:p>
-            <a:r>
-              <a:rPr lang="en-US"/>
-              <a:t>}</a:t>
-            </a:r>
           </a:p>
         </p:txBody>
       </p:sp>
     </p:spTree>
     <p:extLst>
       <p:ext uri="{BB962C8B-B14F-4D97-AF65-F5344CB8AC3E}">
-        <p14:creationId xmlns:p14="http://schemas.microsoft.com/office/powerpoint/2010/main" val="3264705070"/>
+        <p14:creationId xmlns:p14="http://schemas.microsoft.com/office/powerpoint/2010/main" val="1190820613"/>
       </p:ext>
     </p:extLst>
   </p:cSld>
@@ -14810,84 +14517,17 @@
             </a:pPr>
             <a:r>
               <a:rPr lang="vi-VN"/>
-              <a:t>Các phương thức của LinkedList</a:t>
-            </a:r>
-          </a:p>
-          <a:p>
-            <a:pPr lvl="1" indent="-342900" algn="just">
-              <a:buSzPts val="1800"/>
-              <a:buChar char="●"/>
-            </a:pPr>
-            <a:r>
-              <a:rPr lang="vi-VN" sz="1600"/>
-              <a:t>ListIterator listIterator()</a:t>
-            </a:r>
-          </a:p>
-          <a:p>
-            <a:pPr lvl="1" indent="-342900" algn="just">
-              <a:buSzPts val="1800"/>
-              <a:buChar char="●"/>
-            </a:pPr>
-            <a:r>
-              <a:rPr lang="en-US" sz="1600"/>
-              <a:t>void addFirst(Object o)</a:t>
-            </a:r>
-            <a:endParaRPr lang="vi-VN" sz="1600"/>
-          </a:p>
-          <a:p>
-            <a:pPr lvl="1" indent="-342900" algn="just">
-              <a:buSzPts val="1800"/>
-              <a:buChar char="●"/>
-            </a:pPr>
-            <a:r>
-              <a:rPr lang="en-US" sz="1600"/>
-              <a:t>void addLast(Object o) </a:t>
-            </a:r>
-          </a:p>
-          <a:p>
-            <a:pPr lvl="1" indent="-342900" algn="just">
-              <a:buSzPts val="1800"/>
-              <a:buChar char="●"/>
-            </a:pPr>
-            <a:r>
-              <a:rPr lang="en-US" sz="1600"/>
-              <a:t>Object getFirst()</a:t>
-            </a:r>
-            <a:endParaRPr lang="vi-VN" sz="1600"/>
-          </a:p>
-          <a:p>
-            <a:pPr lvl="1" indent="-342900" algn="just">
-              <a:buSzPts val="1800"/>
-              <a:buChar char="●"/>
-            </a:pPr>
-            <a:r>
-              <a:rPr lang="en-US" sz="1600"/>
-              <a:t>Object getLast()</a:t>
-            </a:r>
-          </a:p>
-          <a:p>
-            <a:pPr lvl="1" indent="-342900" algn="just">
-              <a:buSzPts val="1800"/>
-              <a:buChar char="●"/>
-            </a:pPr>
-            <a:r>
-              <a:rPr lang="en-US" sz="1600"/>
-              <a:t>Object removeFirst()</a:t>
-            </a:r>
-            <a:endParaRPr lang="vi-VN" sz="1600"/>
-          </a:p>
-          <a:p>
-            <a:pPr lvl="1" indent="-342900" algn="just">
-              <a:buSzPts val="1800"/>
-              <a:buChar char="●"/>
-            </a:pPr>
-            <a:r>
-              <a:rPr lang="en-US" sz="1600"/>
-              <a:t>Object removeLast() </a:t>
-            </a:r>
-          </a:p>
-          <a:p>
-            <a:pPr lvl="1" indent="-342900" algn="just">
+              <a:t>VÍ dụ HATEOAS</a:t>
+            </a:r>
+          </a:p>
+          <a:p>
+            <a:pPr marL="457200" lvl="0" indent="-342900" algn="just" rtl="0">
+              <a:spcBef>
+                <a:spcPts val="0"/>
+              </a:spcBef>
+              <a:spcAft>
+                <a:spcPts val="0"/>
+              </a:spcAft>
               <a:buSzPts val="1800"/>
               <a:buChar char="●"/>
             </a:pPr>
@@ -14931,16 +14571,189 @@
             </a:pPr>
             <a:r>
               <a:rPr lang="vi-VN"/>
-              <a:t>LinkedList</a:t>
+              <a:t>HATEOAS là gì?</a:t>
             </a:r>
             <a:endParaRPr/>
+          </a:p>
+        </p:txBody>
+      </p:sp>
+      <p:pic>
+        <p:nvPicPr>
+          <p:cNvPr id="3" name="Picture 2">
+            <a:extLst>
+              <a:ext uri="{FF2B5EF4-FFF2-40B4-BE49-F238E27FC236}">
+                <a16:creationId xmlns:a16="http://schemas.microsoft.com/office/drawing/2014/main" id="{10F10CB9-368D-B119-BB31-8EB17010F57E}"/>
+              </a:ext>
+            </a:extLst>
+          </p:cNvPr>
+          <p:cNvPicPr>
+            <a:picLocks noChangeAspect="1"/>
+          </p:cNvPicPr>
+          <p:nvPr/>
+        </p:nvPicPr>
+        <p:blipFill>
+          <a:blip r:embed="rId3"/>
+          <a:stretch>
+            <a:fillRect/>
+          </a:stretch>
+        </p:blipFill>
+        <p:spPr>
+          <a:xfrm>
+            <a:off x="491836" y="1591797"/>
+            <a:ext cx="3543530" cy="3309247"/>
+          </a:xfrm>
+          <a:prstGeom prst="rect">
+            <a:avLst/>
+          </a:prstGeom>
+        </p:spPr>
+      </p:pic>
+      <p:pic>
+        <p:nvPicPr>
+          <p:cNvPr id="4" name="Picture 3">
+            <a:extLst>
+              <a:ext uri="{FF2B5EF4-FFF2-40B4-BE49-F238E27FC236}">
+                <a16:creationId xmlns:a16="http://schemas.microsoft.com/office/drawing/2014/main" id="{C45121F0-97D5-9BC9-3664-D43FBAE359DA}"/>
+              </a:ext>
+            </a:extLst>
+          </p:cNvPr>
+          <p:cNvPicPr>
+            <a:picLocks noChangeAspect="1"/>
+          </p:cNvPicPr>
+          <p:nvPr/>
+        </p:nvPicPr>
+        <p:blipFill rotWithShape="1">
+          <a:blip r:embed="rId4"/>
+          <a:srcRect t="2276" r="4747"/>
+          <a:stretch/>
+        </p:blipFill>
+        <p:spPr>
+          <a:xfrm>
+            <a:off x="4215502" y="2729345"/>
+            <a:ext cx="4540571" cy="2171699"/>
+          </a:xfrm>
+          <a:prstGeom prst="rect">
+            <a:avLst/>
+          </a:prstGeom>
+        </p:spPr>
+      </p:pic>
+      <p:sp>
+        <p:nvSpPr>
+          <p:cNvPr id="6" name="TextBox 5">
+            <a:extLst>
+              <a:ext uri="{FF2B5EF4-FFF2-40B4-BE49-F238E27FC236}">
+                <a16:creationId xmlns:a16="http://schemas.microsoft.com/office/drawing/2014/main" id="{3EDFC530-6014-37D3-1394-F5A775F9449A}"/>
+              </a:ext>
+            </a:extLst>
+          </p:cNvPr>
+          <p:cNvSpPr txBox="1"/>
+          <p:nvPr/>
+        </p:nvSpPr>
+        <p:spPr>
+          <a:xfrm>
+            <a:off x="4139275" y="2417861"/>
+            <a:ext cx="1620981" cy="276999"/>
+          </a:xfrm>
+          <a:prstGeom prst="rect">
+            <a:avLst/>
+          </a:prstGeom>
+          <a:solidFill>
+            <a:schemeClr val="accent6">
+              <a:lumMod val="20000"/>
+              <a:lumOff val="80000"/>
+            </a:schemeClr>
+          </a:solidFill>
+        </p:spPr>
+        <p:txBody>
+          <a:bodyPr wrap="square">
+            <a:spAutoFit/>
+          </a:bodyPr>
+          <a:lstStyle/>
+          <a:p>
+            <a:pPr algn="ctr"/>
+            <a:r>
+              <a:rPr lang="vi-VN" sz="1200" b="1"/>
+              <a:t>response</a:t>
+            </a:r>
+            <a:endParaRPr lang="en-US" b="1"/>
+          </a:p>
+        </p:txBody>
+      </p:sp>
+      <p:pic>
+        <p:nvPicPr>
+          <p:cNvPr id="8" name="Picture 7">
+            <a:extLst>
+              <a:ext uri="{FF2B5EF4-FFF2-40B4-BE49-F238E27FC236}">
+                <a16:creationId xmlns:a16="http://schemas.microsoft.com/office/drawing/2014/main" id="{B7ED9D99-6C18-E2CE-BD99-1C037E14FE68}"/>
+              </a:ext>
+            </a:extLst>
+          </p:cNvPr>
+          <p:cNvPicPr>
+            <a:picLocks noChangeAspect="1"/>
+          </p:cNvPicPr>
+          <p:nvPr/>
+        </p:nvPicPr>
+        <p:blipFill>
+          <a:blip r:embed="rId5"/>
+          <a:stretch>
+            <a:fillRect/>
+          </a:stretch>
+        </p:blipFill>
+        <p:spPr>
+          <a:xfrm>
+            <a:off x="6889077" y="1277301"/>
+            <a:ext cx="1866996" cy="1327218"/>
+          </a:xfrm>
+          <a:prstGeom prst="rect">
+            <a:avLst/>
+          </a:prstGeom>
+        </p:spPr>
+      </p:pic>
+      <p:sp>
+        <p:nvSpPr>
+          <p:cNvPr id="9" name="TextBox 8">
+            <a:extLst>
+              <a:ext uri="{FF2B5EF4-FFF2-40B4-BE49-F238E27FC236}">
+                <a16:creationId xmlns:a16="http://schemas.microsoft.com/office/drawing/2014/main" id="{562AE33F-7A3E-79AE-814B-BF6C7B354DD9}"/>
+              </a:ext>
+            </a:extLst>
+          </p:cNvPr>
+          <p:cNvSpPr txBox="1"/>
+          <p:nvPr/>
+        </p:nvSpPr>
+        <p:spPr>
+          <a:xfrm>
+            <a:off x="5150372" y="1277301"/>
+            <a:ext cx="1620981" cy="276999"/>
+          </a:xfrm>
+          <a:prstGeom prst="rect">
+            <a:avLst/>
+          </a:prstGeom>
+          <a:solidFill>
+            <a:schemeClr val="accent6">
+              <a:lumMod val="20000"/>
+              <a:lumOff val="80000"/>
+            </a:schemeClr>
+          </a:solidFill>
+        </p:spPr>
+        <p:txBody>
+          <a:bodyPr wrap="square">
+            <a:spAutoFit/>
+          </a:bodyPr>
+          <a:lstStyle/>
+          <a:p>
+            <a:pPr algn="ctr"/>
+            <a:r>
+              <a:rPr lang="vi-VN" sz="1200" b="1"/>
+              <a:t>request</a:t>
+            </a:r>
+            <a:endParaRPr lang="en-US" b="1"/>
           </a:p>
         </p:txBody>
       </p:sp>
     </p:spTree>
     <p:extLst>
       <p:ext uri="{BB962C8B-B14F-4D97-AF65-F5344CB8AC3E}">
-        <p14:creationId xmlns:p14="http://schemas.microsoft.com/office/powerpoint/2010/main" val="336868663"/>
+        <p14:creationId xmlns:p14="http://schemas.microsoft.com/office/powerpoint/2010/main" val="2787241197"/>
       </p:ext>
     </p:extLst>
   </p:cSld>
@@ -14955,7 +14768,7 @@
   <p:cSld>
     <p:spTree>
       <p:nvGrpSpPr>
-        <p:cNvPr id="1" name="Shape 66"/>
+        <p:cNvPr id="1" name="Shape 72"/>
         <p:cNvGrpSpPr/>
         <p:nvPr/>
       </p:nvGrpSpPr>
@@ -14969,217 +14782,53 @@
       </p:grpSpPr>
       <p:sp>
         <p:nvSpPr>
-          <p:cNvPr id="67" name="Google Shape;67;p14"/>
+          <p:cNvPr id="73" name="Google Shape;73;p15"/>
           <p:cNvSpPr txBox="1">
             <a:spLocks noGrp="1"/>
           </p:cNvSpPr>
           <p:nvPr>
-            <p:ph type="body" idx="1"/>
-          </p:nvPr>
-        </p:nvSpPr>
-        <p:spPr>
-          <a:xfrm>
-            <a:off x="311700" y="1152475"/>
-            <a:ext cx="8520600" cy="3416400"/>
+            <p:ph type="title"/>
+          </p:nvPr>
+        </p:nvSpPr>
+        <p:spPr>
+          <a:xfrm>
+            <a:off x="490250" y="517961"/>
+            <a:ext cx="5683800" cy="4090800"/>
           </a:xfrm>
           <a:prstGeom prst="rect">
             <a:avLst/>
           </a:prstGeom>
         </p:spPr>
         <p:txBody>
-          <a:bodyPr spcFirstLastPara="1" wrap="square" lIns="91425" tIns="91425" rIns="91425" bIns="91425" anchor="t" anchorCtr="0">
+          <a:bodyPr spcFirstLastPara="1" wrap="square" lIns="91425" tIns="91425" rIns="91425" bIns="91425" anchor="ctr" anchorCtr="0">
             <a:normAutofit/>
           </a:bodyPr>
           <a:lstStyle/>
           <a:p>
-            <a:pPr marL="457200" lvl="0" indent="-342900" algn="just" rtl="0">
-              <a:spcBef>
-                <a:spcPts val="0"/>
-              </a:spcBef>
-              <a:spcAft>
-                <a:spcPts val="0"/>
-              </a:spcAft>
-              <a:buSzPts val="1800"/>
-              <a:buChar char="●"/>
+            <a:pPr marL="0" lvl="0" indent="0" algn="l" rtl="0">
+              <a:lnSpc>
+                <a:spcPct val="115000"/>
+              </a:lnSpc>
+              <a:spcBef>
+                <a:spcPts val="0"/>
+              </a:spcBef>
+              <a:spcAft>
+                <a:spcPts val="0"/>
+              </a:spcAft>
+              <a:buNone/>
             </a:pPr>
             <a:r>
               <a:rPr lang="vi-VN"/>
-              <a:t>Code minh họa:</a:t>
-            </a:r>
-          </a:p>
-          <a:p>
-            <a:pPr marL="457200" lvl="0" indent="-342900" algn="just" rtl="0">
-              <a:spcBef>
-                <a:spcPts val="0"/>
-              </a:spcBef>
-              <a:spcAft>
-                <a:spcPts val="0"/>
-              </a:spcAft>
-              <a:buSzPts val="1800"/>
-              <a:buChar char="●"/>
-            </a:pPr>
-            <a:endParaRPr lang="vi-VN"/>
-          </a:p>
-        </p:txBody>
-      </p:sp>
-      <p:sp>
-        <p:nvSpPr>
-          <p:cNvPr id="68" name="Google Shape;68;p14"/>
-          <p:cNvSpPr txBox="1">
-            <a:spLocks noGrp="1"/>
-          </p:cNvSpPr>
-          <p:nvPr>
-            <p:ph type="title"/>
-          </p:nvPr>
-        </p:nvSpPr>
-        <p:spPr>
-          <a:xfrm>
-            <a:off x="311700" y="445025"/>
-            <a:ext cx="8520600" cy="572700"/>
-          </a:xfrm>
-          <a:prstGeom prst="rect">
-            <a:avLst/>
-          </a:prstGeom>
-        </p:spPr>
-        <p:txBody>
-          <a:bodyPr spcFirstLastPara="1" wrap="square" lIns="91425" tIns="91425" rIns="91425" bIns="91425" anchor="t" anchorCtr="0">
-            <a:normAutofit fontScale="90000"/>
-          </a:bodyPr>
-          <a:lstStyle/>
-          <a:p>
-            <a:pPr marL="0" lvl="0" indent="0" algn="l" rtl="0">
-              <a:spcBef>
-                <a:spcPts val="0"/>
-              </a:spcBef>
-              <a:spcAft>
-                <a:spcPts val="0"/>
-              </a:spcAft>
-              <a:buNone/>
-            </a:pPr>
-            <a:r>
-              <a:rPr lang="vi-VN"/>
-              <a:t>LinkedList</a:t>
+              <a:t>Tạo API REST</a:t>
             </a:r>
             <a:endParaRPr/>
-          </a:p>
-        </p:txBody>
-      </p:sp>
-      <p:sp>
-        <p:nvSpPr>
-          <p:cNvPr id="3" name="TextBox 2">
-            <a:extLst>
-              <a:ext uri="{FF2B5EF4-FFF2-40B4-BE49-F238E27FC236}">
-                <a16:creationId xmlns:a16="http://schemas.microsoft.com/office/drawing/2014/main" id="{6AC25FBE-256A-3ADB-9E83-F1354E764F40}"/>
-              </a:ext>
-            </a:extLst>
-          </p:cNvPr>
-          <p:cNvSpPr txBox="1"/>
-          <p:nvPr/>
-        </p:nvSpPr>
-        <p:spPr>
-          <a:xfrm>
-            <a:off x="809537" y="1589932"/>
-            <a:ext cx="7923401" cy="2893100"/>
-          </a:xfrm>
-          <a:prstGeom prst="rect">
-            <a:avLst/>
-          </a:prstGeom>
-          <a:solidFill>
-            <a:schemeClr val="bg2">
-              <a:lumMod val="20000"/>
-              <a:lumOff val="80000"/>
-            </a:schemeClr>
-          </a:solidFill>
-        </p:spPr>
-        <p:txBody>
-          <a:bodyPr wrap="square">
-            <a:spAutoFit/>
-          </a:bodyPr>
-          <a:lstStyle/>
-          <a:p>
-            <a:r>
-              <a:rPr lang="en-US"/>
-              <a:t>import java.util.*; </a:t>
-            </a:r>
-          </a:p>
-          <a:p>
-            <a:r>
-              <a:rPr lang="en-US"/>
-              <a:t>public class LinkedlistExample{ </a:t>
-            </a:r>
-          </a:p>
-          <a:p>
-            <a:r>
-              <a:rPr lang="en-US"/>
-              <a:t>    public static void main(String args[]){</a:t>
-            </a:r>
-          </a:p>
-          <a:p>
-            <a:r>
-              <a:rPr lang="en-US"/>
-              <a:t>        LinkedList&lt;String&gt; al=new LinkedList&lt;String&gt;();// creating linked list </a:t>
-            </a:r>
-          </a:p>
-          <a:p>
-            <a:r>
-              <a:rPr lang="en-US"/>
-              <a:t>        al.add("Rachit"); // adding elements </a:t>
-            </a:r>
-          </a:p>
-          <a:p>
-            <a:r>
-              <a:rPr lang="en-US"/>
-              <a:t>        al.add("Rahul"); </a:t>
-            </a:r>
-          </a:p>
-          <a:p>
-            <a:r>
-              <a:rPr lang="en-US"/>
-              <a:t>        al.add("Rajat"); </a:t>
-            </a:r>
-          </a:p>
-          <a:p>
-            <a:r>
-              <a:rPr lang="en-US"/>
-              <a:t>        Iterator&lt;String&gt; itr = al.iterator();</a:t>
-            </a:r>
-          </a:p>
-          <a:p>
-            <a:r>
-              <a:rPr lang="en-US"/>
-              <a:t>        while(itr.hasNext()){ </a:t>
-            </a:r>
-          </a:p>
-          <a:p>
-            <a:r>
-              <a:rPr lang="en-US"/>
-              <a:t>            System.out.println(itr.next());</a:t>
-            </a:r>
-          </a:p>
-          <a:p>
-            <a:r>
-              <a:rPr lang="en-US"/>
-              <a:t>        }</a:t>
-            </a:r>
-          </a:p>
-          <a:p>
-            <a:r>
-              <a:rPr lang="en-US"/>
-              <a:t>    }</a:t>
-            </a:r>
-          </a:p>
-          <a:p>
-            <a:r>
-              <a:rPr lang="en-US"/>
-              <a:t>}</a:t>
-            </a:r>
           </a:p>
         </p:txBody>
       </p:sp>
     </p:spTree>
     <p:extLst>
       <p:ext uri="{BB962C8B-B14F-4D97-AF65-F5344CB8AC3E}">
-        <p14:creationId xmlns:p14="http://schemas.microsoft.com/office/powerpoint/2010/main" val="4239720308"/>
+        <p14:creationId xmlns:p14="http://schemas.microsoft.com/office/powerpoint/2010/main" val="68464325"/>
       </p:ext>
     </p:extLst>
   </p:cSld>
@@ -15243,7 +14892,7 @@
             </a:pPr>
             <a:r>
               <a:rPr lang="vi-VN"/>
-              <a:t>Code minh họa:</a:t>
+              <a:t>URI Endpoint: /api/hello</a:t>
             </a:r>
           </a:p>
           <a:p>
@@ -15254,6 +14903,59 @@
               <a:spcAft>
                 <a:spcPts val="0"/>
               </a:spcAft>
+              <a:buSzPts val="1800"/>
+              <a:buChar char="●"/>
+            </a:pPr>
+            <a:r>
+              <a:rPr lang="vi-VN"/>
+              <a:t>Phương thức yêu cầu: GET</a:t>
+            </a:r>
+          </a:p>
+          <a:p>
+            <a:pPr marL="457200" lvl="0" indent="-342900" algn="just" rtl="0">
+              <a:spcBef>
+                <a:spcPts val="0"/>
+              </a:spcBef>
+              <a:spcAft>
+                <a:spcPts val="0"/>
+              </a:spcAft>
+              <a:buSzPts val="1800"/>
+              <a:buChar char="●"/>
+            </a:pPr>
+            <a:r>
+              <a:rPr lang="vi-VN"/>
+              <a:t>Phản hồi:</a:t>
+            </a:r>
+          </a:p>
+          <a:p>
+            <a:pPr lvl="1" indent="-342900" algn="just">
+              <a:buSzPts val="1800"/>
+              <a:buChar char="●"/>
+            </a:pPr>
+            <a:r>
+              <a:rPr lang="vi-VN" sz="1600"/>
+              <a:t>Mã trạng thái: 200 OK</a:t>
+            </a:r>
+          </a:p>
+          <a:p>
+            <a:pPr lvl="1" indent="-342900" algn="just">
+              <a:buSzPts val="1800"/>
+              <a:buChar char="●"/>
+            </a:pPr>
+            <a:r>
+              <a:rPr lang="vi-VN" sz="1600"/>
+              <a:t>Nội dung Body: “Hello World from Spring Boot project with REST API”</a:t>
+            </a:r>
+          </a:p>
+          <a:p>
+            <a:pPr lvl="1" indent="-342900" algn="just">
+              <a:buSzPts val="1800"/>
+              <a:buChar char="●"/>
+            </a:pPr>
+            <a:endParaRPr lang="vi-VN" sz="1600"/>
+          </a:p>
+          <a:p>
+            <a:pPr lvl="1" indent="-342900" algn="just">
               <a:buSzPts val="1800"/>
               <a:buChar char="●"/>
             </a:pPr>
@@ -15297,128 +14999,16 @@
             </a:pPr>
             <a:r>
               <a:rPr lang="vi-VN"/>
-              <a:t>LinkedList</a:t>
+              <a:t>Dự án Spring Boot: HelloWorld</a:t>
             </a:r>
             <a:endParaRPr/>
-          </a:p>
-        </p:txBody>
-      </p:sp>
-      <p:sp>
-        <p:nvSpPr>
-          <p:cNvPr id="3" name="TextBox 2">
-            <a:extLst>
-              <a:ext uri="{FF2B5EF4-FFF2-40B4-BE49-F238E27FC236}">
-                <a16:creationId xmlns:a16="http://schemas.microsoft.com/office/drawing/2014/main" id="{6AC25FBE-256A-3ADB-9E83-F1354E764F40}"/>
-              </a:ext>
-            </a:extLst>
-          </p:cNvPr>
-          <p:cNvSpPr txBox="1"/>
-          <p:nvPr/>
-        </p:nvSpPr>
-        <p:spPr>
-          <a:xfrm>
-            <a:off x="809537" y="1589932"/>
-            <a:ext cx="7923401" cy="2893100"/>
-          </a:xfrm>
-          <a:prstGeom prst="rect">
-            <a:avLst/>
-          </a:prstGeom>
-          <a:solidFill>
-            <a:schemeClr val="bg2">
-              <a:lumMod val="20000"/>
-              <a:lumOff val="80000"/>
-            </a:schemeClr>
-          </a:solidFill>
-        </p:spPr>
-        <p:txBody>
-          <a:bodyPr wrap="square">
-            <a:spAutoFit/>
-          </a:bodyPr>
-          <a:lstStyle/>
-          <a:p>
-            <a:r>
-              <a:rPr lang="en-US"/>
-              <a:t>import java.util.*; </a:t>
-            </a:r>
-          </a:p>
-          <a:p>
-            <a:r>
-              <a:rPr lang="en-US"/>
-              <a:t>public class LinkedlistExample{ </a:t>
-            </a:r>
-          </a:p>
-          <a:p>
-            <a:r>
-              <a:rPr lang="en-US"/>
-              <a:t>    public static void main(String args[]){</a:t>
-            </a:r>
-          </a:p>
-          <a:p>
-            <a:r>
-              <a:rPr lang="en-US"/>
-              <a:t>        LinkedList&lt;String&gt; al=new LinkedList&lt;String&gt;();// creating linked list </a:t>
-            </a:r>
-          </a:p>
-          <a:p>
-            <a:r>
-              <a:rPr lang="en-US"/>
-              <a:t>        al.add("Rachit"); // adding elements </a:t>
-            </a:r>
-          </a:p>
-          <a:p>
-            <a:r>
-              <a:rPr lang="en-US"/>
-              <a:t>        al.add("Rahul"); </a:t>
-            </a:r>
-          </a:p>
-          <a:p>
-            <a:r>
-              <a:rPr lang="en-US"/>
-              <a:t>        al.add("Rajat"); </a:t>
-            </a:r>
-          </a:p>
-          <a:p>
-            <a:r>
-              <a:rPr lang="en-US"/>
-              <a:t>        Iterator&lt;String&gt; itr = al.iterator();</a:t>
-            </a:r>
-          </a:p>
-          <a:p>
-            <a:r>
-              <a:rPr lang="en-US"/>
-              <a:t>        while(itr.hasNext()){ </a:t>
-            </a:r>
-          </a:p>
-          <a:p>
-            <a:r>
-              <a:rPr lang="en-US"/>
-              <a:t>            System.out.println(itr.next());</a:t>
-            </a:r>
-          </a:p>
-          <a:p>
-            <a:r>
-              <a:rPr lang="en-US"/>
-              <a:t>        }</a:t>
-            </a:r>
-          </a:p>
-          <a:p>
-            <a:r>
-              <a:rPr lang="en-US"/>
-              <a:t>    }</a:t>
-            </a:r>
-          </a:p>
-          <a:p>
-            <a:r>
-              <a:rPr lang="en-US"/>
-              <a:t>}</a:t>
-            </a:r>
           </a:p>
         </p:txBody>
       </p:sp>
     </p:spTree>
     <p:extLst>
       <p:ext uri="{BB962C8B-B14F-4D97-AF65-F5344CB8AC3E}">
-        <p14:creationId xmlns:p14="http://schemas.microsoft.com/office/powerpoint/2010/main" val="1807667633"/>
+        <p14:creationId xmlns:p14="http://schemas.microsoft.com/office/powerpoint/2010/main" val="2128545916"/>
       </p:ext>
     </p:extLst>
   </p:cSld>
@@ -15481,7 +15071,7 @@
             </a:pPr>
             <a:r>
               <a:rPr lang="vi-VN"/>
-              <a:t>HashSet và TreeSet </a:t>
+              <a:t>Dự án Spring Boot: HelloWorld</a:t>
             </a:r>
             <a:endParaRPr/>
           </a:p>
@@ -15489,10 +15079,10 @@
       </p:sp>
       <p:pic>
         <p:nvPicPr>
-          <p:cNvPr id="2" name="Picture 1">
+          <p:cNvPr id="5" name="Picture 4">
             <a:extLst>
               <a:ext uri="{FF2B5EF4-FFF2-40B4-BE49-F238E27FC236}">
-                <a16:creationId xmlns:a16="http://schemas.microsoft.com/office/drawing/2014/main" id="{56E777BB-F8E5-15E2-39BA-5E6E4572695E}"/>
+                <a16:creationId xmlns:a16="http://schemas.microsoft.com/office/drawing/2014/main" id="{1C314958-5F8E-87F6-7C44-2FD801E9E508}"/>
               </a:ext>
             </a:extLst>
           </p:cNvPr>
@@ -15509,8 +15099,8 @@
         </p:blipFill>
         <p:spPr>
           <a:xfrm>
-            <a:off x="1362347" y="1424927"/>
-            <a:ext cx="6419306" cy="3399665"/>
+            <a:off x="2075241" y="1155444"/>
+            <a:ext cx="4993518" cy="3988055"/>
           </a:xfrm>
           <a:prstGeom prst="rect">
             <a:avLst/>
@@ -15520,7 +15110,7 @@
     </p:spTree>
     <p:extLst>
       <p:ext uri="{BB962C8B-B14F-4D97-AF65-F5344CB8AC3E}">
-        <p14:creationId xmlns:p14="http://schemas.microsoft.com/office/powerpoint/2010/main" val="613101506"/>
+        <p14:creationId xmlns:p14="http://schemas.microsoft.com/office/powerpoint/2010/main" val="2179481983"/>
       </p:ext>
     </p:extLst>
   </p:cSld>
@@ -15549,142 +15139,6 @@
       </p:grpSpPr>
       <p:sp>
         <p:nvSpPr>
-          <p:cNvPr id="67" name="Google Shape;67;p14"/>
-          <p:cNvSpPr txBox="1">
-            <a:spLocks noGrp="1"/>
-          </p:cNvSpPr>
-          <p:nvPr>
-            <p:ph type="body" idx="1"/>
-          </p:nvPr>
-        </p:nvSpPr>
-        <p:spPr>
-          <a:xfrm>
-            <a:off x="311700" y="1152475"/>
-            <a:ext cx="8520600" cy="3416400"/>
-          </a:xfrm>
-          <a:prstGeom prst="rect">
-            <a:avLst/>
-          </a:prstGeom>
-        </p:spPr>
-        <p:txBody>
-          <a:bodyPr spcFirstLastPara="1" wrap="square" lIns="91425" tIns="91425" rIns="91425" bIns="91425" anchor="t" anchorCtr="0">
-            <a:normAutofit/>
-          </a:bodyPr>
-          <a:lstStyle/>
-          <a:p>
-            <a:pPr marL="457200" lvl="0" indent="-342900" algn="just" rtl="0">
-              <a:spcBef>
-                <a:spcPts val="0"/>
-              </a:spcBef>
-              <a:spcAft>
-                <a:spcPts val="0"/>
-              </a:spcAft>
-              <a:buSzPts val="1800"/>
-              <a:buChar char="●"/>
-            </a:pPr>
-            <a:r>
-              <a:rPr lang="vi-VN"/>
-              <a:t>Tìm và thêm các phần tử rất nhanh</a:t>
-            </a:r>
-          </a:p>
-          <a:p>
-            <a:pPr lvl="1" indent="-342900" algn="just">
-              <a:buSzPts val="1800"/>
-              <a:buChar char="●"/>
-            </a:pPr>
-            <a:r>
-              <a:rPr lang="vi-VN" sz="1600"/>
-              <a:t>sử dụng triển khai băm trong HashMap</a:t>
-            </a:r>
-          </a:p>
-          <a:p>
-            <a:pPr marL="457200" lvl="0" indent="-342900" algn="just" rtl="0">
-              <a:spcBef>
-                <a:spcPts val="0"/>
-              </a:spcBef>
-              <a:spcAft>
-                <a:spcPts val="0"/>
-              </a:spcAft>
-              <a:buSzPts val="1800"/>
-              <a:buChar char="●"/>
-            </a:pPr>
-            <a:r>
-              <a:rPr lang="vi-VN"/>
-              <a:t>Băm sử dụng một mảng các danh sách được liên kết</a:t>
-            </a:r>
-          </a:p>
-          <a:p>
-            <a:pPr lvl="1" indent="-342900" algn="just">
-              <a:buSzPts val="1800"/>
-              <a:buChar char="●"/>
-            </a:pPr>
-            <a:r>
-              <a:rPr lang="vi-VN" sz="1600"/>
-              <a:t>hashCode() được sử dụng để lập chỉ mục vào mảng</a:t>
-            </a:r>
-          </a:p>
-          <a:p>
-            <a:pPr lvl="1" indent="-342900" algn="just">
-              <a:buSzPts val="1800"/>
-              <a:buChar char="●"/>
-            </a:pPr>
-            <a:r>
-              <a:rPr lang="vi-VN" sz="1600"/>
-              <a:t>Sau đó, equals() được sử dụng để xác định xem phần tử có nằm trong danh sách của các phần tử tại chỉ mục đó không</a:t>
-            </a:r>
-          </a:p>
-          <a:p>
-            <a:pPr marL="457200" lvl="0" indent="-342900" algn="just" rtl="0">
-              <a:spcBef>
-                <a:spcPts val="0"/>
-              </a:spcBef>
-              <a:spcAft>
-                <a:spcPts val="0"/>
-              </a:spcAft>
-              <a:buSzPts val="1800"/>
-              <a:buChar char="●"/>
-            </a:pPr>
-            <a:r>
-              <a:rPr lang="vi-VN"/>
-              <a:t>Không có thứ tự áp đặt trên các phần tử</a:t>
-            </a:r>
-          </a:p>
-          <a:p>
-            <a:pPr marL="457200" lvl="0" indent="-342900" algn="just" rtl="0">
-              <a:spcBef>
-                <a:spcPts val="0"/>
-              </a:spcBef>
-              <a:spcAft>
-                <a:spcPts val="0"/>
-              </a:spcAft>
-              <a:buSzPts val="1800"/>
-              <a:buChar char="●"/>
-            </a:pPr>
-            <a:r>
-              <a:rPr lang="vi-VN"/>
-              <a:t>Phương thức hashCode() và phương thức equals() phải tương thích</a:t>
-            </a:r>
-          </a:p>
-          <a:p>
-            <a:pPr marL="457200" lvl="0" indent="-342900" algn="just" rtl="0">
-              <a:spcBef>
-                <a:spcPts val="0"/>
-              </a:spcBef>
-              <a:spcAft>
-                <a:spcPts val="0"/>
-              </a:spcAft>
-              <a:buSzPts val="1800"/>
-              <a:buChar char="●"/>
-            </a:pPr>
-            <a:r>
-              <a:rPr lang="vi-VN"/>
-              <a:t>nếu hai đối tượng bằng nhau, chúng phải có cùng giá trị hashCode()</a:t>
-            </a:r>
-          </a:p>
-        </p:txBody>
-      </p:sp>
-      <p:sp>
-        <p:nvSpPr>
           <p:cNvPr id="68" name="Google Shape;68;p14"/>
           <p:cNvSpPr txBox="1">
             <a:spLocks noGrp="1"/>
@@ -15719,16 +15173,46 @@
             </a:pPr>
             <a:r>
               <a:rPr lang="vi-VN"/>
-              <a:t>HashSet</a:t>
+              <a:t>Dự án Spring Boot: HelloWorld</a:t>
             </a:r>
             <a:endParaRPr/>
           </a:p>
         </p:txBody>
       </p:sp>
+      <p:pic>
+        <p:nvPicPr>
+          <p:cNvPr id="3" name="Picture 2">
+            <a:extLst>
+              <a:ext uri="{FF2B5EF4-FFF2-40B4-BE49-F238E27FC236}">
+                <a16:creationId xmlns:a16="http://schemas.microsoft.com/office/drawing/2014/main" id="{4BF41820-F729-72AE-9664-CD1969A11D4C}"/>
+              </a:ext>
+            </a:extLst>
+          </p:cNvPr>
+          <p:cNvPicPr>
+            <a:picLocks noChangeAspect="1"/>
+          </p:cNvPicPr>
+          <p:nvPr/>
+        </p:nvPicPr>
+        <p:blipFill>
+          <a:blip r:embed="rId3"/>
+          <a:stretch>
+            <a:fillRect/>
+          </a:stretch>
+        </p:blipFill>
+        <p:spPr>
+          <a:xfrm>
+            <a:off x="2096023" y="1188640"/>
+            <a:ext cx="4951954" cy="3954860"/>
+          </a:xfrm>
+          <a:prstGeom prst="rect">
+            <a:avLst/>
+          </a:prstGeom>
+        </p:spPr>
+      </p:pic>
     </p:spTree>
     <p:extLst>
       <p:ext uri="{BB962C8B-B14F-4D97-AF65-F5344CB8AC3E}">
-        <p14:creationId xmlns:p14="http://schemas.microsoft.com/office/powerpoint/2010/main" val="510698080"/>
+        <p14:creationId xmlns:p14="http://schemas.microsoft.com/office/powerpoint/2010/main" val="1596089605"/>
       </p:ext>
     </p:extLst>
   </p:cSld>
@@ -15792,8 +15276,16 @@
             </a:pPr>
             <a:r>
               <a:rPr lang="vi-VN"/>
-              <a:t>Code minh họa:</a:t>
-            </a:r>
+              <a:t>Tạo Controller chứa định nghĩa URI Endpoint</a:t>
+            </a:r>
+            <a:endParaRPr lang="vi-VN" sz="1600"/>
+          </a:p>
+          <a:p>
+            <a:pPr lvl="1" indent="-342900" algn="just">
+              <a:buSzPts val="1800"/>
+              <a:buChar char="●"/>
+            </a:pPr>
+            <a:endParaRPr lang="vi-VN"/>
           </a:p>
         </p:txBody>
       </p:sp>
@@ -15833,129 +15325,46 @@
             </a:pPr>
             <a:r>
               <a:rPr lang="vi-VN"/>
-              <a:t>HashSet</a:t>
+              <a:t>Dự án Spring Boot: HelloWorld</a:t>
             </a:r>
             <a:endParaRPr/>
           </a:p>
         </p:txBody>
       </p:sp>
-      <p:sp>
-        <p:nvSpPr>
-          <p:cNvPr id="3" name="TextBox 2">
+      <p:pic>
+        <p:nvPicPr>
+          <p:cNvPr id="3" name="Picture 2">
             <a:extLst>
               <a:ext uri="{FF2B5EF4-FFF2-40B4-BE49-F238E27FC236}">
-                <a16:creationId xmlns:a16="http://schemas.microsoft.com/office/drawing/2014/main" id="{54F61A58-E35D-ECC8-D80E-396B1D87D006}"/>
+                <a16:creationId xmlns:a16="http://schemas.microsoft.com/office/drawing/2014/main" id="{B9FFD574-A57E-703A-8200-531C27A0B706}"/>
               </a:ext>
             </a:extLst>
           </p:cNvPr>
-          <p:cNvSpPr txBox="1"/>
+          <p:cNvPicPr>
+            <a:picLocks noChangeAspect="1"/>
+          </p:cNvPicPr>
           <p:nvPr/>
-        </p:nvSpPr>
-        <p:spPr>
-          <a:xfrm>
-            <a:off x="750814" y="1522963"/>
-            <a:ext cx="7982125" cy="3108543"/>
-          </a:xfrm>
-          <a:prstGeom prst="rect">
-            <a:avLst/>
-          </a:prstGeom>
-          <a:noFill/>
-        </p:spPr>
-        <p:txBody>
-          <a:bodyPr wrap="square">
-            <a:spAutoFit/>
-          </a:bodyPr>
-          <a:lstStyle/>
-          <a:p>
-            <a:r>
-              <a:rPr lang="en-US"/>
-              <a:t>import java.util.*;</a:t>
-            </a:r>
-          </a:p>
-          <a:p>
-            <a:r>
-              <a:rPr lang="en-US"/>
-              <a:t>class HashsetExample{</a:t>
-            </a:r>
-          </a:p>
-          <a:p>
-            <a:r>
-              <a:rPr lang="en-US"/>
-              <a:t> public static void main(String args[]){</a:t>
-            </a:r>
-          </a:p>
-          <a:p>
-            <a:r>
-              <a:rPr lang="en-US"/>
-              <a:t>  </a:t>
-            </a:r>
-          </a:p>
-          <a:p>
-            <a:r>
-              <a:rPr lang="en-US"/>
-              <a:t> HashSet&amp;amp;amp;lt;String&amp;amp;amp;gt; al=new HashSet(); // creating hashSet</a:t>
-            </a:r>
-          </a:p>
-          <a:p>
-            <a:r>
-              <a:rPr lang="en-US"/>
-              <a:t> al.add("Rachit");                 // adding elements</a:t>
-            </a:r>
-          </a:p>
-          <a:p>
-            <a:r>
-              <a:rPr lang="en-US"/>
-              <a:t> al.add("Amit");</a:t>
-            </a:r>
-          </a:p>
-          <a:p>
-            <a:r>
-              <a:rPr lang="en-US"/>
-              <a:t> al.add("jack");</a:t>
-            </a:r>
-          </a:p>
-          <a:p>
-            <a:r>
-              <a:rPr lang="en-US"/>
-              <a:t> Iterator&amp;amp;amp;lt;String&amp;amp;amp;gt; itr=al.iterator();</a:t>
-            </a:r>
-          </a:p>
-          <a:p>
-            <a:r>
-              <a:rPr lang="en-US"/>
-              <a:t> while(itr.hasNext()){</a:t>
-            </a:r>
-          </a:p>
-          <a:p>
-            <a:r>
-              <a:rPr lang="en-US"/>
-              <a:t> System.out.println(itr.next());</a:t>
-            </a:r>
-          </a:p>
-          <a:p>
-            <a:r>
-              <a:rPr lang="en-US"/>
-              <a:t> }</a:t>
-            </a:r>
-          </a:p>
-          <a:p>
-            <a:r>
-              <a:rPr lang="en-US"/>
-              <a:t> }</a:t>
-            </a:r>
-          </a:p>
-          <a:p>
-            <a:r>
-              <a:rPr lang="en-US"/>
-              <a:t> }</a:t>
-            </a:r>
-          </a:p>
-        </p:txBody>
-      </p:sp>
+        </p:nvPicPr>
+        <p:blipFill>
+          <a:blip r:embed="rId3"/>
+          <a:stretch>
+            <a:fillRect/>
+          </a:stretch>
+        </p:blipFill>
+        <p:spPr>
+          <a:xfrm>
+            <a:off x="921328" y="1650460"/>
+            <a:ext cx="7793182" cy="3133188"/>
+          </a:xfrm>
+          <a:prstGeom prst="rect">
+            <a:avLst/>
+          </a:prstGeom>
+        </p:spPr>
+      </p:pic>
     </p:spTree>
     <p:extLst>
       <p:ext uri="{BB962C8B-B14F-4D97-AF65-F5344CB8AC3E}">
-        <p14:creationId xmlns:p14="http://schemas.microsoft.com/office/powerpoint/2010/main" val="717838557"/>
+        <p14:creationId xmlns:p14="http://schemas.microsoft.com/office/powerpoint/2010/main" val="2462488305"/>
       </p:ext>
     </p:extLst>
   </p:cSld>
@@ -16019,101 +15428,7 @@
             </a:pPr>
             <a:r>
               <a:rPr lang="vi-VN"/>
-              <a:t>Các phần tử có thể được chèn theo bất kỳ thứ tự nào</a:t>
-            </a:r>
-          </a:p>
-          <a:p>
-            <a:pPr marL="457200" lvl="0" indent="-342900" algn="just" rtl="0">
-              <a:spcBef>
-                <a:spcPts val="0"/>
-              </a:spcBef>
-              <a:spcAft>
-                <a:spcPts val="0"/>
-              </a:spcAft>
-              <a:buSzPts val="1800"/>
-              <a:buChar char="●"/>
-            </a:pPr>
-            <a:r>
-              <a:rPr lang="vi-VN"/>
-              <a:t>TreeSet lưu trữ chúng theo thứ tự</a:t>
-            </a:r>
-          </a:p>
-          <a:p>
-            <a:pPr marL="457200" lvl="0" indent="-342900" algn="just" rtl="0">
-              <a:spcBef>
-                <a:spcPts val="0"/>
-              </a:spcBef>
-              <a:spcAft>
-                <a:spcPts val="0"/>
-              </a:spcAft>
-              <a:buSzPts val="1800"/>
-              <a:buChar char="●"/>
-            </a:pPr>
-            <a:r>
-              <a:rPr lang="vi-VN"/>
-              <a:t>Một iterator luôn biểu diễn chúng theo thứ tự</a:t>
-            </a:r>
-          </a:p>
-          <a:p>
-            <a:pPr marL="457200" lvl="0" indent="-342900" algn="just" rtl="0">
-              <a:spcBef>
-                <a:spcPts val="0"/>
-              </a:spcBef>
-              <a:spcAft>
-                <a:spcPts val="0"/>
-              </a:spcAft>
-              <a:buSzPts val="1800"/>
-              <a:buChar char="●"/>
-            </a:pPr>
-            <a:r>
-              <a:rPr lang="vi-VN"/>
-              <a:t>Thứ tự mặc định được xác định theo thứ tự tự nhiên</a:t>
-            </a:r>
-          </a:p>
-          <a:p>
-            <a:pPr lvl="1" indent="-342900" algn="just">
-              <a:buSzPts val="1800"/>
-              <a:buChar char="●"/>
-            </a:pPr>
-            <a:r>
-              <a:rPr lang="vi-VN" sz="1600"/>
-              <a:t>các đối tượng triển khai giao diện Comparable</a:t>
-            </a:r>
-          </a:p>
-          <a:p>
-            <a:pPr lvl="1" indent="-342900" algn="just">
-              <a:buSzPts val="1800"/>
-              <a:buChar char="●"/>
-            </a:pPr>
-            <a:r>
-              <a:rPr lang="vi-VN" sz="1600"/>
-              <a:t>TreeSet sử dụng compareTo(Object o) để sắp xếp</a:t>
-            </a:r>
-          </a:p>
-          <a:p>
-            <a:pPr marL="457200" lvl="0" indent="-342900" algn="just" rtl="0">
-              <a:spcBef>
-                <a:spcPts val="0"/>
-              </a:spcBef>
-              <a:spcAft>
-                <a:spcPts val="0"/>
-              </a:spcAft>
-              <a:buSzPts val="1800"/>
-              <a:buChar char="●"/>
-            </a:pPr>
-            <a:r>
-              <a:rPr lang="vi-VN"/>
-              <a:t>Có thể sử dụng một Comparator khác</a:t>
-            </a:r>
-          </a:p>
-          <a:p>
-            <a:pPr lvl="1" indent="-342900" algn="just">
-              <a:buSzPts val="1800"/>
-              <a:buChar char="●"/>
-            </a:pPr>
-            <a:r>
-              <a:rPr lang="vi-VN" sz="1600"/>
-              <a:t>cung cấp Comparator cho hàm tạo TreeSet</a:t>
+              <a:t>Khởi chạy dự án và kiểm thử API với curl</a:t>
             </a:r>
           </a:p>
         </p:txBody>
@@ -16154,16 +15469,81 @@
             </a:pPr>
             <a:r>
               <a:rPr lang="vi-VN"/>
-              <a:t>TreeSet</a:t>
+              <a:t>Dự án Spring Boot: HelloWorld</a:t>
             </a:r>
             <a:endParaRPr/>
           </a:p>
         </p:txBody>
       </p:sp>
+      <p:pic>
+        <p:nvPicPr>
+          <p:cNvPr id="4" name="Picture 3">
+            <a:extLst>
+              <a:ext uri="{FF2B5EF4-FFF2-40B4-BE49-F238E27FC236}">
+                <a16:creationId xmlns:a16="http://schemas.microsoft.com/office/drawing/2014/main" id="{864CAD7D-FEF8-63A0-D4B3-73565EEE911D}"/>
+              </a:ext>
+            </a:extLst>
+          </p:cNvPr>
+          <p:cNvPicPr>
+            <a:picLocks noChangeAspect="1"/>
+          </p:cNvPicPr>
+          <p:nvPr/>
+        </p:nvPicPr>
+        <p:blipFill>
+          <a:blip r:embed="rId3"/>
+          <a:stretch>
+            <a:fillRect/>
+          </a:stretch>
+        </p:blipFill>
+        <p:spPr>
+          <a:xfrm>
+            <a:off x="872837" y="1600395"/>
+            <a:ext cx="7876309" cy="1412392"/>
+          </a:xfrm>
+          <a:prstGeom prst="rect">
+            <a:avLst/>
+          </a:prstGeom>
+        </p:spPr>
+      </p:pic>
+      <p:pic>
+        <p:nvPicPr>
+          <p:cNvPr id="6" name="Picture 5">
+            <a:extLst>
+              <a:ext uri="{FF2B5EF4-FFF2-40B4-BE49-F238E27FC236}">
+                <a16:creationId xmlns:a16="http://schemas.microsoft.com/office/drawing/2014/main" id="{DEFF1CB9-30D7-D004-CC5A-C13F317EA67B}"/>
+              </a:ext>
+            </a:extLst>
+          </p:cNvPr>
+          <p:cNvPicPr>
+            <a:picLocks noChangeAspect="1"/>
+          </p:cNvPicPr>
+          <p:nvPr/>
+        </p:nvPicPr>
+        <p:blipFill>
+          <a:blip r:embed="rId4"/>
+          <a:stretch>
+            <a:fillRect/>
+          </a:stretch>
+        </p:blipFill>
+        <p:spPr>
+          <a:xfrm>
+            <a:off x="872837" y="3131776"/>
+            <a:ext cx="5445613" cy="1885019"/>
+          </a:xfrm>
+          <a:prstGeom prst="rect">
+            <a:avLst/>
+          </a:prstGeom>
+          <a:ln>
+            <a:solidFill>
+              <a:schemeClr val="accent1"/>
+            </a:solidFill>
+          </a:ln>
+        </p:spPr>
+      </p:pic>
     </p:spTree>
     <p:extLst>
       <p:ext uri="{BB962C8B-B14F-4D97-AF65-F5344CB8AC3E}">
-        <p14:creationId xmlns:p14="http://schemas.microsoft.com/office/powerpoint/2010/main" val="2829151821"/>
+        <p14:creationId xmlns:p14="http://schemas.microsoft.com/office/powerpoint/2010/main" val="710539669"/>
       </p:ext>
     </p:extLst>
   </p:cSld>
@@ -16227,9 +15607,8 @@
             </a:pPr>
             <a:r>
               <a:rPr lang="vi-VN"/>
-              <a:t>Code minh họa:</a:t>
-            </a:r>
-            <a:endParaRPr lang="vi-VN" sz="1600"/>
+              <a:t>Khởi chạy dự án và kiểm thử API với curl</a:t>
+            </a:r>
           </a:p>
         </p:txBody>
       </p:sp>
@@ -16269,123 +15648,46 @@
             </a:pPr>
             <a:r>
               <a:rPr lang="vi-VN"/>
-              <a:t>TreeSet</a:t>
+              <a:t>Dự án Spring Boot: HelloWorld</a:t>
             </a:r>
             <a:endParaRPr/>
           </a:p>
         </p:txBody>
       </p:sp>
-      <p:sp>
-        <p:nvSpPr>
-          <p:cNvPr id="3" name="TextBox 2">
+      <p:pic>
+        <p:nvPicPr>
+          <p:cNvPr id="3" name="Picture 2">
             <a:extLst>
               <a:ext uri="{FF2B5EF4-FFF2-40B4-BE49-F238E27FC236}">
-                <a16:creationId xmlns:a16="http://schemas.microsoft.com/office/drawing/2014/main" id="{3A888994-9226-8A39-40A9-04A32315F8CF}"/>
+                <a16:creationId xmlns:a16="http://schemas.microsoft.com/office/drawing/2014/main" id="{049374D9-ACDD-1624-521E-0133700EEB6E}"/>
               </a:ext>
             </a:extLst>
           </p:cNvPr>
-          <p:cNvSpPr txBox="1"/>
+          <p:cNvPicPr>
+            <a:picLocks noChangeAspect="1"/>
+          </p:cNvPicPr>
           <p:nvPr/>
-        </p:nvSpPr>
-        <p:spPr>
-          <a:xfrm>
-            <a:off x="817926" y="1597130"/>
-            <a:ext cx="7906623" cy="3108543"/>
-          </a:xfrm>
-          <a:prstGeom prst="rect">
-            <a:avLst/>
-          </a:prstGeom>
-          <a:noFill/>
-        </p:spPr>
-        <p:txBody>
-          <a:bodyPr wrap="square">
-            <a:spAutoFit/>
-          </a:bodyPr>
-          <a:lstStyle/>
-          <a:p>
-            <a:r>
-              <a:rPr lang="en-US"/>
-              <a:t>import java.util.*;</a:t>
-            </a:r>
-          </a:p>
-          <a:p>
-            <a:r>
-              <a:rPr lang="en-US"/>
-              <a:t>class TreeSetExample{</a:t>
-            </a:r>
-          </a:p>
-          <a:p>
-            <a:r>
-              <a:rPr lang="en-US"/>
-              <a:t>public static void main(String args[]){</a:t>
-            </a:r>
-          </a:p>
-          <a:p>
-            <a:r>
-              <a:rPr lang="en-US"/>
-              <a:t>TreeSet&amp;amp;amp;lt;String&amp;amp;amp;gt; al=new TreeSet&amp;amp;amp;lt;String&amp;amp;amp;gt;();  // creating treeSet</a:t>
-            </a:r>
-          </a:p>
-          <a:p>
-            <a:r>
-              <a:rPr lang="en-US"/>
-              <a:t>al.add("John");                            // adding elements</a:t>
-            </a:r>
-          </a:p>
-          <a:p>
-            <a:r>
-              <a:rPr lang="en-US"/>
-              <a:t>al.add("Sam");</a:t>
-            </a:r>
-          </a:p>
-          <a:p>
-            <a:r>
-              <a:rPr lang="en-US"/>
-              <a:t>al.add("Rick");</a:t>
-            </a:r>
-          </a:p>
-          <a:p>
-            <a:r>
-              <a:rPr lang="en-US"/>
-              <a:t>Iterator&amp;amp;amp;lt;String&amp;amp;amp;gt; itr=al.iterator();</a:t>
-            </a:r>
-          </a:p>
-          <a:p>
-            <a:r>
-              <a:rPr lang="en-US"/>
-              <a:t>while(itr.hasNext()){</a:t>
-            </a:r>
-          </a:p>
-          <a:p>
-            <a:r>
-              <a:rPr lang="en-US"/>
-              <a:t>System.out.println(itr.next());</a:t>
-            </a:r>
-          </a:p>
-          <a:p>
-            <a:r>
-              <a:rPr lang="en-US"/>
-              <a:t>}</a:t>
-            </a:r>
-          </a:p>
-          <a:p>
-            <a:r>
-              <a:rPr lang="en-US"/>
-              <a:t>}</a:t>
-            </a:r>
-          </a:p>
-          <a:p>
-            <a:r>
-              <a:rPr lang="en-US"/>
-              <a:t>}</a:t>
-            </a:r>
-          </a:p>
-        </p:txBody>
-      </p:sp>
+        </p:nvPicPr>
+        <p:blipFill>
+          <a:blip r:embed="rId3"/>
+          <a:stretch>
+            <a:fillRect/>
+          </a:stretch>
+        </p:blipFill>
+        <p:spPr>
+          <a:xfrm>
+            <a:off x="864848" y="1645140"/>
+            <a:ext cx="7877370" cy="2666544"/>
+          </a:xfrm>
+          <a:prstGeom prst="rect">
+            <a:avLst/>
+          </a:prstGeom>
+        </p:spPr>
+      </p:pic>
     </p:spTree>
     <p:extLst>
       <p:ext uri="{BB962C8B-B14F-4D97-AF65-F5344CB8AC3E}">
-        <p14:creationId xmlns:p14="http://schemas.microsoft.com/office/powerpoint/2010/main" val="4064415699"/>
+        <p14:creationId xmlns:p14="http://schemas.microsoft.com/office/powerpoint/2010/main" val="2358022123"/>
       </p:ext>
     </p:extLst>
   </p:cSld>
@@ -16414,6 +15716,48 @@
       </p:grpSpPr>
       <p:sp>
         <p:nvSpPr>
+          <p:cNvPr id="67" name="Google Shape;67;p14"/>
+          <p:cNvSpPr txBox="1">
+            <a:spLocks noGrp="1"/>
+          </p:cNvSpPr>
+          <p:nvPr>
+            <p:ph type="body" idx="1"/>
+          </p:nvPr>
+        </p:nvSpPr>
+        <p:spPr>
+          <a:xfrm>
+            <a:off x="311700" y="1152475"/>
+            <a:ext cx="8520600" cy="3416400"/>
+          </a:xfrm>
+          <a:prstGeom prst="rect">
+            <a:avLst/>
+          </a:prstGeom>
+        </p:spPr>
+        <p:txBody>
+          <a:bodyPr spcFirstLastPara="1" wrap="square" lIns="91425" tIns="91425" rIns="91425" bIns="91425" anchor="t" anchorCtr="0">
+            <a:normAutofit/>
+          </a:bodyPr>
+          <a:lstStyle/>
+          <a:p>
+            <a:pPr marL="457200" lvl="0" indent="-342900" algn="just" rtl="0">
+              <a:spcBef>
+                <a:spcPts val="0"/>
+              </a:spcBef>
+              <a:spcAft>
+                <a:spcPts val="0"/>
+              </a:spcAft>
+              <a:buSzPts val="1800"/>
+              <a:buChar char="●"/>
+            </a:pPr>
+            <a:r>
+              <a:rPr lang="vi-VN"/>
+              <a:t>Tùy chỉnh đối tượng response</a:t>
+            </a:r>
+          </a:p>
+        </p:txBody>
+      </p:sp>
+      <p:sp>
+        <p:nvSpPr>
           <p:cNvPr id="68" name="Google Shape;68;p14"/>
           <p:cNvSpPr txBox="1">
             <a:spLocks noGrp="1"/>
@@ -16448,46 +15792,193 @@
             </a:pPr>
             <a:r>
               <a:rPr lang="vi-VN"/>
-              <a:t>HashMap và TreeMap </a:t>
+              <a:t>Dự án Spring Boot: HelloWorld</a:t>
             </a:r>
             <a:endParaRPr/>
           </a:p>
         </p:txBody>
       </p:sp>
-      <p:pic>
-        <p:nvPicPr>
-          <p:cNvPr id="5" name="Picture 4">
+      <p:sp>
+        <p:nvSpPr>
+          <p:cNvPr id="4" name="TextBox 3">
             <a:extLst>
               <a:ext uri="{FF2B5EF4-FFF2-40B4-BE49-F238E27FC236}">
-                <a16:creationId xmlns:a16="http://schemas.microsoft.com/office/drawing/2014/main" id="{536FD184-D949-DE10-1077-56DF6F706EF3}"/>
+                <a16:creationId xmlns:a16="http://schemas.microsoft.com/office/drawing/2014/main" id="{5E0FAA95-1E94-9C6D-D311-640A6FBA0449}"/>
               </a:ext>
             </a:extLst>
           </p:cNvPr>
-          <p:cNvPicPr>
-            <a:picLocks noChangeAspect="1"/>
-          </p:cNvPicPr>
+          <p:cNvSpPr txBox="1"/>
           <p:nvPr/>
-        </p:nvPicPr>
-        <p:blipFill>
-          <a:blip r:embed="rId3"/>
-          <a:stretch>
-            <a:fillRect/>
-          </a:stretch>
-        </p:blipFill>
-        <p:spPr>
-          <a:xfrm>
-            <a:off x="1052772" y="1397025"/>
-            <a:ext cx="7038455" cy="3586957"/>
-          </a:xfrm>
-          <a:prstGeom prst="rect">
-            <a:avLst/>
-          </a:prstGeom>
-        </p:spPr>
-      </p:pic>
+        </p:nvSpPr>
+        <p:spPr>
+          <a:xfrm>
+            <a:off x="4177145" y="1256384"/>
+            <a:ext cx="4572000" cy="3785652"/>
+          </a:xfrm>
+          <a:prstGeom prst="rect">
+            <a:avLst/>
+          </a:prstGeom>
+          <a:solidFill>
+            <a:schemeClr val="accent6">
+              <a:lumMod val="20000"/>
+              <a:lumOff val="80000"/>
+            </a:schemeClr>
+          </a:solidFill>
+        </p:spPr>
+        <p:txBody>
+          <a:bodyPr wrap="square">
+            <a:spAutoFit/>
+          </a:bodyPr>
+          <a:lstStyle/>
+          <a:p>
+            <a:r>
+              <a:rPr lang="en-US" sz="1000"/>
+              <a:t>package com.example.hellorestapi;</a:t>
+            </a:r>
+          </a:p>
+          <a:p>
+            <a:endParaRPr lang="en-US" sz="1000"/>
+          </a:p>
+          <a:p>
+            <a:r>
+              <a:rPr lang="en-US" sz="1000"/>
+              <a:t>import java.util.Date;</a:t>
+            </a:r>
+          </a:p>
+          <a:p>
+            <a:endParaRPr lang="en-US" sz="1000"/>
+          </a:p>
+          <a:p>
+            <a:r>
+              <a:rPr lang="en-US" sz="1000"/>
+              <a:t>public class MyResponse {</a:t>
+            </a:r>
+          </a:p>
+          <a:p>
+            <a:r>
+              <a:rPr lang="en-US" sz="1000"/>
+              <a:t>    private String message;</a:t>
+            </a:r>
+          </a:p>
+          <a:p>
+            <a:r>
+              <a:rPr lang="en-US" sz="1000"/>
+              <a:t>    private String time;</a:t>
+            </a:r>
+          </a:p>
+          <a:p>
+            <a:r>
+              <a:rPr lang="en-US" sz="1000"/>
+              <a:t>    public MyResponse(String message) {</a:t>
+            </a:r>
+          </a:p>
+          <a:p>
+            <a:r>
+              <a:rPr lang="en-US" sz="1000"/>
+              <a:t>        this.time = new Date().toString()</a:t>
+            </a:r>
+            <a:r>
+              <a:rPr lang="vi-VN" sz="1000"/>
+              <a:t>;</a:t>
+            </a:r>
+            <a:endParaRPr lang="en-US" sz="1000"/>
+          </a:p>
+          <a:p>
+            <a:r>
+              <a:rPr lang="en-US" sz="1000"/>
+              <a:t>        this.message = message;</a:t>
+            </a:r>
+          </a:p>
+          <a:p>
+            <a:r>
+              <a:rPr lang="en-US" sz="1000"/>
+              <a:t>    }</a:t>
+            </a:r>
+          </a:p>
+          <a:p>
+            <a:r>
+              <a:rPr lang="en-US" sz="1000"/>
+              <a:t>    public String getMessage() {</a:t>
+            </a:r>
+          </a:p>
+          <a:p>
+            <a:r>
+              <a:rPr lang="en-US" sz="1000"/>
+              <a:t>        return message;</a:t>
+            </a:r>
+          </a:p>
+          <a:p>
+            <a:r>
+              <a:rPr lang="en-US" sz="1000"/>
+              <a:t>    }</a:t>
+            </a:r>
+          </a:p>
+          <a:p>
+            <a:r>
+              <a:rPr lang="en-US" sz="1000"/>
+              <a:t>    public void setMessage(String message) {</a:t>
+            </a:r>
+          </a:p>
+          <a:p>
+            <a:r>
+              <a:rPr lang="en-US" sz="1000"/>
+              <a:t>        this.message = message;</a:t>
+            </a:r>
+          </a:p>
+          <a:p>
+            <a:r>
+              <a:rPr lang="en-US" sz="1000"/>
+              <a:t>    }</a:t>
+            </a:r>
+          </a:p>
+          <a:p>
+            <a:r>
+              <a:rPr lang="en-US" sz="1000"/>
+              <a:t>    public String getTime() {</a:t>
+            </a:r>
+          </a:p>
+          <a:p>
+            <a:r>
+              <a:rPr lang="en-US" sz="1000"/>
+              <a:t>        return time;</a:t>
+            </a:r>
+          </a:p>
+          <a:p>
+            <a:r>
+              <a:rPr lang="en-US" sz="1000"/>
+              <a:t>    }</a:t>
+            </a:r>
+          </a:p>
+          <a:p>
+            <a:r>
+              <a:rPr lang="en-US" sz="1000"/>
+              <a:t>    public void setTime(String time) {</a:t>
+            </a:r>
+          </a:p>
+          <a:p>
+            <a:r>
+              <a:rPr lang="en-US" sz="1000"/>
+              <a:t>        this.time = time;</a:t>
+            </a:r>
+          </a:p>
+          <a:p>
+            <a:r>
+              <a:rPr lang="en-US" sz="1000"/>
+              <a:t>    }</a:t>
+            </a:r>
+          </a:p>
+          <a:p>
+            <a:r>
+              <a:rPr lang="en-US" sz="1000"/>
+              <a:t>}</a:t>
+            </a:r>
+          </a:p>
+        </p:txBody>
+      </p:sp>
     </p:spTree>
     <p:extLst>
       <p:ext uri="{BB962C8B-B14F-4D97-AF65-F5344CB8AC3E}">
-        <p14:creationId xmlns:p14="http://schemas.microsoft.com/office/powerpoint/2010/main" val="3910088106"/>
+        <p14:creationId xmlns:p14="http://schemas.microsoft.com/office/powerpoint/2010/main" val="2599297106"/>
       </p:ext>
     </p:extLst>
   </p:cSld>
@@ -16551,17 +16042,39 @@
             </a:pPr>
             <a:r>
               <a:rPr lang="vi-VN"/>
-              <a:t>Một collection (bộ sưu tập) là một đối tượng nhóm nhiều phần tử thành một đơn vị duy nhất.</a:t>
-            </a:r>
-          </a:p>
-          <a:p>
-            <a:pPr lvl="1" indent="-342900" algn="just">
+              <a:t>API là một tập các dịch vụ sẵn có để một Lập trình viên thực hiện một số nhiệm vụ nhất định.</a:t>
+            </a:r>
+          </a:p>
+          <a:p>
+            <a:pPr marL="457200" lvl="0" indent="-342900" algn="just" rtl="0">
+              <a:spcBef>
+                <a:spcPts val="0"/>
+              </a:spcBef>
+              <a:spcAft>
+                <a:spcPts val="0"/>
+              </a:spcAft>
               <a:buSzPts val="1800"/>
               <a:buChar char="●"/>
             </a:pPr>
             <a:r>
-              <a:rPr lang="vi-VN" sz="1600"/>
-              <a:t>Bạn có thể thực hiện tất cả các thao tác như tìm kiếm, sắp xếp, chèn, thao tác, xóa, v.v. trên các tập hợp Java giống như bạn thực hiện trên dữ liệu.</a:t>
+              <a:rPr lang="vi-VN"/>
+              <a:t>Các API cho phép hai thành phần phần mềm có thể giao tiếp với nhau sử dụng một tập các giao thức và định nghĩa.</a:t>
+            </a:r>
+          </a:p>
+          <a:p>
+            <a:pPr marL="457200" lvl="0" indent="-342900" algn="just" rtl="0">
+              <a:spcBef>
+                <a:spcPts val="0"/>
+              </a:spcBef>
+              <a:spcAft>
+                <a:spcPts val="0"/>
+              </a:spcAft>
+              <a:buSzPts val="1800"/>
+              <a:buChar char="●"/>
+            </a:pPr>
+            <a:r>
+              <a:rPr lang="vi-VN"/>
+              <a:t>Các API hướng tới sử dụng bởi các Lập trình viên, không phải Người dùng cuối.</a:t>
             </a:r>
           </a:p>
         </p:txBody>
@@ -16602,12 +16115,41 @@
             </a:pPr>
             <a:r>
               <a:rPr lang="vi-VN"/>
-              <a:t>Collection là gì?</a:t>
+              <a:t>API là gì?</a:t>
             </a:r>
             <a:endParaRPr/>
           </a:p>
         </p:txBody>
       </p:sp>
+      <p:pic>
+        <p:nvPicPr>
+          <p:cNvPr id="2" name="Picture 1">
+            <a:extLst>
+              <a:ext uri="{FF2B5EF4-FFF2-40B4-BE49-F238E27FC236}">
+                <a16:creationId xmlns:a16="http://schemas.microsoft.com/office/drawing/2014/main" id="{6CA4E440-9A48-F12C-3E83-F0F9731AA63B}"/>
+              </a:ext>
+            </a:extLst>
+          </p:cNvPr>
+          <p:cNvPicPr>
+            <a:picLocks noChangeAspect="1"/>
+          </p:cNvPicPr>
+          <p:nvPr/>
+        </p:nvPicPr>
+        <p:blipFill rotWithShape="1">
+          <a:blip r:embed="rId3"/>
+          <a:srcRect t="24852" b="22603"/>
+          <a:stretch/>
+        </p:blipFill>
+        <p:spPr>
+          <a:xfrm>
+            <a:off x="1261998" y="2957944"/>
+            <a:ext cx="6620004" cy="2015837"/>
+          </a:xfrm>
+          <a:prstGeom prst="rect">
+            <a:avLst/>
+          </a:prstGeom>
+        </p:spPr>
+      </p:pic>
     </p:spTree>
     <p:extLst>
       <p:ext uri="{BB962C8B-B14F-4D97-AF65-F5344CB8AC3E}">
@@ -16675,78 +16217,7 @@
             </a:pPr>
             <a:r>
               <a:rPr lang="vi-VN"/>
-              <a:t>HashMap:</a:t>
-            </a:r>
-          </a:p>
-          <a:p>
-            <a:pPr lvl="1" indent="-342900" algn="just">
-              <a:buSzPts val="1800"/>
-              <a:buChar char="●"/>
-            </a:pPr>
-            <a:r>
-              <a:rPr lang="vi-VN" sz="1600"/>
-              <a:t>Các key là một set - duy nhất, không có thứ tự</a:t>
-            </a:r>
-          </a:p>
-          <a:p>
-            <a:pPr lvl="1" indent="-342900" algn="just">
-              <a:buSzPts val="1800"/>
-              <a:buChar char="●"/>
-            </a:pPr>
-            <a:r>
-              <a:rPr lang="vi-VN" sz="1600"/>
-              <a:t>Nhanh	</a:t>
-            </a:r>
-          </a:p>
-          <a:p>
-            <a:pPr algn="just"/>
-            <a:r>
-              <a:rPr lang="vi-VN" sz="2000"/>
-              <a:t>TreeMap:</a:t>
-            </a:r>
-          </a:p>
-          <a:p>
-            <a:pPr lvl="1" indent="-342900" algn="just">
-              <a:buSzPts val="1800"/>
-              <a:buFont typeface="Proxima Nova"/>
-              <a:buChar char="●"/>
-            </a:pPr>
-            <a:r>
-              <a:rPr lang="vi-VN" sz="1600"/>
-              <a:t>Các key là một set - duy nhất, được sắp xếp</a:t>
-            </a:r>
-          </a:p>
-          <a:p>
-            <a:pPr lvl="1" indent="-342900" algn="just">
-              <a:buSzPts val="1800"/>
-              <a:buFont typeface="Proxima Nova"/>
-              <a:buChar char="●"/>
-            </a:pPr>
-            <a:r>
-              <a:rPr lang="vi-VN" sz="1600"/>
-              <a:t>Các tùy chọn tương tự để sắp xếp dưới dạng TreeSet</a:t>
-            </a:r>
-          </a:p>
-          <a:p>
-            <a:pPr lvl="2" indent="-342900" algn="just">
-              <a:buSzPts val="1800"/>
-              <a:buFont typeface="Proxima Nova"/>
-              <a:buChar char="●"/>
-            </a:pPr>
-            <a:r>
-              <a:rPr lang="vi-VN" sz="1600"/>
-              <a:t>Thứ tự tự nhiên (Comparable, compareTo(Object))</a:t>
-            </a:r>
-          </a:p>
-          <a:p>
-            <a:pPr lvl="2" indent="-342900" algn="just">
-              <a:buSzPts val="1800"/>
-              <a:buFont typeface="Proxima Nova"/>
-              <a:buChar char="●"/>
-            </a:pPr>
-            <a:r>
-              <a:rPr lang="vi-VN" sz="1600"/>
-              <a:t>Thứ tự đặc biệt (Comparator, compare(Object, Object))</a:t>
+              <a:t>Trả về đối tượng response trong RET API</a:t>
             </a:r>
           </a:p>
         </p:txBody>
@@ -16787,16 +16258,146 @@
             </a:pPr>
             <a:r>
               <a:rPr lang="vi-VN"/>
-              <a:t>HashMap và TreeMap </a:t>
+              <a:t>Dự án Spring Boot: HelloWorld</a:t>
             </a:r>
             <a:endParaRPr/>
           </a:p>
         </p:txBody>
       </p:sp>
+      <p:sp>
+        <p:nvSpPr>
+          <p:cNvPr id="3" name="TextBox 2">
+            <a:extLst>
+              <a:ext uri="{FF2B5EF4-FFF2-40B4-BE49-F238E27FC236}">
+                <a16:creationId xmlns:a16="http://schemas.microsoft.com/office/drawing/2014/main" id="{8AB5B72C-F9B7-8D0B-DF0D-CE0990EB22C9}"/>
+              </a:ext>
+            </a:extLst>
+          </p:cNvPr>
+          <p:cNvSpPr txBox="1"/>
+          <p:nvPr/>
+        </p:nvSpPr>
+        <p:spPr>
+          <a:xfrm>
+            <a:off x="900544" y="1602254"/>
+            <a:ext cx="6338455" cy="1938992"/>
+          </a:xfrm>
+          <a:prstGeom prst="rect">
+            <a:avLst/>
+          </a:prstGeom>
+          <a:solidFill>
+            <a:schemeClr val="accent6">
+              <a:lumMod val="20000"/>
+              <a:lumOff val="80000"/>
+            </a:schemeClr>
+          </a:solidFill>
+        </p:spPr>
+        <p:txBody>
+          <a:bodyPr wrap="square">
+            <a:spAutoFit/>
+          </a:bodyPr>
+          <a:lstStyle/>
+          <a:p>
+            <a:r>
+              <a:rPr lang="en-US" sz="1000"/>
+              <a:t>package com.example.hellorestapi;</a:t>
+            </a:r>
+          </a:p>
+          <a:p>
+            <a:endParaRPr lang="en-US" sz="1000"/>
+          </a:p>
+          <a:p>
+            <a:r>
+              <a:rPr lang="en-US" sz="1000"/>
+              <a:t>import org.springframework.web.bind.annotation.GetMapping;</a:t>
+            </a:r>
+          </a:p>
+          <a:p>
+            <a:r>
+              <a:rPr lang="en-US" sz="1000"/>
+              <a:t>import org.springframework.web.bind.annotation.RestController;</a:t>
+            </a:r>
+          </a:p>
+          <a:p>
+            <a:endParaRPr lang="en-US" sz="1000"/>
+          </a:p>
+          <a:p>
+            <a:r>
+              <a:rPr lang="en-US" sz="1000"/>
+              <a:t>@RestController</a:t>
+            </a:r>
+          </a:p>
+          <a:p>
+            <a:r>
+              <a:rPr lang="en-US" sz="1000"/>
+              <a:t>public class DemoAPIController {</a:t>
+            </a:r>
+          </a:p>
+          <a:p>
+            <a:r>
+              <a:rPr lang="en-US" sz="1000"/>
+              <a:t>    @GetMapping("/api/hello")</a:t>
+            </a:r>
+          </a:p>
+          <a:p>
+            <a:r>
+              <a:rPr lang="en-US" sz="1000"/>
+              <a:t>    public MyResponse hello(){</a:t>
+            </a:r>
+          </a:p>
+          <a:p>
+            <a:r>
+              <a:rPr lang="en-US" sz="1000"/>
+              <a:t>        return new MyResponse("Hello World from Spring Boot project with REST API");</a:t>
+            </a:r>
+          </a:p>
+          <a:p>
+            <a:r>
+              <a:rPr lang="en-US" sz="1000"/>
+              <a:t>    }</a:t>
+            </a:r>
+          </a:p>
+          <a:p>
+            <a:r>
+              <a:rPr lang="en-US" sz="1000"/>
+              <a:t>}</a:t>
+            </a:r>
+          </a:p>
+        </p:txBody>
+      </p:sp>
+      <p:pic>
+        <p:nvPicPr>
+          <p:cNvPr id="6" name="Picture 5">
+            <a:extLst>
+              <a:ext uri="{FF2B5EF4-FFF2-40B4-BE49-F238E27FC236}">
+                <a16:creationId xmlns:a16="http://schemas.microsoft.com/office/drawing/2014/main" id="{34CA8800-0EC8-3316-8C8E-861E8CE1F3C4}"/>
+              </a:ext>
+            </a:extLst>
+          </p:cNvPr>
+          <p:cNvPicPr>
+            <a:picLocks noChangeAspect="1"/>
+          </p:cNvPicPr>
+          <p:nvPr/>
+        </p:nvPicPr>
+        <p:blipFill>
+          <a:blip r:embed="rId3"/>
+          <a:stretch>
+            <a:fillRect/>
+          </a:stretch>
+        </p:blipFill>
+        <p:spPr>
+          <a:xfrm>
+            <a:off x="2438400" y="3254710"/>
+            <a:ext cx="6705600" cy="1888790"/>
+          </a:xfrm>
+          <a:prstGeom prst="rect">
+            <a:avLst/>
+          </a:prstGeom>
+        </p:spPr>
+      </p:pic>
     </p:spTree>
     <p:extLst>
       <p:ext uri="{BB962C8B-B14F-4D97-AF65-F5344CB8AC3E}">
-        <p14:creationId xmlns:p14="http://schemas.microsoft.com/office/powerpoint/2010/main" val="834436043"/>
+        <p14:creationId xmlns:p14="http://schemas.microsoft.com/office/powerpoint/2010/main" val="3968939841"/>
       </p:ext>
     </p:extLst>
   </p:cSld>
@@ -16811,7 +16412,7 @@
   <p:cSld>
     <p:spTree>
       <p:nvGrpSpPr>
-        <p:cNvPr id="1" name="Shape 72"/>
+        <p:cNvPr id="1" name="Shape 66"/>
         <p:cNvGrpSpPr/>
         <p:nvPr/>
       </p:nvGrpSpPr>
@@ -16825,33 +16426,142 @@
       </p:grpSpPr>
       <p:sp>
         <p:nvSpPr>
-          <p:cNvPr id="73" name="Google Shape;73;p15"/>
+          <p:cNvPr id="67" name="Google Shape;67;p14"/>
           <p:cNvSpPr txBox="1">
             <a:spLocks noGrp="1"/>
           </p:cNvSpPr>
           <p:nvPr>
-            <p:ph type="title"/>
-          </p:nvPr>
-        </p:nvSpPr>
-        <p:spPr>
-          <a:xfrm>
-            <a:off x="490250" y="517961"/>
-            <a:ext cx="5683800" cy="4090800"/>
+            <p:ph type="body" idx="1"/>
+          </p:nvPr>
+        </p:nvSpPr>
+        <p:spPr>
+          <a:xfrm>
+            <a:off x="311700" y="1152475"/>
+            <a:ext cx="8520600" cy="3416400"/>
           </a:xfrm>
           <a:prstGeom prst="rect">
             <a:avLst/>
           </a:prstGeom>
         </p:spPr>
         <p:txBody>
-          <a:bodyPr spcFirstLastPara="1" wrap="square" lIns="91425" tIns="91425" rIns="91425" bIns="91425" anchor="ctr" anchorCtr="0">
+          <a:bodyPr spcFirstLastPara="1" wrap="square" lIns="91425" tIns="91425" rIns="91425" bIns="91425" anchor="t" anchorCtr="0">
             <a:normAutofit/>
           </a:bodyPr>
           <a:lstStyle/>
           <a:p>
+            <a:pPr marL="457200" lvl="0" indent="-342900" algn="just" rtl="0">
+              <a:spcBef>
+                <a:spcPts val="0"/>
+              </a:spcBef>
+              <a:spcAft>
+                <a:spcPts val="0"/>
+              </a:spcAft>
+              <a:buSzPts val="1800"/>
+              <a:buChar char="●"/>
+            </a:pPr>
+            <a:r>
+              <a:rPr lang="vi-VN"/>
+              <a:t>Tổng quát lại dự án đầu tiên:</a:t>
+            </a:r>
+          </a:p>
+          <a:p>
+            <a:pPr lvl="1" indent="-342900" algn="just">
+              <a:buSzPts val="1800"/>
+              <a:buChar char="●"/>
+            </a:pPr>
+            <a:r>
+              <a:rPr lang="vi-VN"/>
+              <a:t>Phụ thuộc tối thiểu cần có: spring-boot-starter-web </a:t>
+            </a:r>
+          </a:p>
+          <a:p>
+            <a:pPr lvl="1" indent="-342900" algn="just">
+              <a:buSzPts val="1800"/>
+              <a:buChar char="●"/>
+            </a:pPr>
+            <a:r>
+              <a:rPr lang="vi-VN"/>
+              <a:t>@RestController</a:t>
+            </a:r>
+          </a:p>
+          <a:p>
+            <a:pPr lvl="2" indent="-342900" algn="just">
+              <a:buSzPts val="1800"/>
+              <a:buChar char="●"/>
+            </a:pPr>
+            <a:r>
+              <a:rPr lang="vi-VN"/>
+              <a:t>Phát dấu hiệu đây là REST Webservice Controller</a:t>
+            </a:r>
+          </a:p>
+          <a:p>
+            <a:pPr lvl="2" indent="-342900" algn="just">
+              <a:buSzPts val="1800"/>
+              <a:buChar char="●"/>
+            </a:pPr>
+            <a:r>
+              <a:rPr lang="vi-VN"/>
+              <a:t>Giá trị trả về của phương thức sẽ được liên kết trực tiếp với response</a:t>
+            </a:r>
+          </a:p>
+          <a:p>
+            <a:pPr lvl="1" indent="-342900" algn="just">
+              <a:buSzPts val="1800"/>
+              <a:buChar char="●"/>
+            </a:pPr>
+            <a:r>
+              <a:rPr lang="vi-VN"/>
+              <a:t>@GetMapping: chỉ định phương thức xử lý sẽ chỉ xử lý các yêu cầu HTTP GET</a:t>
+            </a:r>
+          </a:p>
+          <a:p>
+            <a:pPr lvl="1" indent="-342900" algn="just">
+              <a:buSzPts val="1800"/>
+              <a:buChar char="●"/>
+            </a:pPr>
+            <a:r>
+              <a:rPr lang="vi-VN"/>
+              <a:t>Đối tượng được phương thức xử lý trả về sẽ tự động được tuần tự hóa thành JSON và được chuyển trở lại đối tượng HttpResponse</a:t>
+            </a:r>
+          </a:p>
+          <a:p>
+            <a:pPr lvl="1" indent="-342900" algn="just">
+              <a:buSzPts val="1800"/>
+              <a:buChar char="●"/>
+            </a:pPr>
+            <a:r>
+              <a:rPr lang="vi-VN"/>
+              <a:t>Mã trạng thái HTTP mặc định là 200 OK (không xảy ra lỗi)</a:t>
+            </a:r>
+          </a:p>
+        </p:txBody>
+      </p:sp>
+      <p:sp>
+        <p:nvSpPr>
+          <p:cNvPr id="68" name="Google Shape;68;p14"/>
+          <p:cNvSpPr txBox="1">
+            <a:spLocks noGrp="1"/>
+          </p:cNvSpPr>
+          <p:nvPr>
+            <p:ph type="title"/>
+          </p:nvPr>
+        </p:nvSpPr>
+        <p:spPr>
+          <a:xfrm>
+            <a:off x="311700" y="445025"/>
+            <a:ext cx="8520600" cy="572700"/>
+          </a:xfrm>
+          <a:prstGeom prst="rect">
+            <a:avLst/>
+          </a:prstGeom>
+        </p:spPr>
+        <p:txBody>
+          <a:bodyPr spcFirstLastPara="1" wrap="square" lIns="91425" tIns="91425" rIns="91425" bIns="91425" anchor="t" anchorCtr="0">
+            <a:normAutofit fontScale="90000"/>
+          </a:bodyPr>
+          <a:lstStyle/>
+          <a:p>
             <a:pPr marL="0" lvl="0" indent="0" algn="l" rtl="0">
-              <a:lnSpc>
-                <a:spcPct val="115000"/>
-              </a:lnSpc>
               <a:spcBef>
                 <a:spcPts val="0"/>
               </a:spcBef>
@@ -16862,7 +16572,7 @@
             </a:pPr>
             <a:r>
               <a:rPr lang="vi-VN"/>
-              <a:t>Các công cụ tiện ích</a:t>
+              <a:t>Dự án Spring Boot: HelloWorld</a:t>
             </a:r>
             <a:endParaRPr/>
           </a:p>
@@ -16871,7 +16581,7 @@
     </p:spTree>
     <p:extLst>
       <p:ext uri="{BB962C8B-B14F-4D97-AF65-F5344CB8AC3E}">
-        <p14:creationId xmlns:p14="http://schemas.microsoft.com/office/powerpoint/2010/main" val="2948773393"/>
+        <p14:creationId xmlns:p14="http://schemas.microsoft.com/office/powerpoint/2010/main" val="2432336031"/>
       </p:ext>
     </p:extLst>
   </p:cSld>
@@ -16934,8 +16644,8 @@
               <a:buChar char="●"/>
             </a:pPr>
             <a:r>
-              <a:rPr lang="vi-VN" sz="2000"/>
-              <a:t>Bulk Operations: Các hoạt động trên các collection có số lượng phần tử lớn.</a:t>
+              <a:rPr lang="vi-VN"/>
+              <a:t>URI Endpoint: /api/unit-conversion</a:t>
             </a:r>
           </a:p>
           <a:p>
@@ -16951,7 +16661,78 @@
             </a:pPr>
             <a:r>
               <a:rPr lang="vi-VN"/>
-              <a:t>Các phương thức thao tác gồm:</a:t>
+              <a:t>Phương thức yêu cầu: POST</a:t>
+            </a:r>
+          </a:p>
+          <a:p>
+            <a:pPr marL="457200" lvl="0" indent="-342900" algn="just" rtl="0">
+              <a:spcBef>
+                <a:spcPts val="0"/>
+              </a:spcBef>
+              <a:spcAft>
+                <a:spcPts val="0"/>
+              </a:spcAft>
+              <a:buSzPts val="1800"/>
+              <a:buChar char="●"/>
+            </a:pPr>
+            <a:r>
+              <a:rPr lang="vi-VN"/>
+              <a:t>Yêu cầu:</a:t>
+            </a:r>
+          </a:p>
+          <a:p>
+            <a:pPr marL="457200" lvl="0" indent="-342900" algn="just" rtl="0">
+              <a:spcBef>
+                <a:spcPts val="0"/>
+              </a:spcBef>
+              <a:spcAft>
+                <a:spcPts val="0"/>
+              </a:spcAft>
+              <a:buSzPts val="1800"/>
+              <a:buChar char="●"/>
+            </a:pPr>
+            <a:endParaRPr lang="vi-VN"/>
+          </a:p>
+          <a:p>
+            <a:pPr marL="457200" lvl="0" indent="-342900" algn="just" rtl="0">
+              <a:spcBef>
+                <a:spcPts val="0"/>
+              </a:spcBef>
+              <a:spcAft>
+                <a:spcPts val="0"/>
+              </a:spcAft>
+              <a:buSzPts val="1800"/>
+              <a:buChar char="●"/>
+            </a:pPr>
+            <a:endParaRPr lang="vi-VN"/>
+          </a:p>
+          <a:p>
+            <a:pPr marL="457200" lvl="0" indent="-342900" algn="just" rtl="0">
+              <a:spcBef>
+                <a:spcPts val="0"/>
+              </a:spcBef>
+              <a:spcAft>
+                <a:spcPts val="0"/>
+              </a:spcAft>
+              <a:buSzPts val="1800"/>
+              <a:buChar char="●"/>
+            </a:pPr>
+            <a:endParaRPr lang="vi-VN"/>
+          </a:p>
+          <a:p>
+            <a:pPr marL="457200" lvl="0" indent="-342900" algn="just" rtl="0">
+              <a:spcBef>
+                <a:spcPts val="0"/>
+              </a:spcBef>
+              <a:spcAft>
+                <a:spcPts val="0"/>
+              </a:spcAft>
+              <a:buSzPts val="1800"/>
+              <a:buChar char="●"/>
+            </a:pPr>
+            <a:r>
+              <a:rPr lang="vi-VN"/>
+              <a:t>Phản hồi:</a:t>
             </a:r>
           </a:p>
           <a:p>
@@ -16960,70 +16741,13 @@
               <a:buChar char="●"/>
             </a:pPr>
             <a:r>
-              <a:rPr lang="en-US" sz="1600"/>
-              <a:t>boolean containsAll(Collection c);</a:t>
-            </a:r>
-          </a:p>
-          <a:p>
-            <a:pPr lvl="1" indent="-342900" algn="just">
-              <a:buSzPts val="1800"/>
-              <a:buChar char="●"/>
-            </a:pPr>
-            <a:r>
-              <a:rPr lang="en-US" sz="1600"/>
-              <a:t>boolean addAll(Collection c);    // Optional</a:t>
-            </a:r>
-          </a:p>
-          <a:p>
-            <a:pPr lvl="1" indent="-342900" algn="just">
-              <a:buSzPts val="1800"/>
-              <a:buChar char="●"/>
-            </a:pPr>
-            <a:r>
-              <a:rPr lang="en-US" sz="1600"/>
-              <a:t>boolean removeAll(Collection c); // Optional</a:t>
-            </a:r>
-          </a:p>
-          <a:p>
-            <a:pPr lvl="1" indent="-342900" algn="just">
-              <a:buSzPts val="1800"/>
-              <a:buChar char="●"/>
-            </a:pPr>
-            <a:r>
-              <a:rPr lang="en-US" sz="1600"/>
-              <a:t>boolean retainAll(Collection c); // Optional</a:t>
-            </a:r>
-          </a:p>
-          <a:p>
-            <a:pPr lvl="1" indent="-342900" algn="just">
-              <a:buSzPts val="1800"/>
-              <a:buChar char="●"/>
-            </a:pPr>
-            <a:r>
-              <a:rPr lang="en-US" sz="1600"/>
-              <a:t>void clear();                    // Optional</a:t>
-            </a:r>
-          </a:p>
-          <a:p>
-            <a:pPr lvl="1" indent="-342900" algn="just">
-              <a:buSzPts val="1800"/>
-              <a:buChar char="●"/>
-            </a:pPr>
-            <a:r>
-              <a:rPr lang="en-US" sz="1600"/>
-              <a:t>Object[] toArray();</a:t>
-            </a:r>
-          </a:p>
-          <a:p>
-            <a:pPr lvl="1" indent="-342900" algn="just">
-              <a:buSzPts val="1800"/>
-              <a:buChar char="●"/>
-            </a:pPr>
-            <a:r>
-              <a:rPr lang="en-US" sz="1600"/>
-              <a:t>Object[] toArray(Object a[]);</a:t>
-            </a:r>
-            <a:endParaRPr lang="vi-VN" sz="1600"/>
+              <a:rPr lang="vi-VN" sz="1600"/>
+              <a:t>Mã trạng thái: 200 OK</a:t>
+            </a:r>
+          </a:p>
+          <a:p>
+            <a:pPr algn="just"/>
+            <a:endParaRPr lang="vi-VN" sz="2000"/>
           </a:p>
         </p:txBody>
       </p:sp>
@@ -17063,331 +16787,83 @@
             </a:pPr>
             <a:r>
               <a:rPr lang="vi-VN"/>
-              <a:t>Bulk Operations</a:t>
+              <a:t>Dự án Spring Boot: UnitConversion</a:t>
             </a:r>
             <a:endParaRPr/>
+          </a:p>
+        </p:txBody>
+      </p:sp>
+      <p:sp>
+        <p:nvSpPr>
+          <p:cNvPr id="3" name="TextBox 2">
+            <a:extLst>
+              <a:ext uri="{FF2B5EF4-FFF2-40B4-BE49-F238E27FC236}">
+                <a16:creationId xmlns:a16="http://schemas.microsoft.com/office/drawing/2014/main" id="{88E7827A-CFB3-DF57-0A9D-44FF71ED1899}"/>
+              </a:ext>
+            </a:extLst>
+          </p:cNvPr>
+          <p:cNvSpPr txBox="1"/>
+          <p:nvPr/>
+        </p:nvSpPr>
+        <p:spPr>
+          <a:xfrm>
+            <a:off x="2202873" y="1954071"/>
+            <a:ext cx="2057400" cy="1046440"/>
+          </a:xfrm>
+          <a:prstGeom prst="rect">
+            <a:avLst/>
+          </a:prstGeom>
+          <a:solidFill>
+            <a:schemeClr val="accent6">
+              <a:lumMod val="20000"/>
+              <a:lumOff val="80000"/>
+            </a:schemeClr>
+          </a:solidFill>
+        </p:spPr>
+        <p:txBody>
+          <a:bodyPr wrap="square">
+            <a:spAutoFit/>
+          </a:bodyPr>
+          <a:lstStyle/>
+          <a:p>
+            <a:r>
+              <a:rPr lang="en-US" sz="1200"/>
+              <a:t>{</a:t>
+            </a:r>
+          </a:p>
+          <a:p>
+            <a:pPr lvl="1"/>
+            <a:r>
+              <a:rPr lang="en-US" sz="1200"/>
+              <a:t>"fromUnit": "km",</a:t>
+            </a:r>
+          </a:p>
+          <a:p>
+            <a:pPr lvl="1"/>
+            <a:r>
+              <a:rPr lang="en-US" sz="1200"/>
+              <a:t>"fromValue": 100,</a:t>
+            </a:r>
+          </a:p>
+          <a:p>
+            <a:pPr lvl="1"/>
+            <a:r>
+              <a:rPr lang="en-US" sz="1200"/>
+              <a:t>"toUnit": "mile"</a:t>
+            </a:r>
+          </a:p>
+          <a:p>
+            <a:r>
+              <a:rPr lang="en-US" sz="1200"/>
+              <a:t>}</a:t>
+            </a:r>
           </a:p>
         </p:txBody>
       </p:sp>
     </p:spTree>
     <p:extLst>
       <p:ext uri="{BB962C8B-B14F-4D97-AF65-F5344CB8AC3E}">
-        <p14:creationId xmlns:p14="http://schemas.microsoft.com/office/powerpoint/2010/main" val="3715532059"/>
-      </p:ext>
-    </p:extLst>
-  </p:cSld>
-  <p:clrMapOvr>
-    <a:masterClrMapping/>
-  </p:clrMapOvr>
-</p:sld>
-</file>
-
-<file path=ppt/slides/slide43.xml><?xml version="1.0" encoding="utf-8"?>
-<p:sld xmlns:a="http://schemas.openxmlformats.org/drawingml/2006/main" xmlns:r="http://schemas.openxmlformats.org/officeDocument/2006/relationships" xmlns:p="http://schemas.openxmlformats.org/presentationml/2006/main">
-  <p:cSld>
-    <p:spTree>
-      <p:nvGrpSpPr>
-        <p:cNvPr id="1" name="Shape 66"/>
-        <p:cNvGrpSpPr/>
-        <p:nvPr/>
-      </p:nvGrpSpPr>
-      <p:grpSpPr>
-        <a:xfrm>
-          <a:off x="0" y="0"/>
-          <a:ext cx="0" cy="0"/>
-          <a:chOff x="0" y="0"/>
-          <a:chExt cx="0" cy="0"/>
-        </a:xfrm>
-      </p:grpSpPr>
-      <p:sp>
-        <p:nvSpPr>
-          <p:cNvPr id="68" name="Google Shape;68;p14"/>
-          <p:cNvSpPr txBox="1">
-            <a:spLocks noGrp="1"/>
-          </p:cNvSpPr>
-          <p:nvPr>
-            <p:ph type="title"/>
-          </p:nvPr>
-        </p:nvSpPr>
-        <p:spPr>
-          <a:xfrm>
-            <a:off x="311700" y="445025"/>
-            <a:ext cx="8520600" cy="572700"/>
-          </a:xfrm>
-          <a:prstGeom prst="rect">
-            <a:avLst/>
-          </a:prstGeom>
-        </p:spPr>
-        <p:txBody>
-          <a:bodyPr spcFirstLastPara="1" wrap="square" lIns="91425" tIns="91425" rIns="91425" bIns="91425" anchor="t" anchorCtr="0">
-            <a:normAutofit fontScale="90000"/>
-          </a:bodyPr>
-          <a:lstStyle/>
-          <a:p>
-            <a:pPr marL="0" lvl="0" indent="0" algn="l" rtl="0">
-              <a:spcBef>
-                <a:spcPts val="0"/>
-              </a:spcBef>
-              <a:spcAft>
-                <a:spcPts val="0"/>
-              </a:spcAft>
-              <a:buNone/>
-            </a:pPr>
-            <a:r>
-              <a:rPr lang="vi-VN"/>
-              <a:t>Các công cụ tiện ích</a:t>
-            </a:r>
-            <a:endParaRPr/>
-          </a:p>
-        </p:txBody>
-      </p:sp>
-      <p:pic>
-        <p:nvPicPr>
-          <p:cNvPr id="4" name="Picture 3">
-            <a:extLst>
-              <a:ext uri="{FF2B5EF4-FFF2-40B4-BE49-F238E27FC236}">
-                <a16:creationId xmlns:a16="http://schemas.microsoft.com/office/drawing/2014/main" id="{861CB880-08E1-60F1-F462-4183ACA362AD}"/>
-              </a:ext>
-            </a:extLst>
-          </p:cNvPr>
-          <p:cNvPicPr>
-            <a:picLocks noChangeAspect="1"/>
-          </p:cNvPicPr>
-          <p:nvPr/>
-        </p:nvPicPr>
-        <p:blipFill>
-          <a:blip r:embed="rId3"/>
-          <a:stretch>
-            <a:fillRect/>
-          </a:stretch>
-        </p:blipFill>
-        <p:spPr>
-          <a:xfrm>
-            <a:off x="1209065" y="1360552"/>
-            <a:ext cx="6725869" cy="3692005"/>
-          </a:xfrm>
-          <a:prstGeom prst="rect">
-            <a:avLst/>
-          </a:prstGeom>
-        </p:spPr>
-      </p:pic>
-    </p:spTree>
-    <p:extLst>
-      <p:ext uri="{BB962C8B-B14F-4D97-AF65-F5344CB8AC3E}">
-        <p14:creationId xmlns:p14="http://schemas.microsoft.com/office/powerpoint/2010/main" val="2658780696"/>
-      </p:ext>
-    </p:extLst>
-  </p:cSld>
-  <p:clrMapOvr>
-    <a:masterClrMapping/>
-  </p:clrMapOvr>
-</p:sld>
-</file>
-
-<file path=ppt/slides/slide44.xml><?xml version="1.0" encoding="utf-8"?>
-<p:sld xmlns:a="http://schemas.openxmlformats.org/drawingml/2006/main" xmlns:r="http://schemas.openxmlformats.org/officeDocument/2006/relationships" xmlns:p="http://schemas.openxmlformats.org/presentationml/2006/main">
-  <p:cSld>
-    <p:spTree>
-      <p:nvGrpSpPr>
-        <p:cNvPr id="1" name="Shape 66"/>
-        <p:cNvGrpSpPr/>
-        <p:nvPr/>
-      </p:nvGrpSpPr>
-      <p:grpSpPr>
-        <a:xfrm>
-          <a:off x="0" y="0"/>
-          <a:ext cx="0" cy="0"/>
-          <a:chOff x="0" y="0"/>
-          <a:chExt cx="0" cy="0"/>
-        </a:xfrm>
-      </p:grpSpPr>
-      <p:sp>
-        <p:nvSpPr>
-          <p:cNvPr id="67" name="Google Shape;67;p14"/>
-          <p:cNvSpPr txBox="1">
-            <a:spLocks noGrp="1"/>
-          </p:cNvSpPr>
-          <p:nvPr>
-            <p:ph type="body" idx="1"/>
-          </p:nvPr>
-        </p:nvSpPr>
-        <p:spPr>
-          <a:xfrm>
-            <a:off x="311700" y="1152475"/>
-            <a:ext cx="8520600" cy="3416400"/>
-          </a:xfrm>
-          <a:prstGeom prst="rect">
-            <a:avLst/>
-          </a:prstGeom>
-        </p:spPr>
-        <p:txBody>
-          <a:bodyPr spcFirstLastPara="1" wrap="square" lIns="91425" tIns="91425" rIns="91425" bIns="91425" anchor="t" anchorCtr="0">
-            <a:normAutofit/>
-          </a:bodyPr>
-          <a:lstStyle/>
-          <a:p>
-            <a:pPr marL="457200" lvl="0" indent="-342900" algn="just" rtl="0">
-              <a:spcBef>
-                <a:spcPts val="0"/>
-              </a:spcBef>
-              <a:spcAft>
-                <a:spcPts val="0"/>
-              </a:spcAft>
-              <a:buSzPts val="1800"/>
-              <a:buChar char="●"/>
-            </a:pPr>
-            <a:r>
-              <a:rPr lang="vi-VN" sz="2000"/>
-              <a:t>Lớp Collections cung cấp một số phương thức tĩnh cho các thuật toán cơ bản</a:t>
-            </a:r>
-          </a:p>
-          <a:p>
-            <a:pPr marL="457200" lvl="0" indent="-342900" algn="just" rtl="0">
-              <a:spcBef>
-                <a:spcPts val="0"/>
-              </a:spcBef>
-              <a:spcAft>
-                <a:spcPts val="0"/>
-              </a:spcAft>
-              <a:buSzPts val="1800"/>
-              <a:buChar char="●"/>
-            </a:pPr>
-            <a:r>
-              <a:rPr lang="vi-VN" sz="2000"/>
-              <a:t>Hầu hết hoạt động trên Danh sách, một số trên tất cả Bộ sưu tập</a:t>
-            </a:r>
-          </a:p>
-          <a:p>
-            <a:pPr lvl="1" indent="-342900" algn="just">
-              <a:buSzPts val="1800"/>
-              <a:buChar char="●"/>
-            </a:pPr>
-            <a:r>
-              <a:rPr lang="en-US" sz="1600"/>
-              <a:t>Sort, Search, Shuffle</a:t>
-            </a:r>
-          </a:p>
-          <a:p>
-            <a:pPr lvl="1" indent="-342900" algn="just">
-              <a:buSzPts val="1800"/>
-              <a:buChar char="●"/>
-            </a:pPr>
-            <a:r>
-              <a:rPr lang="en-US" sz="1600"/>
-              <a:t>Reverse, fill, copy</a:t>
-            </a:r>
-          </a:p>
-          <a:p>
-            <a:pPr lvl="1" indent="-342900" algn="just">
-              <a:buSzPts val="1800"/>
-              <a:buChar char="●"/>
-            </a:pPr>
-            <a:r>
-              <a:rPr lang="en-US" sz="1600"/>
-              <a:t>Min, max</a:t>
-            </a:r>
-          </a:p>
-          <a:p>
-            <a:pPr marL="457200" lvl="0" indent="-342900" algn="just" rtl="0">
-              <a:spcBef>
-                <a:spcPts val="0"/>
-              </a:spcBef>
-              <a:spcAft>
-                <a:spcPts val="0"/>
-              </a:spcAft>
-              <a:buSzPts val="1800"/>
-              <a:buChar char="●"/>
-            </a:pPr>
-            <a:r>
-              <a:rPr lang="vi-VN" sz="2000"/>
-              <a:t>Lớp Wrapper:</a:t>
-            </a:r>
-          </a:p>
-          <a:p>
-            <a:pPr lvl="1" indent="-342900" algn="just">
-              <a:buSzPts val="1800"/>
-              <a:buChar char="●"/>
-            </a:pPr>
-            <a:r>
-              <a:rPr lang="vi-VN" altLang="en-US" sz="1600"/>
-              <a:t>Các </a:t>
-            </a:r>
-            <a:r>
-              <a:rPr lang="en-US" altLang="en-US" sz="1600"/>
-              <a:t>Collection, List, Set</a:t>
-            </a:r>
-            <a:r>
-              <a:rPr lang="vi-VN" sz="1600"/>
-              <a:t>, v.v. được đồng bộ hóa</a:t>
-            </a:r>
-          </a:p>
-          <a:p>
-            <a:pPr lvl="1" indent="-342900" algn="just">
-              <a:buSzPts val="1800"/>
-              <a:buChar char="●"/>
-            </a:pPr>
-            <a:r>
-              <a:rPr lang="vi-VN" altLang="en-US" sz="1600"/>
-              <a:t>Các </a:t>
-            </a:r>
-            <a:r>
-              <a:rPr lang="en-US" altLang="en-US" sz="1600"/>
-              <a:t>Collection, List, Set</a:t>
-            </a:r>
-            <a:r>
-              <a:rPr lang="vi-VN" sz="1600"/>
-              <a:t> v.v. không thể sửa đổi</a:t>
-            </a:r>
-            <a:endParaRPr lang="vi-VN" sz="1200"/>
-          </a:p>
-        </p:txBody>
-      </p:sp>
-      <p:sp>
-        <p:nvSpPr>
-          <p:cNvPr id="68" name="Google Shape;68;p14"/>
-          <p:cNvSpPr txBox="1">
-            <a:spLocks noGrp="1"/>
-          </p:cNvSpPr>
-          <p:nvPr>
-            <p:ph type="title"/>
-          </p:nvPr>
-        </p:nvSpPr>
-        <p:spPr>
-          <a:xfrm>
-            <a:off x="311700" y="445025"/>
-            <a:ext cx="8520600" cy="572700"/>
-          </a:xfrm>
-          <a:prstGeom prst="rect">
-            <a:avLst/>
-          </a:prstGeom>
-        </p:spPr>
-        <p:txBody>
-          <a:bodyPr spcFirstLastPara="1" wrap="square" lIns="91425" tIns="91425" rIns="91425" bIns="91425" anchor="t" anchorCtr="0">
-            <a:normAutofit fontScale="90000"/>
-          </a:bodyPr>
-          <a:lstStyle/>
-          <a:p>
-            <a:pPr marL="0" lvl="0" indent="0" algn="l" rtl="0">
-              <a:spcBef>
-                <a:spcPts val="0"/>
-              </a:spcBef>
-              <a:spcAft>
-                <a:spcPts val="0"/>
-              </a:spcAft>
-              <a:buNone/>
-            </a:pPr>
-            <a:r>
-              <a:rPr lang="vi-VN"/>
-              <a:t>Các công cụ tiện ích</a:t>
-            </a:r>
-            <a:endParaRPr/>
-          </a:p>
-        </p:txBody>
-      </p:sp>
-    </p:spTree>
-    <p:extLst>
-      <p:ext uri="{BB962C8B-B14F-4D97-AF65-F5344CB8AC3E}">
-        <p14:creationId xmlns:p14="http://schemas.microsoft.com/office/powerpoint/2010/main" val="2536824274"/>
+        <p14:creationId xmlns:p14="http://schemas.microsoft.com/office/powerpoint/2010/main" val="737628375"/>
       </p:ext>
     </p:extLst>
   </p:cSld>
@@ -17435,11 +16911,11 @@
         </p:spPr>
         <p:txBody>
           <a:bodyPr spcFirstLastPara="1" wrap="square" lIns="91425" tIns="91425" rIns="91425" bIns="91425" anchor="t" anchorCtr="0">
-            <a:normAutofit fontScale="92500" lnSpcReduction="10000"/>
+            <a:normAutofit/>
           </a:bodyPr>
           <a:lstStyle/>
           <a:p>
-            <a:pPr marL="457200" lvl="0" indent="-342900" algn="just" rtl="0">
+            <a:pPr marL="457200" lvl="0" indent="-342900" rtl="0">
               <a:spcBef>
                 <a:spcPts val="0"/>
               </a:spcBef>
@@ -17450,17 +16926,16 @@
               <a:buChar char="●"/>
             </a:pPr>
             <a:r>
-              <a:rPr lang="vi-VN"/>
-              <a:t>Java Collection Framework - Khung bộ sưu tập Java, sau đây gọi tắt là </a:t>
-            </a:r>
-            <a:r>
-              <a:rPr lang="vi-VN" b="1"/>
-              <a:t>JCF,</a:t>
-            </a:r>
-            <a:r>
-              <a:rPr lang="vi-VN"/>
-              <a:t>  cung cấp kiến trúc để lưu trữ và thao tác với một nhóm đối tượng. Khung bộ sưu tập Java bao gồm:</a:t>
-            </a:r>
+              <a:rPr lang="vi-VN" sz="1600"/>
+              <a:t>Ví dụ: API mở cung cấp các thông tin về Dự báo thời tiết như  </a:t>
+            </a:r>
+            <a:r>
+              <a:rPr lang="vi-VN" sz="1600">
+                <a:hlinkClick r:id="rId3"/>
+              </a:rPr>
+              <a:t>https://openweathermap.org/api</a:t>
+            </a:r>
+            <a:endParaRPr lang="vi-VN" sz="1600"/>
           </a:p>
           <a:p>
             <a:pPr lvl="1" indent="-342900" algn="just">
@@ -17468,40 +16943,8 @@
               <a:buChar char="●"/>
             </a:pPr>
             <a:r>
-              <a:rPr lang="vi-VN" sz="1600" b="1"/>
-              <a:t>Các giao diện – Interfaces</a:t>
-            </a:r>
-            <a:r>
               <a:rPr lang="vi-VN" sz="1600"/>
-              <a:t>: Giao diện trong Java đề cập đến các kiểu dữ liệu trừu tượng. Chúng cho phép các bộ sưu tập Java được thao tác độc lập với các chi tiết biểu diễn của chúng. Ngoài ra, chúng tạo thành một hệ thống phân cấp trong các ngôn ngữ lập trình hướng đối tượng.</a:t>
-            </a:r>
-          </a:p>
-          <a:p>
-            <a:pPr lvl="1" indent="-342900" algn="just">
-              <a:buSzPts val="1800"/>
-              <a:buChar char="●"/>
-            </a:pPr>
-            <a:r>
-              <a:rPr lang="vi-VN" sz="1600" b="1"/>
-              <a:t>Các lớp – Classes</a:t>
-            </a:r>
-            <a:r>
-              <a:rPr lang="vi-VN" sz="1600"/>
-              <a:t>: Các lớp trong Java là việc triển khai giao diện bộ sưu tập. Về cơ bản, nó đề cập đến các cấu trúc dữ liệu được sử dụng nhiều lần.</a:t>
-            </a:r>
-          </a:p>
-          <a:p>
-            <a:pPr lvl="1" indent="-342900" algn="just">
-              <a:buSzPts val="1800"/>
-              <a:buChar char="●"/>
-            </a:pPr>
-            <a:r>
-              <a:rPr lang="vi-VN" sz="1600" b="1"/>
-              <a:t>Giải thuật – Algorithm</a:t>
-            </a:r>
-            <a:r>
-              <a:rPr lang="vi-VN" sz="1600"/>
-              <a:t>: Thuật toán đề cập đến các phương thức được sử dụng để thực hiện các hoạt động như tìm kiếm và sắp xếp trên các đối tượng triển khai giao diện bộ sưu tập. Các thuật toán có bản chất đa hình vì cùng một phương thức có thể được sử dụng để có thể thực hiện các triển khai khác nhau của giao diện bộ sưu tập Java.</a:t>
+              <a:t>Lập trình viên bất kì có thể sử dụng API để phát triển Website hay Ứng dụng dự báo thời tiết của riêng mình.</a:t>
             </a:r>
           </a:p>
         </p:txBody>
@@ -17542,12 +16985,42 @@
             </a:pPr>
             <a:r>
               <a:rPr lang="vi-VN"/>
-              <a:t> Java Collection Framework là gì?</a:t>
+              <a:t>API – Weather Forecast</a:t>
             </a:r>
             <a:endParaRPr/>
           </a:p>
         </p:txBody>
       </p:sp>
+      <p:pic>
+        <p:nvPicPr>
+          <p:cNvPr id="3" name="Picture 2">
+            <a:extLst>
+              <a:ext uri="{FF2B5EF4-FFF2-40B4-BE49-F238E27FC236}">
+                <a16:creationId xmlns:a16="http://schemas.microsoft.com/office/drawing/2014/main" id="{0168BB7B-5614-532C-4E76-E6D7AB237399}"/>
+              </a:ext>
+            </a:extLst>
+          </p:cNvPr>
+          <p:cNvPicPr>
+            <a:picLocks noChangeAspect="1"/>
+          </p:cNvPicPr>
+          <p:nvPr/>
+        </p:nvPicPr>
+        <p:blipFill>
+          <a:blip r:embed="rId4"/>
+          <a:stretch>
+            <a:fillRect/>
+          </a:stretch>
+        </p:blipFill>
+        <p:spPr>
+          <a:xfrm>
+            <a:off x="4884620" y="2190443"/>
+            <a:ext cx="3947680" cy="2704108"/>
+          </a:xfrm>
+          <a:prstGeom prst="rect">
+            <a:avLst/>
+          </a:prstGeom>
+        </p:spPr>
+      </p:pic>
     </p:spTree>
     <p:extLst>
       <p:ext uri="{BB962C8B-B14F-4D97-AF65-F5344CB8AC3E}">
@@ -17599,7 +17072,7 @@
         </p:spPr>
         <p:txBody>
           <a:bodyPr spcFirstLastPara="1" wrap="square" lIns="91425" tIns="91425" rIns="91425" bIns="91425" anchor="t" anchorCtr="0">
-            <a:normAutofit/>
+            <a:normAutofit lnSpcReduction="10000"/>
           </a:bodyPr>
           <a:lstStyle/>
           <a:p>
@@ -17615,31 +17088,7 @@
             </a:pPr>
             <a:r>
               <a:rPr lang="vi-VN"/>
-              <a:t>Khung bộ sưu tập Java cung cấp cho các nhà phát triển </a:t>
-            </a:r>
-            <a:r>
-              <a:rPr lang="vi-VN">
-                <a:solidFill>
-                  <a:srgbClr val="FF0000"/>
-                </a:solidFill>
-              </a:rPr>
-              <a:t>quyền truy cập vào các cấu trúc dữ liệu được đóng gói sẵn</a:t>
-            </a:r>
-            <a:r>
-              <a:rPr lang="vi-VN"/>
-              <a:t> cũng như </a:t>
-            </a:r>
-            <a:r>
-              <a:rPr lang="vi-VN">
-                <a:solidFill>
-                  <a:srgbClr val="FF0000"/>
-                </a:solidFill>
-              </a:rPr>
-              <a:t>các thuật toán để thao tác </a:t>
-            </a:r>
-            <a:r>
-              <a:rPr lang="vi-VN"/>
-              <a:t>dữ liệu. Do vậy:</a:t>
+              <a:t>Phân loại về mặt kiến trúc/công nghệ</a:t>
             </a:r>
           </a:p>
           <a:p>
@@ -17648,8 +17097,12 @@
               <a:buChar char="●"/>
             </a:pPr>
             <a:r>
+              <a:rPr lang="vi-VN" sz="1600" b="1"/>
+              <a:t>SOAP APIs</a:t>
+            </a:r>
+            <a:r>
               <a:rPr lang="vi-VN" sz="1600"/>
-              <a:t>Giảm thiểu thời gian và công sức viết lại mã do đã cung cấp sẵn các thuật toán và cấu trúc dữ liệu hữu ích</a:t>
+              <a:t>: sử dụng giao thức truy cập đối tượng đơn giản. Client và Server trao đổi thông điệp dựa trên XML. Đây là dạng API thiếu sự linh hoạt, phổ biến trong quá khứ.</a:t>
             </a:r>
           </a:p>
           <a:p>
@@ -17658,9 +17111,55 @@
               <a:buChar char="●"/>
             </a:pPr>
             <a:r>
+              <a:rPr lang="vi-VN" sz="1600" b="1"/>
+              <a:t>RPC APIs</a:t>
+            </a:r>
+            <a:r>
               <a:rPr lang="vi-VN" sz="1600"/>
-              <a:t>Các bộ sưu tập Java cung cấp các thuật toán và cấu trúc dữ liệu hiệu suất cao và chất lượng cao do đó làm tăng tốc độ và chất lượng chương trình.</a:t>
-            </a:r>
+              <a:t>: Remote Procedure Calls. Client sẽ gọi 1 hàm trên Server và Server sẽ trả về kết quả.</a:t>
+            </a:r>
+          </a:p>
+          <a:p>
+            <a:pPr lvl="1" indent="-342900" algn="just">
+              <a:buSzPts val="1800"/>
+              <a:buChar char="●"/>
+            </a:pPr>
+            <a:r>
+              <a:rPr lang="vi-VN" sz="1600" b="1"/>
+              <a:t>Websocket APIs</a:t>
+            </a:r>
+            <a:r>
+              <a:rPr lang="vi-VN" sz="1600"/>
+              <a:t>: API hiện đại sử dụng đối tượng JSON để truyền dữ liệu. Nó hỗ trợ giao tiếp hai chiều giữa ứng dụng Client và Server. Server có thể gửi thông điệp phản hồi cho Client đang kết nối.</a:t>
+            </a:r>
+          </a:p>
+          <a:p>
+            <a:pPr lvl="1" indent="-342900" algn="just">
+              <a:buSzPts val="1800"/>
+              <a:buChar char="●"/>
+            </a:pPr>
+            <a:r>
+              <a:rPr lang="vi-VN" sz="1600" b="1"/>
+              <a:t>REST APIs</a:t>
+            </a:r>
+            <a:r>
+              <a:rPr lang="vi-VN" sz="1600"/>
+              <a:t>: API phổ biến và linh hoạt nhất trên Web ngày nay. Client và Server trao đổi dữ liệu qua các Web Services sử dụng HTTP với JSON là định dạng dữ liệu chính.</a:t>
+            </a:r>
+            <a:endParaRPr lang="vi-VN"/>
+          </a:p>
+          <a:p>
+            <a:pPr marL="457200" lvl="0" indent="-342900" algn="just" rtl="0">
+              <a:spcBef>
+                <a:spcPts val="0"/>
+              </a:spcBef>
+              <a:spcAft>
+                <a:spcPts val="0"/>
+              </a:spcAft>
+              <a:buSzPts val="1800"/>
+              <a:buChar char="●"/>
+            </a:pPr>
+            <a:endParaRPr lang="vi-VN" sz="1600"/>
           </a:p>
         </p:txBody>
       </p:sp>
@@ -17700,7 +17199,7 @@
             </a:pPr>
             <a:r>
               <a:rPr lang="vi-VN"/>
-              <a:t>Tại sao cần Collection</a:t>
+              <a:t>Các kiểu API</a:t>
             </a:r>
             <a:endParaRPr/>
           </a:p>
@@ -17738,6 +17237,118 @@
       </p:grpSpPr>
       <p:sp>
         <p:nvSpPr>
+          <p:cNvPr id="67" name="Google Shape;67;p14"/>
+          <p:cNvSpPr txBox="1">
+            <a:spLocks noGrp="1"/>
+          </p:cNvSpPr>
+          <p:nvPr>
+            <p:ph type="body" idx="1"/>
+          </p:nvPr>
+        </p:nvSpPr>
+        <p:spPr>
+          <a:xfrm>
+            <a:off x="311700" y="1152475"/>
+            <a:ext cx="8520600" cy="3416400"/>
+          </a:xfrm>
+          <a:prstGeom prst="rect">
+            <a:avLst/>
+          </a:prstGeom>
+        </p:spPr>
+        <p:txBody>
+          <a:bodyPr spcFirstLastPara="1" wrap="square" lIns="91425" tIns="91425" rIns="91425" bIns="91425" anchor="t" anchorCtr="0">
+            <a:normAutofit/>
+          </a:bodyPr>
+          <a:lstStyle/>
+          <a:p>
+            <a:pPr marL="457200" lvl="0" indent="-342900" algn="just" rtl="0">
+              <a:spcBef>
+                <a:spcPts val="0"/>
+              </a:spcBef>
+              <a:spcAft>
+                <a:spcPts val="0"/>
+              </a:spcAft>
+              <a:buSzPts val="1800"/>
+              <a:buChar char="●"/>
+            </a:pPr>
+            <a:r>
+              <a:rPr lang="vi-VN"/>
+              <a:t>Phân loại về mặt phạm vi hoạt động</a:t>
+            </a:r>
+          </a:p>
+          <a:p>
+            <a:pPr lvl="1" indent="-342900" algn="just">
+              <a:buSzPts val="1800"/>
+              <a:buChar char="●"/>
+            </a:pPr>
+            <a:r>
+              <a:rPr lang="vi-VN" sz="1600" b="1"/>
+              <a:t>Private APIs</a:t>
+            </a:r>
+            <a:r>
+              <a:rPr lang="vi-VN" sz="1600"/>
+              <a:t>: sử dụng nội bộ trong một doanh nghiệp.</a:t>
+            </a:r>
+          </a:p>
+          <a:p>
+            <a:pPr lvl="1" indent="-342900" algn="just">
+              <a:buSzPts val="1800"/>
+              <a:buChar char="●"/>
+            </a:pPr>
+            <a:r>
+              <a:rPr lang="vi-VN" sz="1600" b="1"/>
+              <a:t>Public APIs</a:t>
+            </a:r>
+            <a:r>
+              <a:rPr lang="vi-VN" sz="1600"/>
+              <a:t>: các API mở, có thể được sử dụng bởi bất kì ai.</a:t>
+            </a:r>
+          </a:p>
+          <a:p>
+            <a:pPr lvl="1" indent="-342900" algn="just">
+              <a:buSzPts val="1800"/>
+              <a:buChar char="●"/>
+            </a:pPr>
+            <a:r>
+              <a:rPr lang="vi-VN" sz="1600" b="1"/>
+              <a:t>Partner APIs</a:t>
+            </a:r>
+            <a:r>
+              <a:rPr lang="vi-VN" sz="1600"/>
+              <a:t>: chỉ có thể truy cập bởi các Nhà phát triển được cấp quyền, trong trường hợp đối tác kinh doanh, hợp tác dịch vụ.</a:t>
+            </a:r>
+          </a:p>
+          <a:p>
+            <a:pPr lvl="1" indent="-342900" algn="just">
+              <a:buSzPts val="1800"/>
+              <a:buChar char="●"/>
+            </a:pPr>
+            <a:r>
+              <a:rPr lang="vi-VN" sz="1600" b="1"/>
+              <a:t>Composite APIs</a:t>
+            </a:r>
+            <a:r>
+              <a:rPr lang="vi-VN" sz="1600"/>
+              <a:t>: kết hợp hai hay nhiều API với nhau để giải quyết các nhiệm vụ phức tạp.</a:t>
+            </a:r>
+            <a:endParaRPr lang="vi-VN"/>
+          </a:p>
+          <a:p>
+            <a:pPr marL="457200" lvl="0" indent="-342900" algn="just" rtl="0">
+              <a:spcBef>
+                <a:spcPts val="0"/>
+              </a:spcBef>
+              <a:spcAft>
+                <a:spcPts val="0"/>
+              </a:spcAft>
+              <a:buSzPts val="1800"/>
+              <a:buChar char="●"/>
+            </a:pPr>
+            <a:endParaRPr lang="vi-VN" sz="1600"/>
+          </a:p>
+        </p:txBody>
+      </p:sp>
+      <p:sp>
+        <p:nvSpPr>
           <p:cNvPr id="68" name="Google Shape;68;p14"/>
           <p:cNvSpPr txBox="1">
             <a:spLocks noGrp="1"/>
@@ -17772,7 +17383,7 @@
             </a:pPr>
             <a:r>
               <a:rPr lang="vi-VN"/>
-              <a:t>Hệ thống phân cấp JCF</a:t>
+              <a:t>Các kiểu API</a:t>
             </a:r>
             <a:endParaRPr/>
           </a:p>
@@ -17783,7 +17394,7 @@
           <p:cNvPr id="2" name="Picture 1">
             <a:extLst>
               <a:ext uri="{FF2B5EF4-FFF2-40B4-BE49-F238E27FC236}">
-                <a16:creationId xmlns:a16="http://schemas.microsoft.com/office/drawing/2014/main" id="{07ED590E-A168-EFFC-E2BE-5A3903A4E4C7}"/>
+                <a16:creationId xmlns:a16="http://schemas.microsoft.com/office/drawing/2014/main" id="{0EDC0239-E57A-1774-8475-AF97E422BDD3}"/>
               </a:ext>
             </a:extLst>
           </p:cNvPr>
@@ -17792,15 +17403,16 @@
           </p:cNvPicPr>
           <p:nvPr/>
         </p:nvPicPr>
-        <p:blipFill rotWithShape="1">
+        <p:blipFill>
           <a:blip r:embed="rId3"/>
-          <a:srcRect t="15331"/>
-          <a:stretch/>
+          <a:stretch>
+            <a:fillRect/>
+          </a:stretch>
         </p:blipFill>
         <p:spPr>
           <a:xfrm>
-            <a:off x="669731" y="1252037"/>
-            <a:ext cx="7804539" cy="3834273"/>
+            <a:off x="2850573" y="3055485"/>
+            <a:ext cx="3442854" cy="1985800"/>
           </a:xfrm>
           <a:prstGeom prst="rect">
             <a:avLst/>
@@ -17810,7 +17422,7 @@
     </p:spTree>
     <p:extLst>
       <p:ext uri="{BB962C8B-B14F-4D97-AF65-F5344CB8AC3E}">
-        <p14:creationId xmlns:p14="http://schemas.microsoft.com/office/powerpoint/2010/main" val="3209976658"/>
+        <p14:creationId xmlns:p14="http://schemas.microsoft.com/office/powerpoint/2010/main" val="3035260293"/>
       </p:ext>
     </p:extLst>
   </p:cSld>
@@ -17821,6 +17433,204 @@
 </file>
 
 <file path=ppt/slides/slide8.xml><?xml version="1.0" encoding="utf-8"?>
+<p:sld xmlns:a="http://schemas.openxmlformats.org/drawingml/2006/main" xmlns:r="http://schemas.openxmlformats.org/officeDocument/2006/relationships" xmlns:p="http://schemas.openxmlformats.org/presentationml/2006/main">
+  <p:cSld>
+    <p:spTree>
+      <p:nvGrpSpPr>
+        <p:cNvPr id="1" name="Shape 66"/>
+        <p:cNvGrpSpPr/>
+        <p:nvPr/>
+      </p:nvGrpSpPr>
+      <p:grpSpPr>
+        <a:xfrm>
+          <a:off x="0" y="0"/>
+          <a:ext cx="0" cy="0"/>
+          <a:chOff x="0" y="0"/>
+          <a:chExt cx="0" cy="0"/>
+        </a:xfrm>
+      </p:grpSpPr>
+      <p:sp>
+        <p:nvSpPr>
+          <p:cNvPr id="67" name="Google Shape;67;p14"/>
+          <p:cNvSpPr txBox="1">
+            <a:spLocks noGrp="1"/>
+          </p:cNvSpPr>
+          <p:nvPr>
+            <p:ph type="body" idx="1"/>
+          </p:nvPr>
+        </p:nvSpPr>
+        <p:spPr>
+          <a:xfrm>
+            <a:off x="311700" y="1152475"/>
+            <a:ext cx="8520600" cy="3416400"/>
+          </a:xfrm>
+          <a:prstGeom prst="rect">
+            <a:avLst/>
+          </a:prstGeom>
+        </p:spPr>
+        <p:txBody>
+          <a:bodyPr spcFirstLastPara="1" wrap="square" lIns="91425" tIns="91425" rIns="91425" bIns="91425" anchor="t" anchorCtr="0">
+            <a:normAutofit/>
+          </a:bodyPr>
+          <a:lstStyle/>
+          <a:p>
+            <a:pPr marL="457200" lvl="0" indent="-342900" rtl="0">
+              <a:spcBef>
+                <a:spcPts val="0"/>
+              </a:spcBef>
+              <a:spcAft>
+                <a:spcPts val="0"/>
+              </a:spcAft>
+              <a:buSzPts val="1800"/>
+              <a:buChar char="●"/>
+            </a:pPr>
+            <a:r>
+              <a:rPr lang="vi-VN" b="1"/>
+              <a:t>Windows API</a:t>
+            </a:r>
+            <a:r>
+              <a:rPr lang="vi-VN"/>
+              <a:t>: cho phép các lập trình viên phát triển phần mềm chạy trên Windows OS.</a:t>
+            </a:r>
+          </a:p>
+          <a:p>
+            <a:pPr marL="457200" lvl="0" indent="-342900" rtl="0">
+              <a:spcBef>
+                <a:spcPts val="0"/>
+              </a:spcBef>
+              <a:spcAft>
+                <a:spcPts val="0"/>
+              </a:spcAft>
+              <a:buSzPts val="1800"/>
+              <a:buChar char="●"/>
+            </a:pPr>
+            <a:r>
+              <a:rPr lang="vi-VN" b="1"/>
+              <a:t>Java Stream API</a:t>
+            </a:r>
+            <a:r>
+              <a:rPr lang="vi-VN"/>
+              <a:t>: cho phép các lập trình viên sử dụng các collection một cách dễ dàng và linh hoạt.</a:t>
+            </a:r>
+          </a:p>
+          <a:p>
+            <a:pPr marL="457200" lvl="0" indent="-342900" rtl="0">
+              <a:spcBef>
+                <a:spcPts val="0"/>
+              </a:spcBef>
+              <a:spcAft>
+                <a:spcPts val="0"/>
+              </a:spcAft>
+              <a:buSzPts val="1800"/>
+              <a:buChar char="●"/>
+            </a:pPr>
+            <a:r>
+              <a:rPr lang="vi-VN" b="1"/>
+              <a:t>JDBC API </a:t>
+            </a:r>
+            <a:r>
+              <a:rPr lang="vi-VN"/>
+              <a:t>là một remote API cho phép ứng dụng Java nói chuyện với DB Server từ xa.</a:t>
+            </a:r>
+          </a:p>
+          <a:p>
+            <a:pPr marL="457200" lvl="0" indent="-342900" rtl="0">
+              <a:spcBef>
+                <a:spcPts val="0"/>
+              </a:spcBef>
+              <a:spcAft>
+                <a:spcPts val="0"/>
+              </a:spcAft>
+              <a:buSzPts val="1800"/>
+              <a:buChar char="●"/>
+            </a:pPr>
+            <a:r>
+              <a:rPr lang="vi-VN" b="1"/>
+              <a:t>YouTube API </a:t>
+            </a:r>
+            <a:r>
+              <a:rPr lang="vi-VN"/>
+              <a:t>là một web API cho phép các nhà phát triển truy cập dữ liệu thống kê về video và dữ liệu kênh YouTube.</a:t>
+            </a:r>
+          </a:p>
+          <a:p>
+            <a:pPr marL="457200" lvl="0" indent="-342900" rtl="0">
+              <a:spcBef>
+                <a:spcPts val="0"/>
+              </a:spcBef>
+              <a:spcAft>
+                <a:spcPts val="0"/>
+              </a:spcAft>
+              <a:buSzPts val="1800"/>
+              <a:buChar char="●"/>
+            </a:pPr>
+            <a:r>
+              <a:rPr lang="vi-VN" b="1"/>
+              <a:t>Paypal’s Payment API </a:t>
+            </a:r>
+            <a:r>
+              <a:rPr lang="vi-VN"/>
+              <a:t>là một REST API cho phép các lập trình viên tích hợp chức năng thanh toán trực tuyến bên trong ứng dụng.</a:t>
+            </a:r>
+          </a:p>
+        </p:txBody>
+      </p:sp>
+      <p:sp>
+        <p:nvSpPr>
+          <p:cNvPr id="68" name="Google Shape;68;p14"/>
+          <p:cNvSpPr txBox="1">
+            <a:spLocks noGrp="1"/>
+          </p:cNvSpPr>
+          <p:nvPr>
+            <p:ph type="title"/>
+          </p:nvPr>
+        </p:nvSpPr>
+        <p:spPr>
+          <a:xfrm>
+            <a:off x="311700" y="445025"/>
+            <a:ext cx="8520600" cy="572700"/>
+          </a:xfrm>
+          <a:prstGeom prst="rect">
+            <a:avLst/>
+          </a:prstGeom>
+        </p:spPr>
+        <p:txBody>
+          <a:bodyPr spcFirstLastPara="1" wrap="square" lIns="91425" tIns="91425" rIns="91425" bIns="91425" anchor="t" anchorCtr="0">
+            <a:normAutofit fontScale="90000"/>
+          </a:bodyPr>
+          <a:lstStyle/>
+          <a:p>
+            <a:pPr marL="0" lvl="0" indent="0" algn="l" rtl="0">
+              <a:spcBef>
+                <a:spcPts val="0"/>
+              </a:spcBef>
+              <a:spcAft>
+                <a:spcPts val="0"/>
+              </a:spcAft>
+              <a:buNone/>
+            </a:pPr>
+            <a:r>
+              <a:rPr lang="vi-VN"/>
+              <a:t>Ví dụ về API</a:t>
+            </a:r>
+            <a:endParaRPr/>
+          </a:p>
+        </p:txBody>
+      </p:sp>
+    </p:spTree>
+    <p:extLst>
+      <p:ext uri="{BB962C8B-B14F-4D97-AF65-F5344CB8AC3E}">
+        <p14:creationId xmlns:p14="http://schemas.microsoft.com/office/powerpoint/2010/main" val="3561495910"/>
+      </p:ext>
+    </p:extLst>
+  </p:cSld>
+  <p:clrMapOvr>
+    <a:masterClrMapping/>
+  </p:clrMapOvr>
+</p:sld>
+</file>
+
+<file path=ppt/slides/slide9.xml><?xml version="1.0" encoding="utf-8"?>
 <p:sld xmlns:a="http://schemas.openxmlformats.org/drawingml/2006/main" xmlns:r="http://schemas.openxmlformats.org/officeDocument/2006/relationships" xmlns:p="http://schemas.openxmlformats.org/presentationml/2006/main">
   <p:cSld>
     <p:spTree>
@@ -17875,8 +17685,8 @@
               <a:buNone/>
             </a:pPr>
             <a:r>
-              <a:rPr lang="en-US" altLang="en-US"/>
-              <a:t>Collection Interface</a:t>
+              <a:rPr lang="vi-VN"/>
+              <a:t>API Rest</a:t>
             </a:r>
             <a:endParaRPr/>
           </a:p>
@@ -17885,243 +17695,7 @@
     </p:spTree>
     <p:extLst>
       <p:ext uri="{BB962C8B-B14F-4D97-AF65-F5344CB8AC3E}">
-        <p14:creationId xmlns:p14="http://schemas.microsoft.com/office/powerpoint/2010/main" val="3113166459"/>
-      </p:ext>
-    </p:extLst>
-  </p:cSld>
-  <p:clrMapOvr>
-    <a:masterClrMapping/>
-  </p:clrMapOvr>
-</p:sld>
-</file>
-
-<file path=ppt/slides/slide9.xml><?xml version="1.0" encoding="utf-8"?>
-<p:sld xmlns:a="http://schemas.openxmlformats.org/drawingml/2006/main" xmlns:r="http://schemas.openxmlformats.org/officeDocument/2006/relationships" xmlns:p="http://schemas.openxmlformats.org/presentationml/2006/main">
-  <p:cSld>
-    <p:spTree>
-      <p:nvGrpSpPr>
-        <p:cNvPr id="1" name="Shape 66"/>
-        <p:cNvGrpSpPr/>
-        <p:nvPr/>
-      </p:nvGrpSpPr>
-      <p:grpSpPr>
-        <a:xfrm>
-          <a:off x="0" y="0"/>
-          <a:ext cx="0" cy="0"/>
-          <a:chOff x="0" y="0"/>
-          <a:chExt cx="0" cy="0"/>
-        </a:xfrm>
-      </p:grpSpPr>
-      <p:sp>
-        <p:nvSpPr>
-          <p:cNvPr id="67" name="Google Shape;67;p14"/>
-          <p:cNvSpPr txBox="1">
-            <a:spLocks noGrp="1"/>
-          </p:cNvSpPr>
-          <p:nvPr>
-            <p:ph type="body" idx="1"/>
-          </p:nvPr>
-        </p:nvSpPr>
-        <p:spPr>
-          <a:xfrm>
-            <a:off x="311700" y="1152475"/>
-            <a:ext cx="8520600" cy="3416400"/>
-          </a:xfrm>
-          <a:prstGeom prst="rect">
-            <a:avLst/>
-          </a:prstGeom>
-        </p:spPr>
-        <p:txBody>
-          <a:bodyPr spcFirstLastPara="1" wrap="square" lIns="91425" tIns="91425" rIns="91425" bIns="91425" anchor="t" anchorCtr="0">
-            <a:normAutofit/>
-          </a:bodyPr>
-          <a:lstStyle/>
-          <a:p>
-            <a:pPr marL="457200" lvl="0" indent="-342900" algn="just" rtl="0">
-              <a:spcBef>
-                <a:spcPts val="0"/>
-              </a:spcBef>
-              <a:spcAft>
-                <a:spcPts val="0"/>
-              </a:spcAft>
-              <a:buSzPts val="1800"/>
-              <a:buChar char="●"/>
-            </a:pPr>
-            <a:r>
-              <a:rPr lang="vi-VN"/>
-              <a:t>Định nghĩa các phương thức cơ bản:</a:t>
-            </a:r>
-          </a:p>
-          <a:p>
-            <a:pPr lvl="1" indent="-342900" algn="just">
-              <a:buSzPts val="1800"/>
-              <a:buChar char="●"/>
-            </a:pPr>
-            <a:r>
-              <a:rPr lang="en-US" sz="1600"/>
-              <a:t>int </a:t>
-            </a:r>
-            <a:r>
-              <a:rPr lang="en-US" sz="1600" b="1"/>
-              <a:t>size</a:t>
-            </a:r>
-            <a:r>
-              <a:rPr lang="en-US" sz="1600"/>
-              <a:t>();</a:t>
-            </a:r>
-          </a:p>
-          <a:p>
-            <a:pPr lvl="1" indent="-342900" algn="just">
-              <a:buSzPts val="1800"/>
-              <a:buChar char="●"/>
-            </a:pPr>
-            <a:r>
-              <a:rPr lang="en-US" sz="1600"/>
-              <a:t>boolean </a:t>
-            </a:r>
-            <a:r>
-              <a:rPr lang="en-US" sz="1600" b="1"/>
-              <a:t>isEmpty</a:t>
-            </a:r>
-            <a:r>
-              <a:rPr lang="en-US" sz="1600"/>
-              <a:t>();</a:t>
-            </a:r>
-          </a:p>
-          <a:p>
-            <a:pPr lvl="1" indent="-342900" algn="just">
-              <a:buSzPts val="1800"/>
-              <a:buChar char="●"/>
-            </a:pPr>
-            <a:r>
-              <a:rPr lang="en-US" sz="1600"/>
-              <a:t>boolean </a:t>
-            </a:r>
-            <a:r>
-              <a:rPr lang="en-US" sz="1600" b="1"/>
-              <a:t>contains</a:t>
-            </a:r>
-            <a:r>
-              <a:rPr lang="en-US" sz="1600"/>
-              <a:t>(Object element);</a:t>
-            </a:r>
-          </a:p>
-          <a:p>
-            <a:pPr lvl="1" indent="-342900" algn="just">
-              <a:buSzPts val="1800"/>
-              <a:buChar char="●"/>
-            </a:pPr>
-            <a:r>
-              <a:rPr lang="en-US" sz="1600"/>
-              <a:t>boolean </a:t>
-            </a:r>
-            <a:r>
-              <a:rPr lang="en-US" sz="1600" b="1"/>
-              <a:t>add</a:t>
-            </a:r>
-            <a:r>
-              <a:rPr lang="en-US" sz="1600"/>
-              <a:t>(Object element);    // Optional</a:t>
-            </a:r>
-          </a:p>
-          <a:p>
-            <a:pPr lvl="1" indent="-342900" algn="just">
-              <a:buSzPts val="1800"/>
-              <a:buChar char="●"/>
-            </a:pPr>
-            <a:r>
-              <a:rPr lang="en-US" sz="1600"/>
-              <a:t>boolean </a:t>
-            </a:r>
-            <a:r>
-              <a:rPr lang="en-US" sz="1600" b="1"/>
-              <a:t>remove</a:t>
-            </a:r>
-            <a:r>
-              <a:rPr lang="en-US" sz="1600"/>
-              <a:t>(Object element); // Optional</a:t>
-            </a:r>
-          </a:p>
-          <a:p>
-            <a:pPr lvl="1" indent="-342900" algn="just">
-              <a:buSzPts val="1800"/>
-              <a:buChar char="●"/>
-            </a:pPr>
-            <a:r>
-              <a:rPr lang="en-US" sz="1600"/>
-              <a:t>Iterator </a:t>
-            </a:r>
-            <a:r>
-              <a:rPr lang="en-US" sz="1600" b="1"/>
-              <a:t>iterator</a:t>
-            </a:r>
-            <a:r>
-              <a:rPr lang="en-US" sz="1600"/>
-              <a:t>();</a:t>
-            </a:r>
-          </a:p>
-          <a:p>
-            <a:pPr algn="just"/>
-            <a:r>
-              <a:rPr lang="vi-VN"/>
-              <a:t>Các phương thức này đủ để xác định hành vi cơ bản của một bộ sưu tập</a:t>
-            </a:r>
-          </a:p>
-          <a:p>
-            <a:pPr algn="just"/>
-            <a:r>
-              <a:rPr lang="vi-VN"/>
-              <a:t>Cung cấp một Iterator để duyệt qua các phần tử trong Collection</a:t>
-            </a:r>
-          </a:p>
-        </p:txBody>
-      </p:sp>
-      <p:sp>
-        <p:nvSpPr>
-          <p:cNvPr id="68" name="Google Shape;68;p14"/>
-          <p:cNvSpPr txBox="1">
-            <a:spLocks noGrp="1"/>
-          </p:cNvSpPr>
-          <p:nvPr>
-            <p:ph type="title"/>
-          </p:nvPr>
-        </p:nvSpPr>
-        <p:spPr>
-          <a:xfrm>
-            <a:off x="311700" y="445025"/>
-            <a:ext cx="8520600" cy="572700"/>
-          </a:xfrm>
-          <a:prstGeom prst="rect">
-            <a:avLst/>
-          </a:prstGeom>
-        </p:spPr>
-        <p:txBody>
-          <a:bodyPr spcFirstLastPara="1" wrap="square" lIns="91425" tIns="91425" rIns="91425" bIns="91425" anchor="t" anchorCtr="0">
-            <a:normAutofit fontScale="90000"/>
-          </a:bodyPr>
-          <a:lstStyle/>
-          <a:p>
-            <a:pPr marL="0" lvl="0" indent="0" algn="l" rtl="0">
-              <a:spcBef>
-                <a:spcPts val="0"/>
-              </a:spcBef>
-              <a:spcAft>
-                <a:spcPts val="0"/>
-              </a:spcAft>
-              <a:buNone/>
-            </a:pPr>
-            <a:r>
-              <a:rPr lang="vi-VN"/>
-              <a:t>Collection Interface</a:t>
-            </a:r>
-            <a:endParaRPr/>
-          </a:p>
-        </p:txBody>
-      </p:sp>
-    </p:spTree>
-    <p:extLst>
-      <p:ext uri="{BB962C8B-B14F-4D97-AF65-F5344CB8AC3E}">
-        <p14:creationId xmlns:p14="http://schemas.microsoft.com/office/powerpoint/2010/main" val="1294385234"/>
+        <p14:creationId xmlns:p14="http://schemas.microsoft.com/office/powerpoint/2010/main" val="2268637145"/>
       </p:ext>
     </p:extLst>
   </p:cSld>

--- a/presentations/Bài 23_Xay dung cac API Rest.pptx
+++ b/presentations/Bài 23_Xay dung cac API Rest.pptx
@@ -5,7 +5,7 @@
     <p:sldMasterId id="2147483659" r:id="rId1"/>
   </p:sldMasterIdLst>
   <p:notesMasterIdLst>
-    <p:notesMasterId r:id="rId44"/>
+    <p:notesMasterId r:id="rId45"/>
   </p:notesMasterIdLst>
   <p:sldIdLst>
     <p:sldId id="256" r:id="rId2"/>
@@ -50,20 +50,21 @@
     <p:sldId id="361" r:id="rId41"/>
     <p:sldId id="362" r:id="rId42"/>
     <p:sldId id="363" r:id="rId43"/>
+    <p:sldId id="364" r:id="rId44"/>
   </p:sldIdLst>
   <p:sldSz cx="9144000" cy="5143500" type="screen16x9"/>
   <p:notesSz cx="6858000" cy="9144000"/>
   <p:embeddedFontLst>
     <p:embeddedFont>
       <p:font typeface="Alfa Slab One" panose="020B0604020202020204" charset="0"/>
-      <p:regular r:id="rId45"/>
+      <p:regular r:id="rId46"/>
     </p:embeddedFont>
     <p:embeddedFont>
       <p:font typeface="Proxima Nova" panose="020B0604020202020204" charset="0"/>
-      <p:regular r:id="rId46"/>
-      <p:bold r:id="rId47"/>
-      <p:italic r:id="rId48"/>
-      <p:boldItalic r:id="rId49"/>
+      <p:regular r:id="rId47"/>
+      <p:bold r:id="rId48"/>
+      <p:italic r:id="rId49"/>
+      <p:boldItalic r:id="rId50"/>
     </p:embeddedFont>
   </p:embeddedFontLst>
   <p:defaultTextStyle>
@@ -6132,6 +6133,270 @@
 </p:sldLayout>
 </file>
 
+<file path=ppt/slideLayouts/slideLayout11.xml><?xml version="1.0" encoding="utf-8"?>
+<p:sldLayout xmlns:a="http://schemas.openxmlformats.org/drawingml/2006/main" xmlns:r="http://schemas.openxmlformats.org/officeDocument/2006/relationships" xmlns:p="http://schemas.openxmlformats.org/presentationml/2006/main" matchingName="Title only" type="titleOnly">
+  <p:cSld name="Title only">
+    <p:spTree>
+      <p:nvGrpSpPr>
+        <p:cNvPr id="1" name="Shape 29"/>
+        <p:cNvGrpSpPr/>
+        <p:nvPr/>
+      </p:nvGrpSpPr>
+      <p:grpSpPr>
+        <a:xfrm>
+          <a:off x="0" y="0"/>
+          <a:ext cx="0" cy="0"/>
+          <a:chOff x="0" y="0"/>
+          <a:chExt cx="0" cy="0"/>
+        </a:xfrm>
+      </p:grpSpPr>
+      <p:sp>
+        <p:nvSpPr>
+          <p:cNvPr id="30" name="Google Shape;30;p6"/>
+          <p:cNvSpPr txBox="1">
+            <a:spLocks noGrp="1"/>
+          </p:cNvSpPr>
+          <p:nvPr>
+            <p:ph type="title"/>
+          </p:nvPr>
+        </p:nvSpPr>
+        <p:spPr>
+          <a:xfrm>
+            <a:off x="311700" y="445025"/>
+            <a:ext cx="8520600" cy="572700"/>
+          </a:xfrm>
+          <a:prstGeom prst="rect">
+            <a:avLst/>
+          </a:prstGeom>
+        </p:spPr>
+        <p:txBody>
+          <a:bodyPr spcFirstLastPara="1" wrap="square" lIns="91425" tIns="91425" rIns="91425" bIns="91425" anchor="t" anchorCtr="0">
+            <a:normAutofit/>
+          </a:bodyPr>
+          <a:lstStyle>
+            <a:lvl1pPr lvl="0">
+              <a:spcBef>
+                <a:spcPts val="0"/>
+              </a:spcBef>
+              <a:spcAft>
+                <a:spcPts val="0"/>
+              </a:spcAft>
+              <a:buSzPts val="3000"/>
+              <a:buNone/>
+              <a:defRPr/>
+            </a:lvl1pPr>
+            <a:lvl2pPr lvl="1">
+              <a:spcBef>
+                <a:spcPts val="0"/>
+              </a:spcBef>
+              <a:spcAft>
+                <a:spcPts val="0"/>
+              </a:spcAft>
+              <a:buSzPts val="3000"/>
+              <a:buNone/>
+              <a:defRPr/>
+            </a:lvl2pPr>
+            <a:lvl3pPr lvl="2">
+              <a:spcBef>
+                <a:spcPts val="0"/>
+              </a:spcBef>
+              <a:spcAft>
+                <a:spcPts val="0"/>
+              </a:spcAft>
+              <a:buSzPts val="3000"/>
+              <a:buNone/>
+              <a:defRPr/>
+            </a:lvl3pPr>
+            <a:lvl4pPr lvl="3">
+              <a:spcBef>
+                <a:spcPts val="0"/>
+              </a:spcBef>
+              <a:spcAft>
+                <a:spcPts val="0"/>
+              </a:spcAft>
+              <a:buSzPts val="3000"/>
+              <a:buNone/>
+              <a:defRPr/>
+            </a:lvl4pPr>
+            <a:lvl5pPr lvl="4">
+              <a:spcBef>
+                <a:spcPts val="0"/>
+              </a:spcBef>
+              <a:spcAft>
+                <a:spcPts val="0"/>
+              </a:spcAft>
+              <a:buSzPts val="3000"/>
+              <a:buNone/>
+              <a:defRPr/>
+            </a:lvl5pPr>
+            <a:lvl6pPr lvl="5">
+              <a:spcBef>
+                <a:spcPts val="0"/>
+              </a:spcBef>
+              <a:spcAft>
+                <a:spcPts val="0"/>
+              </a:spcAft>
+              <a:buSzPts val="3000"/>
+              <a:buNone/>
+              <a:defRPr/>
+            </a:lvl6pPr>
+            <a:lvl7pPr lvl="6">
+              <a:spcBef>
+                <a:spcPts val="0"/>
+              </a:spcBef>
+              <a:spcAft>
+                <a:spcPts val="0"/>
+              </a:spcAft>
+              <a:buSzPts val="3000"/>
+              <a:buNone/>
+              <a:defRPr/>
+            </a:lvl7pPr>
+            <a:lvl8pPr lvl="7">
+              <a:spcBef>
+                <a:spcPts val="0"/>
+              </a:spcBef>
+              <a:spcAft>
+                <a:spcPts val="0"/>
+              </a:spcAft>
+              <a:buSzPts val="3000"/>
+              <a:buNone/>
+              <a:defRPr/>
+            </a:lvl8pPr>
+            <a:lvl9pPr lvl="8">
+              <a:spcBef>
+                <a:spcPts val="0"/>
+              </a:spcBef>
+              <a:spcAft>
+                <a:spcPts val="0"/>
+              </a:spcAft>
+              <a:buSzPts val="3000"/>
+              <a:buNone/>
+              <a:defRPr/>
+            </a:lvl9pPr>
+          </a:lstStyle>
+          <a:p>
+            <a:endParaRPr/>
+          </a:p>
+        </p:txBody>
+      </p:sp>
+      <p:sp>
+        <p:nvSpPr>
+          <p:cNvPr id="31" name="Google Shape;31;p6"/>
+          <p:cNvSpPr txBox="1">
+            <a:spLocks noGrp="1"/>
+          </p:cNvSpPr>
+          <p:nvPr>
+            <p:ph type="sldNum" idx="12"/>
+          </p:nvPr>
+        </p:nvSpPr>
+        <p:spPr>
+          <a:xfrm>
+            <a:off x="8472458" y="4663217"/>
+            <a:ext cx="548700" cy="393600"/>
+          </a:xfrm>
+          <a:prstGeom prst="rect">
+            <a:avLst/>
+          </a:prstGeom>
+        </p:spPr>
+        <p:txBody>
+          <a:bodyPr spcFirstLastPara="1" wrap="square" lIns="91425" tIns="91425" rIns="91425" bIns="91425" anchor="ctr" anchorCtr="0">
+            <a:normAutofit/>
+          </a:bodyPr>
+          <a:lstStyle>
+            <a:lvl1pPr lvl="0">
+              <a:buNone/>
+              <a:defRPr/>
+            </a:lvl1pPr>
+            <a:lvl2pPr lvl="1">
+              <a:buNone/>
+              <a:defRPr/>
+            </a:lvl2pPr>
+            <a:lvl3pPr lvl="2">
+              <a:buNone/>
+              <a:defRPr/>
+            </a:lvl3pPr>
+            <a:lvl4pPr lvl="3">
+              <a:buNone/>
+              <a:defRPr/>
+            </a:lvl4pPr>
+            <a:lvl5pPr lvl="4">
+              <a:buNone/>
+              <a:defRPr/>
+            </a:lvl5pPr>
+            <a:lvl6pPr lvl="5">
+              <a:buNone/>
+              <a:defRPr/>
+            </a:lvl6pPr>
+            <a:lvl7pPr lvl="6">
+              <a:buNone/>
+              <a:defRPr/>
+            </a:lvl7pPr>
+            <a:lvl8pPr lvl="7">
+              <a:buNone/>
+              <a:defRPr/>
+            </a:lvl8pPr>
+            <a:lvl9pPr lvl="8">
+              <a:buNone/>
+              <a:defRPr/>
+            </a:lvl9pPr>
+          </a:lstStyle>
+          <a:p>
+            <a:pPr marL="0" lvl="0" indent="0" algn="r" rtl="0">
+              <a:spcBef>
+                <a:spcPts val="0"/>
+              </a:spcBef>
+              <a:spcAft>
+                <a:spcPts val="0"/>
+              </a:spcAft>
+              <a:buNone/>
+            </a:pPr>
+            <a:fld id="{00000000-1234-1234-1234-123412341234}" type="slidenum">
+              <a:rPr lang="en"/>
+              <a:t>‹#›</a:t>
+            </a:fld>
+            <a:endParaRPr/>
+          </a:p>
+        </p:txBody>
+      </p:sp>
+      <p:cxnSp>
+        <p:nvCxnSpPr>
+          <p:cNvPr id="32" name="Google Shape;32;p6"/>
+          <p:cNvCxnSpPr/>
+          <p:nvPr/>
+        </p:nvCxnSpPr>
+        <p:spPr>
+          <a:xfrm>
+            <a:off x="397650" y="1152475"/>
+            <a:ext cx="8348700" cy="1200"/>
+          </a:xfrm>
+          <a:prstGeom prst="straightConnector1">
+            <a:avLst/>
+          </a:prstGeom>
+          <a:noFill/>
+          <a:ln w="19050" cap="flat" cmpd="sng">
+            <a:solidFill>
+              <a:srgbClr val="F48121"/>
+            </a:solidFill>
+            <a:prstDash val="solid"/>
+            <a:round/>
+            <a:headEnd type="none" w="sm" len="sm"/>
+            <a:tailEnd type="none" w="sm" len="sm"/>
+          </a:ln>
+        </p:spPr>
+      </p:cxnSp>
+    </p:spTree>
+    <p:extLst>
+      <p:ext uri="{BB962C8B-B14F-4D97-AF65-F5344CB8AC3E}">
+        <p14:creationId xmlns:p14="http://schemas.microsoft.com/office/powerpoint/2010/main" val="3676741629"/>
+      </p:ext>
+    </p:extLst>
+  </p:cSld>
+  <p:clrMapOvr>
+    <a:masterClrMapping/>
+  </p:clrMapOvr>
+</p:sldLayout>
+</file>
+
 <file path=ppt/slideLayouts/slideLayout2.xml><?xml version="1.0" encoding="utf-8"?>
 <p:sldLayout xmlns:a="http://schemas.openxmlformats.org/drawingml/2006/main" xmlns:r="http://schemas.openxmlformats.org/officeDocument/2006/relationships" xmlns:p="http://schemas.openxmlformats.org/presentationml/2006/main" matchingName="Section header" type="secHead">
   <p:cSld name="SECTION_HEADER">
@@ -10064,7 +10329,7 @@
           <p:nvPr/>
         </p:nvPicPr>
         <p:blipFill>
-          <a:blip r:embed="rId12">
+          <a:blip r:embed="rId13">
             <a:alphaModFix/>
           </a:blip>
           <a:stretch>
@@ -10099,6 +10364,7 @@
     <p:sldLayoutId id="2147483656" r:id="rId8"/>
     <p:sldLayoutId id="2147483657" r:id="rId9"/>
     <p:sldLayoutId id="2147483658" r:id="rId10"/>
+    <p:sldLayoutId id="2147483660" r:id="rId11"/>
   </p:sldLayoutIdLst>
   <p:hf sldNum="0" hdr="0" ftr="0" dt="0"/>
   <p:txStyles>
@@ -16873,6 +17139,110 @@
 </p:sld>
 </file>
 
+<file path=ppt/slides/slide43.xml><?xml version="1.0" encoding="utf-8"?>
+<p:sld xmlns:a="http://schemas.openxmlformats.org/drawingml/2006/main" xmlns:r="http://schemas.openxmlformats.org/officeDocument/2006/relationships" xmlns:p="http://schemas.openxmlformats.org/presentationml/2006/main">
+  <p:cSld>
+    <p:spTree>
+      <p:nvGrpSpPr>
+        <p:cNvPr id="1" name=""/>
+        <p:cNvGrpSpPr/>
+        <p:nvPr/>
+      </p:nvGrpSpPr>
+      <p:grpSpPr>
+        <a:xfrm>
+          <a:off x="0" y="0"/>
+          <a:ext cx="0" cy="0"/>
+          <a:chOff x="0" y="0"/>
+          <a:chExt cx="0" cy="0"/>
+        </a:xfrm>
+      </p:grpSpPr>
+      <p:sp>
+        <p:nvSpPr>
+          <p:cNvPr id="2" name="Title 1">
+            <a:extLst>
+              <a:ext uri="{FF2B5EF4-FFF2-40B4-BE49-F238E27FC236}">
+                <a16:creationId xmlns:a16="http://schemas.microsoft.com/office/drawing/2014/main" id="{CF6D12E1-FBF4-CDF1-B80D-910C581441FA}"/>
+              </a:ext>
+            </a:extLst>
+          </p:cNvPr>
+          <p:cNvSpPr>
+            <a:spLocks noGrp="1"/>
+          </p:cNvSpPr>
+          <p:nvPr>
+            <p:ph type="title"/>
+          </p:nvPr>
+        </p:nvSpPr>
+        <p:spPr/>
+        <p:txBody>
+          <a:bodyPr>
+            <a:normAutofit fontScale="90000"/>
+          </a:bodyPr>
+          <a:lstStyle/>
+          <a:p>
+            <a:endParaRPr lang="en-US"/>
+          </a:p>
+        </p:txBody>
+      </p:sp>
+      <p:pic>
+        <p:nvPicPr>
+          <p:cNvPr id="2050" name="Picture 2">
+            <a:extLst>
+              <a:ext uri="{FF2B5EF4-FFF2-40B4-BE49-F238E27FC236}">
+                <a16:creationId xmlns:a16="http://schemas.microsoft.com/office/drawing/2014/main" id="{DEF02AC6-78FC-B7BC-B1CC-891990A6FE59}"/>
+              </a:ext>
+            </a:extLst>
+          </p:cNvPr>
+          <p:cNvPicPr>
+            <a:picLocks noChangeAspect="1" noChangeArrowheads="1"/>
+          </p:cNvPicPr>
+          <p:nvPr/>
+        </p:nvPicPr>
+        <p:blipFill>
+          <a:blip r:embed="rId2">
+            <a:extLst>
+              <a:ext uri="{28A0092B-C50C-407E-A947-70E740481C1C}">
+                <a14:useLocalDpi xmlns:a14="http://schemas.microsoft.com/office/drawing/2010/main" val="0"/>
+              </a:ext>
+            </a:extLst>
+          </a:blip>
+          <a:srcRect/>
+          <a:stretch>
+            <a:fillRect/>
+          </a:stretch>
+        </p:blipFill>
+        <p:spPr bwMode="auto">
+          <a:xfrm>
+            <a:off x="0" y="0"/>
+            <a:ext cx="9144000" cy="5143500"/>
+          </a:xfrm>
+          <a:prstGeom prst="rect">
+            <a:avLst/>
+          </a:prstGeom>
+          <a:noFill/>
+          <a:extLst>
+            <a:ext uri="{909E8E84-426E-40DD-AFC4-6F175D3DCCD1}">
+              <a14:hiddenFill xmlns:a14="http://schemas.microsoft.com/office/drawing/2010/main">
+                <a:solidFill>
+                  <a:srgbClr val="FFFFFF"/>
+                </a:solidFill>
+              </a14:hiddenFill>
+            </a:ext>
+          </a:extLst>
+        </p:spPr>
+      </p:pic>
+    </p:spTree>
+    <p:extLst>
+      <p:ext uri="{BB962C8B-B14F-4D97-AF65-F5344CB8AC3E}">
+        <p14:creationId xmlns:p14="http://schemas.microsoft.com/office/powerpoint/2010/main" val="1171021255"/>
+      </p:ext>
+    </p:extLst>
+  </p:cSld>
+  <p:clrMapOvr>
+    <a:masterClrMapping/>
+  </p:clrMapOvr>
+</p:sld>
+</file>
+
 <file path=ppt/slides/slide5.xml><?xml version="1.0" encoding="utf-8"?>
 <p:sld xmlns:a="http://schemas.openxmlformats.org/drawingml/2006/main" xmlns:r="http://schemas.openxmlformats.org/officeDocument/2006/relationships" xmlns:p="http://schemas.openxmlformats.org/presentationml/2006/main">
   <p:cSld>
